--- a/Week 2 - Arrays and Matrices - Relational and Logical Operators/PowerPoint Presentations/Week_2_Part_2_Relational_and_Logical_Operators.pptx
+++ b/Week 2 - Arrays and Matrices - Relational and Logical Operators/PowerPoint Presentations/Week_2_Part_2_Relational_and_Logical_Operators.pptx
@@ -223,7 +223,7 @@
           <a:p>
             <a:fld id="{C0DB4203-FCE6-4DB9-8B82-6DDA69D645A0}" type="datetimeFigureOut">
               <a:rPr lang="en-ZA" smtClean="0"/>
-              <a:t>2023/05/09</a:t>
+              <a:t>23 May 2023</a:t>
             </a:fld>
             <a:endParaRPr lang="en-ZA"/>
           </a:p>
@@ -3672,7 +3672,7 @@
         </p:nvSpPr>
         <p:spPr>
           <a:xfrm>
-            <a:off x="460408" y="4693122"/>
+            <a:off x="460408" y="4440202"/>
             <a:ext cx="8229600" cy="360000"/>
           </a:xfrm>
           <a:prstGeom prst="rect">
@@ -3730,7 +3730,7 @@
         </p:nvSpPr>
         <p:spPr>
           <a:xfrm>
-            <a:off x="462013" y="2233059"/>
+            <a:off x="462013" y="2126054"/>
             <a:ext cx="8229600" cy="360000"/>
           </a:xfrm>
           <a:prstGeom prst="rect">
@@ -3948,49 +3948,49 @@
               <a:buNone/>
             </a:pPr>
             <a:r>
-              <a:rPr lang="en-ZA" sz="1800" dirty="0">
+              <a:rPr lang="en-ZA" sz="1600" dirty="0">
                 <a:latin typeface="Helvetica" panose="020B0604020202020204" pitchFamily="34" charset="0"/>
                 <a:cs typeface="Helvetica" panose="020B0604020202020204" pitchFamily="34" charset="0"/>
               </a:rPr>
               <a:t>Which elements of </a:t>
             </a:r>
             <a:r>
-              <a:rPr lang="en-ZA" sz="1800" dirty="0">
+              <a:rPr lang="en-ZA" sz="1600" dirty="0">
                 <a:latin typeface="Consolas" panose="020B0609020204030204" pitchFamily="49" charset="0"/>
                 <a:cs typeface="Helvetica" panose="020B0604020202020204" pitchFamily="34" charset="0"/>
               </a:rPr>
               <a:t>arr_1</a:t>
             </a:r>
             <a:r>
-              <a:rPr lang="en-ZA" sz="1800" dirty="0">
+              <a:rPr lang="en-ZA" sz="1600" dirty="0">
                 <a:latin typeface="Helvetica" panose="020B0604020202020204" pitchFamily="34" charset="0"/>
                 <a:cs typeface="Helvetica" panose="020B0604020202020204" pitchFamily="34" charset="0"/>
               </a:rPr>
               <a:t> is greater than or equal to the corresponding element in </a:t>
             </a:r>
             <a:r>
-              <a:rPr lang="en-ZA" sz="1800" dirty="0">
+              <a:rPr lang="en-ZA" sz="1600" dirty="0">
                 <a:latin typeface="Consolas" panose="020B0609020204030204" pitchFamily="49" charset="0"/>
                 <a:cs typeface="Helvetica" panose="020B0604020202020204" pitchFamily="34" charset="0"/>
               </a:rPr>
               <a:t>arr_2</a:t>
             </a:r>
             <a:r>
-              <a:rPr lang="en-ZA" sz="1800" dirty="0">
+              <a:rPr lang="en-ZA" sz="1600" dirty="0">
                 <a:latin typeface="Helvetica" panose="020B0604020202020204" pitchFamily="34" charset="0"/>
                 <a:cs typeface="Helvetica" panose="020B0604020202020204" pitchFamily="34" charset="0"/>
               </a:rPr>
               <a:t>? Assign the answer to the variable </a:t>
             </a:r>
             <a:r>
-              <a:rPr lang="en-ZA" sz="1800" dirty="0">
+              <a:rPr lang="en-ZA" sz="1600" dirty="0">
                 <a:latin typeface="Consolas" panose="020B0609020204030204" pitchFamily="49" charset="0"/>
                 <a:cs typeface="Helvetica" panose="020B0604020202020204" pitchFamily="34" charset="0"/>
               </a:rPr>
               <a:t>logical_arr_1</a:t>
             </a:r>
             <a:r>
-              <a:rPr lang="en-ZA" sz="1800" dirty="0">
+              <a:rPr lang="en-ZA" sz="1600" dirty="0">
                 <a:latin typeface="Helvetica" panose="020B0604020202020204" pitchFamily="34" charset="0"/>
                 <a:cs typeface="Helvetica" panose="020B0604020202020204" pitchFamily="34" charset="0"/>
               </a:rPr>
@@ -4001,7 +4001,7 @@
             <a:pPr marL="0" indent="0" algn="just">
               <a:buNone/>
             </a:pPr>
-            <a:endParaRPr lang="en-ZA" sz="1800" dirty="0">
+            <a:endParaRPr lang="en-ZA" sz="1600" dirty="0">
               <a:latin typeface="Consolas" panose="020B0609020204030204" pitchFamily="49" charset="0"/>
               <a:cs typeface="Helvetica" panose="020B0604020202020204" pitchFamily="34" charset="0"/>
             </a:endParaRPr>
@@ -4011,7 +4011,7 @@
               <a:buNone/>
             </a:pPr>
             <a:r>
-              <a:rPr lang="en-ZA" sz="1800" dirty="0">
+              <a:rPr lang="en-ZA" sz="1600" dirty="0">
                 <a:latin typeface="Consolas" panose="020B0609020204030204" pitchFamily="49" charset="0"/>
                 <a:cs typeface="Helvetica" panose="020B0604020202020204" pitchFamily="34" charset="0"/>
               </a:rPr>
@@ -4023,14 +4023,14 @@
               <a:buNone/>
             </a:pPr>
             <a:r>
-              <a:rPr lang="en-ZA" sz="1800" dirty="0">
+              <a:rPr lang="en-ZA" sz="1600" dirty="0">
                 <a:latin typeface="Consolas" panose="020B0609020204030204" pitchFamily="49" charset="0"/>
                 <a:cs typeface="Helvetica" panose="020B0604020202020204" pitchFamily="34" charset="0"/>
               </a:rPr>
               <a:t>logical_arr_1 = </a:t>
             </a:r>
             <a:r>
-              <a:rPr lang="en-ZA" sz="1800" dirty="0">
+              <a:rPr lang="en-ZA" sz="1600" dirty="0">
                 <a:solidFill>
                   <a:schemeClr val="bg1">
                     <a:lumMod val="65000"/>
@@ -4047,7 +4047,7 @@
               <a:buNone/>
             </a:pPr>
             <a:r>
-              <a:rPr lang="en-ZA" sz="1800" dirty="0">
+              <a:rPr lang="en-ZA" sz="1600" dirty="0">
                 <a:latin typeface="Consolas" panose="020B0609020204030204" pitchFamily="49" charset="0"/>
                 <a:cs typeface="Helvetica" panose="020B0604020202020204" pitchFamily="34" charset="0"/>
               </a:rPr>
@@ -4058,7 +4058,7 @@
             <a:pPr marL="0" indent="0" algn="just">
               <a:buNone/>
             </a:pPr>
-            <a:endParaRPr lang="en-ZA" sz="1800" dirty="0">
+            <a:endParaRPr lang="en-ZA" sz="1600" dirty="0">
               <a:latin typeface="Consolas" panose="020B0609020204030204" pitchFamily="49" charset="0"/>
               <a:cs typeface="Helvetica" panose="020B0604020202020204" pitchFamily="34" charset="0"/>
             </a:endParaRPr>
@@ -4068,35 +4068,35 @@
               <a:buNone/>
             </a:pPr>
             <a:r>
-              <a:rPr lang="en-ZA" sz="1800" dirty="0">
+              <a:rPr lang="en-ZA" sz="1600" dirty="0">
                 <a:latin typeface="Helvetica" panose="020B0604020202020204" pitchFamily="34" charset="0"/>
                 <a:cs typeface="Helvetica" panose="020B0604020202020204" pitchFamily="34" charset="0"/>
               </a:rPr>
               <a:t>Which elements of </a:t>
             </a:r>
             <a:r>
-              <a:rPr lang="en-ZA" sz="1800" dirty="0">
+              <a:rPr lang="en-ZA" sz="1600" dirty="0">
                 <a:latin typeface="Consolas" panose="020B0609020204030204" pitchFamily="49" charset="0"/>
                 <a:cs typeface="Helvetica" panose="020B0604020202020204" pitchFamily="34" charset="0"/>
               </a:rPr>
               <a:t>arr_2</a:t>
             </a:r>
             <a:r>
-              <a:rPr lang="en-ZA" sz="1800" dirty="0">
+              <a:rPr lang="en-ZA" sz="1600" dirty="0">
                 <a:latin typeface="Helvetica" panose="020B0604020202020204" pitchFamily="34" charset="0"/>
                 <a:cs typeface="Helvetica" panose="020B0604020202020204" pitchFamily="34" charset="0"/>
               </a:rPr>
               <a:t> is greater than 10? Assign the answer to the variable </a:t>
             </a:r>
             <a:r>
-              <a:rPr lang="en-ZA" sz="1800" dirty="0">
+              <a:rPr lang="en-ZA" sz="1600" dirty="0">
                 <a:latin typeface="Consolas" panose="020B0609020204030204" pitchFamily="49" charset="0"/>
                 <a:cs typeface="Helvetica" panose="020B0604020202020204" pitchFamily="34" charset="0"/>
               </a:rPr>
               <a:t>logical_arr_2</a:t>
             </a:r>
             <a:r>
-              <a:rPr lang="en-ZA" sz="1800" dirty="0">
+              <a:rPr lang="en-ZA" sz="1600" dirty="0">
                 <a:latin typeface="Helvetica" panose="020B0604020202020204" pitchFamily="34" charset="0"/>
                 <a:cs typeface="Helvetica" panose="020B0604020202020204" pitchFamily="34" charset="0"/>
               </a:rPr>
@@ -4107,7 +4107,7 @@
             <a:pPr marL="0" indent="0" algn="just">
               <a:buNone/>
             </a:pPr>
-            <a:endParaRPr lang="en-ZA" sz="1800" dirty="0">
+            <a:endParaRPr lang="en-ZA" sz="1600" dirty="0">
               <a:latin typeface="Consolas" panose="020B0609020204030204" pitchFamily="49" charset="0"/>
               <a:cs typeface="Helvetica" panose="020B0604020202020204" pitchFamily="34" charset="0"/>
             </a:endParaRPr>
@@ -4117,7 +4117,7 @@
               <a:buNone/>
             </a:pPr>
             <a:r>
-              <a:rPr lang="en-ZA" sz="1800" dirty="0">
+              <a:rPr lang="en-ZA" sz="1600" dirty="0">
                 <a:latin typeface="Consolas" panose="020B0609020204030204" pitchFamily="49" charset="0"/>
                 <a:cs typeface="Helvetica" panose="020B0604020202020204" pitchFamily="34" charset="0"/>
               </a:rPr>
@@ -4129,14 +4129,14 @@
               <a:buNone/>
             </a:pPr>
             <a:r>
-              <a:rPr lang="en-ZA" sz="1800" dirty="0">
+              <a:rPr lang="en-ZA" sz="1600" dirty="0">
                 <a:latin typeface="Consolas" panose="020B0609020204030204" pitchFamily="49" charset="0"/>
                 <a:cs typeface="Helvetica" panose="020B0604020202020204" pitchFamily="34" charset="0"/>
               </a:rPr>
               <a:t>logical_arr_2 = </a:t>
             </a:r>
             <a:r>
-              <a:rPr lang="en-ZA" sz="1800" dirty="0">
+              <a:rPr lang="en-ZA" sz="1600" dirty="0">
                 <a:solidFill>
                   <a:schemeClr val="bg1">
                     <a:lumMod val="65000"/>
@@ -4153,7 +4153,7 @@
               <a:buNone/>
             </a:pPr>
             <a:r>
-              <a:rPr lang="en-ZA" sz="1800" dirty="0">
+              <a:rPr lang="en-ZA" sz="1600" dirty="0">
                 <a:latin typeface="Consolas" panose="020B0609020204030204" pitchFamily="49" charset="0"/>
                 <a:cs typeface="Helvetica" panose="020B0604020202020204" pitchFamily="34" charset="0"/>
               </a:rPr>
@@ -4246,7 +4246,7 @@
         </p:nvSpPr>
         <p:spPr>
           <a:xfrm>
-            <a:off x="468427" y="4737241"/>
+            <a:off x="468427" y="4532958"/>
             <a:ext cx="8229600" cy="360000"/>
           </a:xfrm>
           <a:prstGeom prst="rect">
@@ -4304,7 +4304,7 @@
         </p:nvSpPr>
         <p:spPr>
           <a:xfrm>
-            <a:off x="460408" y="3826849"/>
+            <a:off x="460408" y="3622566"/>
             <a:ext cx="8229600" cy="360000"/>
           </a:xfrm>
           <a:prstGeom prst="rect">
@@ -4362,7 +4362,7 @@
         </p:nvSpPr>
         <p:spPr>
           <a:xfrm>
-            <a:off x="462013" y="2606043"/>
+            <a:off x="462013" y="2401760"/>
             <a:ext cx="8229600" cy="720000"/>
           </a:xfrm>
           <a:prstGeom prst="rect">
@@ -4572,7 +4572,7 @@
         </p:spPr>
         <p:txBody>
           <a:bodyPr>
-            <a:normAutofit lnSpcReduction="10000"/>
+            <a:normAutofit/>
           </a:bodyPr>
           <a:lstStyle/>
           <a:p>
@@ -4580,14 +4580,14 @@
               <a:buNone/>
             </a:pPr>
             <a:r>
-              <a:rPr lang="en-ZA" sz="1800" dirty="0">
+              <a:rPr lang="en-ZA" sz="1600" dirty="0">
                 <a:latin typeface="Helvetica" panose="020B0604020202020204" pitchFamily="34" charset="0"/>
                 <a:cs typeface="Helvetica" panose="020B0604020202020204" pitchFamily="34" charset="0"/>
               </a:rPr>
               <a:t>        </a:t>
             </a:r>
             <a:r>
-              <a:rPr lang="en-GB" sz="1800" dirty="0">
+              <a:rPr lang="en-GB" sz="1600" dirty="0">
                 <a:effectLst/>
                 <a:latin typeface="Helvetica" panose="020B0604020202020204" pitchFamily="34" charset="0"/>
                 <a:ea typeface="Times New Roman" panose="02020603050405020304" pitchFamily="18" charset="0"/>
@@ -4596,28 +4596,28 @@
               <a:t>Now you try! In the two exercise questions above, we saw the application of relational operators to the vector arrays. Now, let us consider two exercises that demonstrate the application of relational operators on matrix arrays. Consider the following two randomly generated integer matrices, </a:t>
             </a:r>
             <a:r>
-              <a:rPr lang="en-ZA" sz="1800" dirty="0">
+              <a:rPr lang="en-ZA" sz="1600" dirty="0">
                 <a:latin typeface="Consolas" panose="020B0609020204030204" pitchFamily="49" charset="0"/>
                 <a:cs typeface="Helvetica" panose="020B0604020202020204" pitchFamily="34" charset="0"/>
               </a:rPr>
               <a:t>arr_3</a:t>
             </a:r>
             <a:r>
-              <a:rPr lang="en-ZA" sz="1800" dirty="0">
+              <a:rPr lang="en-ZA" sz="1600" dirty="0">
                 <a:latin typeface="Helvetica" panose="020B0604020202020204" pitchFamily="34" charset="0"/>
                 <a:cs typeface="Helvetica" panose="020B0604020202020204" pitchFamily="34" charset="0"/>
               </a:rPr>
               <a:t> and </a:t>
             </a:r>
             <a:r>
-              <a:rPr lang="en-ZA" sz="1800" dirty="0">
+              <a:rPr lang="en-ZA" sz="1600" dirty="0">
                 <a:latin typeface="Consolas" panose="020B0609020204030204" pitchFamily="49" charset="0"/>
                 <a:cs typeface="Helvetica" panose="020B0604020202020204" pitchFamily="34" charset="0"/>
               </a:rPr>
               <a:t>arr_4</a:t>
             </a:r>
             <a:r>
-              <a:rPr lang="en-ZA" sz="1800" dirty="0">
+              <a:rPr lang="en-ZA" sz="1600" dirty="0">
                 <a:latin typeface="Helvetica" panose="020B0604020202020204" pitchFamily="34" charset="0"/>
                 <a:cs typeface="Helvetica" panose="020B0604020202020204" pitchFamily="34" charset="0"/>
               </a:rPr>
@@ -4634,7 +4634,7 @@
               </a:spcBef>
               <a:buNone/>
             </a:pPr>
-            <a:endParaRPr lang="en-GB" sz="1800" dirty="0">
+            <a:endParaRPr lang="en-GB" sz="1600" dirty="0">
               <a:solidFill>
                 <a:srgbClr val="000000"/>
               </a:solidFill>
@@ -4655,7 +4655,7 @@
               <a:buNone/>
             </a:pPr>
             <a:r>
-              <a:rPr lang="en-GB" sz="1800" dirty="0">
+              <a:rPr lang="en-GB" sz="1600" dirty="0">
                 <a:solidFill>
                   <a:srgbClr val="000000"/>
                 </a:solidFill>
@@ -4667,7 +4667,7 @@
               <a:t>arr_3 = </a:t>
             </a:r>
             <a:r>
-              <a:rPr lang="en-GB" sz="1800" dirty="0" err="1">
+              <a:rPr lang="en-GB" sz="1600" dirty="0" err="1">
                 <a:solidFill>
                   <a:srgbClr val="000000"/>
                 </a:solidFill>
@@ -4679,7 +4679,7 @@
               <a:t>randi</a:t>
             </a:r>
             <a:r>
-              <a:rPr lang="en-GB" sz="1800" dirty="0">
+              <a:rPr lang="en-GB" sz="1600" dirty="0">
                 <a:solidFill>
                   <a:srgbClr val="000000"/>
                 </a:solidFill>
@@ -4690,7 +4690,7 @@
               </a:rPr>
               <a:t>(50,[4 4])</a:t>
             </a:r>
-            <a:endParaRPr lang="en-ZA" sz="1800" dirty="0">
+            <a:endParaRPr lang="en-ZA" sz="1600" dirty="0">
               <a:effectLst/>
               <a:latin typeface="Consolas" panose="020B0609020204030204" pitchFamily="49" charset="0"/>
               <a:ea typeface="Times New Roman" panose="02020603050405020304" pitchFamily="18" charset="0"/>
@@ -4708,7 +4708,7 @@
               <a:buNone/>
             </a:pPr>
             <a:r>
-              <a:rPr lang="en-GB" sz="1800" dirty="0">
+              <a:rPr lang="en-GB" sz="1600" dirty="0">
                 <a:solidFill>
                   <a:srgbClr val="000000"/>
                 </a:solidFill>
@@ -4720,7 +4720,7 @@
               <a:t>arr_4 = </a:t>
             </a:r>
             <a:r>
-              <a:rPr lang="en-GB" sz="1800" dirty="0" err="1">
+              <a:rPr lang="en-GB" sz="1600" dirty="0" err="1">
                 <a:solidFill>
                   <a:srgbClr val="000000"/>
                 </a:solidFill>
@@ -4732,7 +4732,7 @@
               <a:t>randi</a:t>
             </a:r>
             <a:r>
-              <a:rPr lang="en-GB" sz="1800" dirty="0">
+              <a:rPr lang="en-GB" sz="1600" dirty="0">
                 <a:solidFill>
                   <a:srgbClr val="000000"/>
                 </a:solidFill>
@@ -4743,7 +4743,7 @@
               </a:rPr>
               <a:t>(50,[4 4])</a:t>
             </a:r>
-            <a:endParaRPr lang="en-ZA" sz="1800" dirty="0">
+            <a:endParaRPr lang="en-ZA" sz="1600" dirty="0">
               <a:effectLst/>
               <a:latin typeface="Consolas" panose="020B0609020204030204" pitchFamily="49" charset="0"/>
               <a:ea typeface="Times New Roman" panose="02020603050405020304" pitchFamily="18" charset="0"/>
@@ -4764,7 +4764,7 @@
               <a:buNone/>
             </a:pPr>
             <a:r>
-              <a:rPr lang="en-GB" sz="1800" dirty="0">
+              <a:rPr lang="en-GB" sz="1600" dirty="0">
                 <a:effectLst/>
                 <a:latin typeface="Helvetica" panose="020B0604020202020204" pitchFamily="34" charset="0"/>
                 <a:ea typeface="Times New Roman" panose="02020603050405020304" pitchFamily="18" charset="0"/>
@@ -4773,7 +4773,7 @@
               <a:t>Which elements of </a:t>
             </a:r>
             <a:r>
-              <a:rPr lang="en-GB" sz="1800" dirty="0">
+              <a:rPr lang="en-GB" sz="1600" dirty="0">
                 <a:effectLst/>
                 <a:latin typeface="Consolas" panose="020B0609020204030204" pitchFamily="49" charset="0"/>
                 <a:ea typeface="Times New Roman" panose="02020603050405020304" pitchFamily="18" charset="0"/>
@@ -4782,7 +4782,7 @@
               <a:t>arr_3</a:t>
             </a:r>
             <a:r>
-              <a:rPr lang="en-GB" sz="1800" dirty="0">
+              <a:rPr lang="en-GB" sz="1600" dirty="0">
                 <a:effectLst/>
                 <a:latin typeface="Helvetica" panose="020B0604020202020204" pitchFamily="34" charset="0"/>
                 <a:ea typeface="Times New Roman" panose="02020603050405020304" pitchFamily="18" charset="0"/>
@@ -4791,7 +4791,7 @@
               <a:t> is less than their corresponding elements in </a:t>
             </a:r>
             <a:r>
-              <a:rPr lang="en-GB" sz="1800" dirty="0">
+              <a:rPr lang="en-GB" sz="1600" dirty="0">
                 <a:effectLst/>
                 <a:latin typeface="Consolas" panose="020B0609020204030204" pitchFamily="49" charset="0"/>
                 <a:ea typeface="Times New Roman" panose="02020603050405020304" pitchFamily="18" charset="0"/>
@@ -4800,7 +4800,7 @@
               <a:t>arr_4</a:t>
             </a:r>
             <a:r>
-              <a:rPr lang="en-GB" sz="1800" dirty="0">
+              <a:rPr lang="en-GB" sz="1600" dirty="0">
                 <a:effectLst/>
                 <a:latin typeface="Helvetica" panose="020B0604020202020204" pitchFamily="34" charset="0"/>
                 <a:ea typeface="Times New Roman" panose="02020603050405020304" pitchFamily="18" charset="0"/>
@@ -4808,7 +4808,7 @@
               </a:rPr>
               <a:t>?</a:t>
             </a:r>
-            <a:endParaRPr lang="en-ZA" sz="1800" dirty="0">
+            <a:endParaRPr lang="en-ZA" sz="1600" dirty="0">
               <a:effectLst/>
               <a:latin typeface="Helvetica" panose="020B0604020202020204" pitchFamily="34" charset="0"/>
               <a:ea typeface="Times New Roman" panose="02020603050405020304" pitchFamily="18" charset="0"/>
@@ -4829,7 +4829,7 @@
               <a:buNone/>
             </a:pPr>
             <a:r>
-              <a:rPr lang="en-GB" sz="1800" dirty="0">
+              <a:rPr lang="en-GB" sz="1600" dirty="0">
                 <a:solidFill>
                   <a:srgbClr val="000000"/>
                 </a:solidFill>
@@ -4840,7 +4840,7 @@
               </a:rPr>
               <a:t>arr_3 &lt; arr_4</a:t>
             </a:r>
-            <a:endParaRPr lang="en-ZA" sz="1800" dirty="0">
+            <a:endParaRPr lang="en-ZA" sz="1600" dirty="0">
               <a:effectLst/>
               <a:latin typeface="Consolas" panose="020B0609020204030204" pitchFamily="49" charset="0"/>
               <a:ea typeface="Times New Roman" panose="02020603050405020304" pitchFamily="18" charset="0"/>
@@ -4861,7 +4861,7 @@
               <a:buNone/>
             </a:pPr>
             <a:r>
-              <a:rPr lang="en-GB" sz="1800" dirty="0">
+              <a:rPr lang="en-GB" sz="1600" dirty="0">
                 <a:effectLst/>
                 <a:latin typeface="Helvetica" panose="020B0604020202020204" pitchFamily="34" charset="0"/>
                 <a:ea typeface="Times New Roman" panose="02020603050405020304" pitchFamily="18" charset="0"/>
@@ -4870,7 +4870,7 @@
               <a:t>Which elements of </a:t>
             </a:r>
             <a:r>
-              <a:rPr lang="en-GB" sz="1800" dirty="0">
+              <a:rPr lang="en-GB" sz="1600" dirty="0">
                 <a:effectLst/>
                 <a:latin typeface="Consolas" panose="020B0609020204030204" pitchFamily="49" charset="0"/>
                 <a:ea typeface="Times New Roman" panose="02020603050405020304" pitchFamily="18" charset="0"/>
@@ -4879,7 +4879,7 @@
               <a:t>arr_4</a:t>
             </a:r>
             <a:r>
-              <a:rPr lang="en-GB" sz="1800" dirty="0">
+              <a:rPr lang="en-GB" sz="1600" dirty="0">
                 <a:effectLst/>
                 <a:latin typeface="Helvetica" panose="020B0604020202020204" pitchFamily="34" charset="0"/>
                 <a:ea typeface="Times New Roman" panose="02020603050405020304" pitchFamily="18" charset="0"/>
@@ -4888,7 +4888,7 @@
               <a:t> is greater than or equal to </a:t>
             </a:r>
             <a:r>
-              <a:rPr lang="en-GB" sz="1800" dirty="0">
+              <a:rPr lang="en-GB" sz="1600" dirty="0">
                 <a:effectLst/>
                 <a:latin typeface="Consolas" panose="020B0609020204030204" pitchFamily="49" charset="0"/>
                 <a:ea typeface="Times New Roman" panose="02020603050405020304" pitchFamily="18" charset="0"/>
@@ -4897,7 +4897,7 @@
               <a:t>20</a:t>
             </a:r>
             <a:r>
-              <a:rPr lang="en-GB" sz="1800" dirty="0">
+              <a:rPr lang="en-GB" sz="1600" dirty="0">
                 <a:effectLst/>
                 <a:latin typeface="Helvetica" panose="020B0604020202020204" pitchFamily="34" charset="0"/>
                 <a:ea typeface="Times New Roman" panose="02020603050405020304" pitchFamily="18" charset="0"/>
@@ -4905,7 +4905,7 @@
               </a:rPr>
               <a:t>?</a:t>
             </a:r>
-            <a:endParaRPr lang="en-ZA" sz="1800" dirty="0">
+            <a:endParaRPr lang="en-ZA" sz="1600" dirty="0">
               <a:effectLst/>
               <a:latin typeface="Helvetica" panose="020B0604020202020204" pitchFamily="34" charset="0"/>
               <a:ea typeface="Times New Roman" panose="02020603050405020304" pitchFamily="18" charset="0"/>
@@ -4926,7 +4926,7 @@
               <a:buNone/>
             </a:pPr>
             <a:r>
-              <a:rPr lang="en-GB" sz="1800" dirty="0">
+              <a:rPr lang="en-GB" sz="1600" dirty="0">
                 <a:solidFill>
                   <a:srgbClr val="000000"/>
                 </a:solidFill>
@@ -4937,7 +4937,7 @@
               </a:rPr>
               <a:t>arr_4 &gt;= 20</a:t>
             </a:r>
-            <a:endParaRPr lang="en-ZA" sz="1800" dirty="0">
+            <a:endParaRPr lang="en-ZA" sz="1600" dirty="0">
               <a:effectLst/>
               <a:latin typeface="Helvetica" panose="020B0604020202020204" pitchFamily="34" charset="0"/>
               <a:ea typeface="Times New Roman" panose="02020603050405020304" pitchFamily="18" charset="0"/>
@@ -4949,7 +4949,7 @@
               <a:buNone/>
             </a:pPr>
             <a:r>
-              <a:rPr lang="en-GB" sz="1900" dirty="0">
+              <a:rPr lang="en-GB" sz="1800" dirty="0">
                 <a:effectLst/>
                 <a:latin typeface="Helvetica" panose="020B0604020202020204" pitchFamily="34" charset="0"/>
                 <a:ea typeface="Times New Roman" panose="02020603050405020304" pitchFamily="18" charset="0"/>
@@ -4958,7 +4958,7 @@
               <a:t>Note: Relational operators can be applied to arrays of any order. We only covered the application of relational operators in the case of scalar, vector, and matrix arrays. Consult the documentation for the </a:t>
             </a:r>
             <a:r>
-              <a:rPr lang="en-GB" sz="1900" dirty="0">
+              <a:rPr lang="en-GB" sz="1800" dirty="0">
                 <a:solidFill>
                   <a:srgbClr val="005FCE"/>
                 </a:solidFill>
@@ -4971,7 +4971,7 @@
               <a:t>Array Comparison with Relational Operators</a:t>
             </a:r>
             <a:r>
-              <a:rPr lang="en-GB" sz="1900" dirty="0">
+              <a:rPr lang="en-GB" sz="1800" dirty="0">
                 <a:effectLst/>
                 <a:latin typeface="Helvetica" panose="020B0604020202020204" pitchFamily="34" charset="0"/>
                 <a:ea typeface="Times New Roman" panose="02020603050405020304" pitchFamily="18" charset="0"/>
@@ -4979,7 +4979,7 @@
               </a:rPr>
               <a:t> for more information.</a:t>
             </a:r>
-            <a:endParaRPr lang="en-ZA" sz="1900" dirty="0">
+            <a:endParaRPr lang="en-ZA" sz="1800" dirty="0">
               <a:latin typeface="Consolas" panose="020B0609020204030204" pitchFamily="49" charset="0"/>
               <a:cs typeface="Helvetica" panose="020B0604020202020204" pitchFamily="34" charset="0"/>
             </a:endParaRPr>
@@ -5260,7 +5260,7 @@
               <a:buNone/>
             </a:pPr>
             <a:r>
-              <a:rPr lang="en-GB" sz="1800" b="1" dirty="0">
+              <a:rPr lang="en-GB" sz="1600" b="1" dirty="0">
                 <a:effectLst/>
                 <a:latin typeface="Helvetica" panose="020B0604020202020204" pitchFamily="34" charset="0"/>
                 <a:ea typeface="Times New Roman" panose="02020603050405020304" pitchFamily="18" charset="0"/>
@@ -5283,7 +5283,7 @@
               <a:buNone/>
             </a:pPr>
             <a:r>
-              <a:rPr lang="en-GB" sz="1800" dirty="0">
+              <a:rPr lang="en-GB" sz="1600" dirty="0">
                 <a:effectLst/>
                 <a:latin typeface="Helvetica" panose="020B0604020202020204" pitchFamily="34" charset="0"/>
                 <a:ea typeface="Times New Roman" panose="02020603050405020304" pitchFamily="18" charset="0"/>
@@ -5291,7 +5291,7 @@
               </a:rPr>
               <a:t>A relational operator is applied when a comparison or relation between two variables/values is required. In life, we continuously make decisions around time, place, factors in our environments or our personal experiences. We get to define our morning alarm time, where our favourite reading spot is, how loud to play our music, and so on. These decisions are always made with some frame of reference in mind, like the time of day, the position we are located on Earth, the level of stimulation our unique bodies experience, etc. These frames of reference can be seen as one of the entities we compare with or relate to, in order to make our decisions.</a:t>
             </a:r>
-            <a:endParaRPr lang="en-ZA" sz="1800" dirty="0">
+            <a:endParaRPr lang="en-ZA" sz="1600" dirty="0">
               <a:effectLst/>
               <a:latin typeface="Helvetica" panose="020B0604020202020204" pitchFamily="34" charset="0"/>
               <a:ea typeface="Times New Roman" panose="02020603050405020304" pitchFamily="18" charset="0"/>
@@ -5544,7 +5544,7 @@
               <a:buNone/>
             </a:pPr>
             <a:r>
-              <a:rPr lang="en-GB" sz="1800" dirty="0">
+              <a:rPr lang="en-GB" sz="1600" dirty="0">
                 <a:effectLst/>
                 <a:latin typeface="Helvetica" panose="020B0604020202020204" pitchFamily="34" charset="0"/>
                 <a:ea typeface="Times New Roman" panose="02020603050405020304" pitchFamily="18" charset="0"/>
@@ -5552,7 +5552,7 @@
               </a:rPr>
               <a:t>If you got lost in the explanation above, let us consider a particular example to focus on. Imagine that we are looking to purchase and sell bread rolls for a profit. Each bread roll costs us ZAR 5.00</a:t>
             </a:r>
-            <a:endParaRPr lang="en-ZA" sz="1800" dirty="0">
+            <a:endParaRPr lang="en-ZA" sz="1600" dirty="0">
               <a:effectLst/>
               <a:latin typeface="Helvetica" panose="020B0604020202020204" pitchFamily="34" charset="0"/>
               <a:ea typeface="Times New Roman" panose="02020603050405020304" pitchFamily="18" charset="0"/>
@@ -5564,7 +5564,7 @@
               <a:buNone/>
             </a:pPr>
             <a:r>
-              <a:rPr lang="en-GB" sz="1800" dirty="0">
+              <a:rPr lang="en-GB" sz="1600" dirty="0">
                 <a:effectLst/>
                 <a:latin typeface="Helvetica" panose="020B0604020202020204" pitchFamily="34" charset="0"/>
                 <a:ea typeface="Times New Roman" panose="02020603050405020304" pitchFamily="18" charset="0"/>
@@ -5577,7 +5577,7 @@
             <a:pPr marL="0" indent="0" algn="just">
               <a:buNone/>
             </a:pPr>
-            <a:endParaRPr lang="en-GB" sz="1800" dirty="0">
+            <a:endParaRPr lang="en-GB" sz="1600" dirty="0">
               <a:latin typeface="Helvetica" panose="020B0604020202020204" pitchFamily="34" charset="0"/>
               <a:ea typeface="Times New Roman" panose="02020603050405020304" pitchFamily="18" charset="0"/>
               <a:cs typeface="Times New Roman" panose="02020603050405020304" pitchFamily="18" charset="0"/>
@@ -5587,7 +5587,7 @@
             <a:pPr marL="0" indent="0" algn="just">
               <a:buNone/>
             </a:pPr>
-            <a:endParaRPr lang="en-GB" sz="1800" dirty="0">
+            <a:endParaRPr lang="en-GB" sz="1600" dirty="0">
               <a:effectLst/>
               <a:latin typeface="Helvetica" panose="020B0604020202020204" pitchFamily="34" charset="0"/>
               <a:ea typeface="Times New Roman" panose="02020603050405020304" pitchFamily="18" charset="0"/>
@@ -5598,7 +5598,7 @@
             <a:pPr marL="0" indent="0" algn="just">
               <a:buNone/>
             </a:pPr>
-            <a:endParaRPr lang="en-GB" sz="1800" dirty="0">
+            <a:endParaRPr lang="en-GB" sz="1600" dirty="0">
               <a:latin typeface="Helvetica" panose="020B0604020202020204" pitchFamily="34" charset="0"/>
               <a:ea typeface="Times New Roman" panose="02020603050405020304" pitchFamily="18" charset="0"/>
               <a:cs typeface="Times New Roman" panose="02020603050405020304" pitchFamily="18" charset="0"/>
@@ -5608,7 +5608,7 @@
             <a:pPr marL="0" indent="0" algn="just">
               <a:buNone/>
             </a:pPr>
-            <a:endParaRPr lang="en-ZA" sz="1800" dirty="0">
+            <a:endParaRPr lang="en-ZA" sz="1600" dirty="0">
               <a:effectLst/>
               <a:latin typeface="Helvetica" panose="020B0604020202020204" pitchFamily="34" charset="0"/>
               <a:ea typeface="Times New Roman" panose="02020603050405020304" pitchFamily="18" charset="0"/>
@@ -5619,7 +5619,7 @@
             <a:pPr marL="0" indent="0" algn="just">
               <a:buNone/>
             </a:pPr>
-            <a:endParaRPr lang="en-ZA" sz="1800" dirty="0">
+            <a:endParaRPr lang="en-ZA" sz="1600" dirty="0">
               <a:effectLst/>
               <a:latin typeface="Helvetica" panose="020B0604020202020204" pitchFamily="34" charset="0"/>
               <a:ea typeface="Times New Roman" panose="02020603050405020304" pitchFamily="18" charset="0"/>
@@ -5639,8 +5639,28 @@
               </a:spcAft>
               <a:buNone/>
             </a:pPr>
-            <a:r>
-              <a:rPr lang="en-GB" sz="1800" dirty="0">
+            <a:endParaRPr lang="en-GB" sz="1600" dirty="0">
+              <a:effectLst/>
+              <a:latin typeface="Helvetica" panose="020B0604020202020204" pitchFamily="34" charset="0"/>
+              <a:ea typeface="Times New Roman" panose="02020603050405020304" pitchFamily="18" charset="0"/>
+              <a:cs typeface="Times New Roman" panose="02020603050405020304" pitchFamily="18" charset="0"/>
+            </a:endParaRPr>
+          </a:p>
+          <a:p>
+            <a:pPr marL="0" indent="0">
+              <a:lnSpc>
+                <a:spcPct val="107000"/>
+              </a:lnSpc>
+              <a:spcBef>
+                <a:spcPts val="1050"/>
+              </a:spcBef>
+              <a:spcAft>
+                <a:spcPts val="1050"/>
+              </a:spcAft>
+              <a:buNone/>
+            </a:pPr>
+            <a:r>
+              <a:rPr lang="en-GB" sz="1600" dirty="0">
                 <a:effectLst/>
                 <a:latin typeface="Helvetica" panose="020B0604020202020204" pitchFamily="34" charset="0"/>
                 <a:ea typeface="Times New Roman" panose="02020603050405020304" pitchFamily="18" charset="0"/>
@@ -5648,7 +5668,7 @@
               </a:rPr>
               <a:t>Two potential customers approach us with an offer. The first potential customer offers us ZAR 4.50 for a bread roll, the second offers us ZAR 8.00 for a bread roll. As we are selling bread rolls with the intention of making a profit, we would reject the offer made by the first potential customer and accept the offer from the second one. This is because the selling price must be greater than our cost price in order for us to generate profit from the transaction.</a:t>
             </a:r>
-            <a:endParaRPr lang="en-ZA" sz="1800" dirty="0">
+            <a:endParaRPr lang="en-ZA" sz="1600" dirty="0">
               <a:effectLst/>
               <a:latin typeface="Helvetica" panose="020B0604020202020204" pitchFamily="34" charset="0"/>
               <a:ea typeface="Times New Roman" panose="02020603050405020304" pitchFamily="18" charset="0"/>
@@ -5936,7 +5956,7 @@
             <a:pPr marL="0" indent="0" algn="just">
               <a:buNone/>
             </a:pPr>
-            <a:endParaRPr lang="en-GB" sz="1800" dirty="0">
+            <a:endParaRPr lang="en-GB" sz="1600" dirty="0">
               <a:latin typeface="Helvetica" panose="020B0604020202020204" pitchFamily="34" charset="0"/>
               <a:ea typeface="Times New Roman" panose="02020603050405020304" pitchFamily="18" charset="0"/>
               <a:cs typeface="Times New Roman" panose="02020603050405020304" pitchFamily="18" charset="0"/>
@@ -5946,7 +5966,7 @@
             <a:pPr marL="0" indent="0" algn="just">
               <a:buNone/>
             </a:pPr>
-            <a:endParaRPr lang="en-GB" sz="1800" dirty="0">
+            <a:endParaRPr lang="en-GB" sz="1600" dirty="0">
               <a:effectLst/>
               <a:latin typeface="Helvetica" panose="020B0604020202020204" pitchFamily="34" charset="0"/>
               <a:ea typeface="Times New Roman" panose="02020603050405020304" pitchFamily="18" charset="0"/>
@@ -5957,7 +5977,7 @@
             <a:pPr marL="0" indent="0" algn="just">
               <a:buNone/>
             </a:pPr>
-            <a:endParaRPr lang="en-GB" sz="1800" dirty="0">
+            <a:endParaRPr lang="en-GB" sz="1600" dirty="0">
               <a:latin typeface="Helvetica" panose="020B0604020202020204" pitchFamily="34" charset="0"/>
               <a:ea typeface="Times New Roman" panose="02020603050405020304" pitchFamily="18" charset="0"/>
               <a:cs typeface="Times New Roman" panose="02020603050405020304" pitchFamily="18" charset="0"/>
@@ -5967,7 +5987,7 @@
             <a:pPr marL="0" indent="0" algn="just">
               <a:buNone/>
             </a:pPr>
-            <a:endParaRPr lang="en-GB" sz="1800" dirty="0">
+            <a:endParaRPr lang="en-GB" sz="1600" dirty="0">
               <a:effectLst/>
               <a:latin typeface="Helvetica" panose="020B0604020202020204" pitchFamily="34" charset="0"/>
               <a:ea typeface="Times New Roman" panose="02020603050405020304" pitchFamily="18" charset="0"/>
@@ -5978,7 +5998,7 @@
             <a:pPr marL="0" indent="0" algn="just">
               <a:buNone/>
             </a:pPr>
-            <a:endParaRPr lang="en-GB" sz="1800" dirty="0">
+            <a:endParaRPr lang="en-GB" sz="1600" dirty="0">
               <a:latin typeface="Helvetica" panose="020B0604020202020204" pitchFamily="34" charset="0"/>
               <a:ea typeface="Times New Roman" panose="02020603050405020304" pitchFamily="18" charset="0"/>
               <a:cs typeface="Times New Roman" panose="02020603050405020304" pitchFamily="18" charset="0"/>
@@ -5988,7 +6008,7 @@
             <a:pPr marL="0" indent="0" algn="just">
               <a:buNone/>
             </a:pPr>
-            <a:endParaRPr lang="en-GB" sz="1800" dirty="0">
+            <a:endParaRPr lang="en-GB" sz="1600" dirty="0">
               <a:effectLst/>
               <a:latin typeface="Helvetica" panose="020B0604020202020204" pitchFamily="34" charset="0"/>
               <a:ea typeface="Times New Roman" panose="02020603050405020304" pitchFamily="18" charset="0"/>
@@ -5999,17 +6019,7 @@
             <a:pPr marL="0" indent="0" algn="just">
               <a:buNone/>
             </a:pPr>
-            <a:endParaRPr lang="en-GB" sz="1800" dirty="0">
-              <a:latin typeface="Helvetica" panose="020B0604020202020204" pitchFamily="34" charset="0"/>
-              <a:ea typeface="Times New Roman" panose="02020603050405020304" pitchFamily="18" charset="0"/>
-              <a:cs typeface="Times New Roman" panose="02020603050405020304" pitchFamily="18" charset="0"/>
-            </a:endParaRPr>
-          </a:p>
-          <a:p>
-            <a:pPr marL="0" indent="0" algn="just">
-              <a:buNone/>
-            </a:pPr>
-            <a:endParaRPr lang="en-GB" sz="1800" dirty="0">
+            <a:endParaRPr lang="en-GB" sz="1600" dirty="0">
               <a:effectLst/>
               <a:latin typeface="Helvetica" panose="020B0604020202020204" pitchFamily="34" charset="0"/>
               <a:ea typeface="Times New Roman" panose="02020603050405020304" pitchFamily="18" charset="0"/>
@@ -6020,7 +6030,7 @@
             <a:pPr marL="0" indent="0" algn="just">
               <a:buNone/>
             </a:pPr>
-            <a:endParaRPr lang="en-GB" sz="1800" dirty="0">
+            <a:endParaRPr lang="en-GB" sz="1600" dirty="0">
               <a:latin typeface="Helvetica" panose="020B0604020202020204" pitchFamily="34" charset="0"/>
               <a:ea typeface="Times New Roman" panose="02020603050405020304" pitchFamily="18" charset="0"/>
               <a:cs typeface="Times New Roman" panose="02020603050405020304" pitchFamily="18" charset="0"/>
@@ -6030,7 +6040,7 @@
             <a:pPr marL="0" indent="0" algn="just">
               <a:buNone/>
             </a:pPr>
-            <a:endParaRPr lang="en-GB" sz="1800" dirty="0">
+            <a:endParaRPr lang="en-GB" sz="1600" dirty="0">
               <a:effectLst/>
               <a:latin typeface="Helvetica" panose="020B0604020202020204" pitchFamily="34" charset="0"/>
               <a:ea typeface="Times New Roman" panose="02020603050405020304" pitchFamily="18" charset="0"/>
@@ -6041,8 +6051,29 @@
             <a:pPr marL="0" indent="0" algn="just">
               <a:buNone/>
             </a:pPr>
-            <a:r>
-              <a:rPr lang="en-GB" sz="1800" dirty="0">
+            <a:endParaRPr lang="en-GB" sz="1600" dirty="0">
+              <a:latin typeface="Helvetica" panose="020B0604020202020204" pitchFamily="34" charset="0"/>
+              <a:ea typeface="Times New Roman" panose="02020603050405020304" pitchFamily="18" charset="0"/>
+              <a:cs typeface="Times New Roman" panose="02020603050405020304" pitchFamily="18" charset="0"/>
+            </a:endParaRPr>
+          </a:p>
+          <a:p>
+            <a:pPr marL="0" indent="0" algn="just">
+              <a:buNone/>
+            </a:pPr>
+            <a:endParaRPr lang="en-GB" sz="1600" dirty="0">
+              <a:effectLst/>
+              <a:latin typeface="Helvetica" panose="020B0604020202020204" pitchFamily="34" charset="0"/>
+              <a:ea typeface="Times New Roman" panose="02020603050405020304" pitchFamily="18" charset="0"/>
+              <a:cs typeface="Times New Roman" panose="02020603050405020304" pitchFamily="18" charset="0"/>
+            </a:endParaRPr>
+          </a:p>
+          <a:p>
+            <a:pPr marL="0" indent="0" algn="just">
+              <a:buNone/>
+            </a:pPr>
+            <a:r>
+              <a:rPr lang="en-GB" sz="1600" dirty="0">
                 <a:effectLst/>
                 <a:latin typeface="Helvetica" panose="020B0604020202020204" pitchFamily="34" charset="0"/>
                 <a:ea typeface="Times New Roman" panose="02020603050405020304" pitchFamily="18" charset="0"/>
@@ -6050,7 +6081,7 @@
               </a:rPr>
               <a:t>Let us consider the line of thinking that our brains might follow when choosing to accept or reject the offers. Assume that the question we ask ourselves is, "Is this offer profitable?". If this is true, we would consequently accept the offer, and if it is false, we will reject the offer.</a:t>
             </a:r>
-            <a:endParaRPr lang="en-ZA" sz="1800" dirty="0">
+            <a:endParaRPr lang="en-ZA" sz="1600" dirty="0">
               <a:effectLst/>
               <a:latin typeface="Helvetica" panose="020B0604020202020204" pitchFamily="34" charset="0"/>
               <a:ea typeface="Times New Roman" panose="02020603050405020304" pitchFamily="18" charset="0"/>
@@ -6179,7 +6210,7 @@
         </p:nvSpPr>
         <p:spPr>
           <a:xfrm>
-            <a:off x="468427" y="4159726"/>
+            <a:off x="468427" y="4295915"/>
             <a:ext cx="8229600" cy="360000"/>
           </a:xfrm>
           <a:prstGeom prst="rect">
@@ -6237,7 +6268,7 @@
         </p:nvSpPr>
         <p:spPr>
           <a:xfrm>
-            <a:off x="460408" y="3129017"/>
+            <a:off x="460408" y="3177655"/>
             <a:ext cx="8229600" cy="360000"/>
           </a:xfrm>
           <a:prstGeom prst="rect">
@@ -6508,7 +6539,7 @@
         </p:spPr>
         <p:txBody>
           <a:bodyPr>
-            <a:normAutofit fontScale="92500" lnSpcReduction="20000"/>
+            <a:normAutofit/>
           </a:bodyPr>
           <a:lstStyle/>
           <a:p>
@@ -6525,24 +6556,15 @@
               <a:buNone/>
             </a:pPr>
             <a:r>
-              <a:rPr lang="en-GB" sz="1900" dirty="0">
-                <a:effectLst/>
-                <a:latin typeface="Helvetica" panose="020B0604020202020204" pitchFamily="34" charset="0"/>
-                <a:ea typeface="Times New Roman" panose="02020603050405020304" pitchFamily="18" charset="0"/>
-                <a:cs typeface="Times New Roman" panose="02020603050405020304" pitchFamily="18" charset="0"/>
-              </a:rPr>
-              <a:t>Begin by defining our cost price and the two offers we receive:</a:t>
-            </a:r>
-            <a:r>
-              <a:rPr lang="en-GB" sz="1800" dirty="0">
-                <a:effectLst/>
-                <a:latin typeface="Helvetica" panose="020B0604020202020204" pitchFamily="34" charset="0"/>
-                <a:ea typeface="Times New Roman" panose="02020603050405020304" pitchFamily="18" charset="0"/>
-                <a:cs typeface="Times New Roman" panose="02020603050405020304" pitchFamily="18" charset="0"/>
-              </a:rPr>
-              <a:t>  </a:t>
-            </a:r>
-            <a:endParaRPr lang="en-ZA" sz="1800" dirty="0">
+              <a:rPr lang="en-GB" sz="1600" dirty="0">
+                <a:effectLst/>
+                <a:latin typeface="Helvetica" panose="020B0604020202020204" pitchFamily="34" charset="0"/>
+                <a:ea typeface="Times New Roman" panose="02020603050405020304" pitchFamily="18" charset="0"/>
+                <a:cs typeface="Times New Roman" panose="02020603050405020304" pitchFamily="18" charset="0"/>
+              </a:rPr>
+              <a:t>Begin by defining our cost price and the two offers we receive:  </a:t>
+            </a:r>
+            <a:endParaRPr lang="en-ZA" sz="1600" dirty="0">
               <a:effectLst/>
               <a:latin typeface="Helvetica" panose="020B0604020202020204" pitchFamily="34" charset="0"/>
               <a:ea typeface="Times New Roman" panose="02020603050405020304" pitchFamily="18" charset="0"/>
@@ -6563,7 +6585,7 @@
               </a:tabLst>
             </a:pPr>
             <a:r>
-              <a:rPr lang="en-GB" sz="1900" dirty="0">
+              <a:rPr lang="en-GB" sz="1600" dirty="0">
                 <a:solidFill>
                   <a:srgbClr val="000000"/>
                 </a:solidFill>
@@ -6575,7 +6597,7 @@
               <a:t>	</a:t>
             </a:r>
             <a:r>
-              <a:rPr lang="en-GB" sz="1900" dirty="0" err="1">
+              <a:rPr lang="en-GB" sz="1600" dirty="0" err="1">
                 <a:solidFill>
                   <a:srgbClr val="000000"/>
                 </a:solidFill>
@@ -6587,7 +6609,7 @@
               <a:t>Cost_price_in_ZAR</a:t>
             </a:r>
             <a:r>
-              <a:rPr lang="en-GB" sz="1900" dirty="0">
+              <a:rPr lang="en-GB" sz="1600" dirty="0">
                 <a:solidFill>
                   <a:srgbClr val="000000"/>
                 </a:solidFill>
@@ -6598,7 +6620,7 @@
               </a:rPr>
               <a:t> = 5.0;</a:t>
             </a:r>
-            <a:endParaRPr lang="en-ZA" sz="1900" dirty="0">
+            <a:endParaRPr lang="en-ZA" sz="1600" dirty="0">
               <a:effectLst/>
               <a:latin typeface="Consolas" panose="020B0609020204030204" pitchFamily="49" charset="0"/>
               <a:ea typeface="Times New Roman" panose="02020603050405020304" pitchFamily="18" charset="0"/>
@@ -6616,7 +6638,7 @@
               </a:tabLst>
             </a:pPr>
             <a:r>
-              <a:rPr lang="en-GB" sz="1900" dirty="0">
+              <a:rPr lang="en-GB" sz="1600" dirty="0">
                 <a:solidFill>
                   <a:srgbClr val="000000"/>
                 </a:solidFill>
@@ -6627,7 +6649,7 @@
               </a:rPr>
               <a:t>	Offer_1_in_ZAR = 4.5;</a:t>
             </a:r>
-            <a:endParaRPr lang="en-ZA" sz="1900" dirty="0">
+            <a:endParaRPr lang="en-ZA" sz="1600" dirty="0">
               <a:effectLst/>
               <a:latin typeface="Consolas" panose="020B0609020204030204" pitchFamily="49" charset="0"/>
               <a:ea typeface="Times New Roman" panose="02020603050405020304" pitchFamily="18" charset="0"/>
@@ -6649,7 +6671,7 @@
               </a:tabLst>
             </a:pPr>
             <a:r>
-              <a:rPr lang="en-GB" sz="1900" dirty="0">
+              <a:rPr lang="en-GB" sz="1600" dirty="0">
                 <a:solidFill>
                   <a:srgbClr val="000000"/>
                 </a:solidFill>
@@ -6660,7 +6682,7 @@
               </a:rPr>
               <a:t>	Offer_2_in_ZAR = 8.0;</a:t>
             </a:r>
-            <a:endParaRPr lang="en-ZA" sz="1900" dirty="0">
+            <a:endParaRPr lang="en-ZA" sz="1600" dirty="0">
               <a:effectLst/>
               <a:latin typeface="Consolas" panose="020B0609020204030204" pitchFamily="49" charset="0"/>
               <a:ea typeface="Times New Roman" panose="02020603050405020304" pitchFamily="18" charset="0"/>
@@ -6681,7 +6703,7 @@
               <a:buNone/>
             </a:pPr>
             <a:r>
-              <a:rPr lang="en-GB" sz="1800" dirty="0">
+              <a:rPr lang="en-GB" sz="1600" dirty="0">
                 <a:effectLst/>
                 <a:latin typeface="Helvetica" panose="020B0604020202020204" pitchFamily="34" charset="0"/>
                 <a:ea typeface="Times New Roman" panose="02020603050405020304" pitchFamily="18" charset="0"/>
@@ -6689,7 +6711,7 @@
               </a:rPr>
               <a:t>Let us test is each of the offers are greater than our cost price:</a:t>
             </a:r>
-            <a:endParaRPr lang="en-ZA" sz="1800" dirty="0">
+            <a:endParaRPr lang="en-ZA" sz="1600" dirty="0">
               <a:effectLst/>
               <a:latin typeface="Helvetica" panose="020B0604020202020204" pitchFamily="34" charset="0"/>
               <a:ea typeface="Times New Roman" panose="02020603050405020304" pitchFamily="18" charset="0"/>
@@ -6713,7 +6735,7 @@
               </a:tabLst>
             </a:pPr>
             <a:r>
-              <a:rPr lang="en-GB" sz="1800" dirty="0">
+              <a:rPr lang="en-GB" sz="1600" dirty="0">
                 <a:solidFill>
                   <a:srgbClr val="000000"/>
                 </a:solidFill>
@@ -6725,7 +6747,7 @@
               <a:t>	Is_Offer_1_Profitable = Offer_1_in_ZAR &gt; </a:t>
             </a:r>
             <a:r>
-              <a:rPr lang="en-GB" sz="1800" dirty="0" err="1">
+              <a:rPr lang="en-GB" sz="1600" dirty="0" err="1">
                 <a:solidFill>
                   <a:srgbClr val="000000"/>
                 </a:solidFill>
@@ -6735,59 +6757,6 @@
                 <a:cs typeface="Times New Roman" panose="02020603050405020304" pitchFamily="18" charset="0"/>
               </a:rPr>
               <a:t>Cost_price_in_ZAR</a:t>
-            </a:r>
-            <a:endParaRPr lang="en-ZA" sz="1800" dirty="0">
-              <a:effectLst/>
-              <a:latin typeface="Consolas" panose="020B0609020204030204" pitchFamily="49" charset="0"/>
-              <a:ea typeface="Times New Roman" panose="02020603050405020304" pitchFamily="18" charset="0"/>
-              <a:cs typeface="Times New Roman" panose="02020603050405020304" pitchFamily="18" charset="0"/>
-            </a:endParaRPr>
-          </a:p>
-          <a:p>
-            <a:pPr marL="0" indent="0">
-              <a:lnSpc>
-                <a:spcPct val="107000"/>
-              </a:lnSpc>
-              <a:buNone/>
-              <a:tabLst>
-                <a:tab pos="180975" algn="l"/>
-              </a:tabLst>
-            </a:pPr>
-            <a:r>
-              <a:rPr lang="en-GB" sz="1800" dirty="0">
-                <a:solidFill>
-                  <a:srgbClr val="212121"/>
-                </a:solidFill>
-                <a:effectLst/>
-                <a:latin typeface="Consolas" panose="020B0609020204030204" pitchFamily="49" charset="0"/>
-                <a:ea typeface="Times New Roman" panose="02020603050405020304" pitchFamily="18" charset="0"/>
-                <a:cs typeface="Times New Roman" panose="02020603050405020304" pitchFamily="18" charset="0"/>
-              </a:rPr>
-              <a:t>	</a:t>
-            </a:r>
-            <a:r>
-              <a:rPr lang="en-GB" sz="1600" dirty="0">
-                <a:solidFill>
-                  <a:srgbClr val="212121"/>
-                </a:solidFill>
-                <a:effectLst/>
-                <a:latin typeface="Consolas" panose="020B0609020204030204" pitchFamily="49" charset="0"/>
-                <a:ea typeface="Times New Roman" panose="02020603050405020304" pitchFamily="18" charset="0"/>
-                <a:cs typeface="Times New Roman" panose="02020603050405020304" pitchFamily="18" charset="0"/>
-              </a:rPr>
-              <a:t>Is_Offer_1_Profitable = </a:t>
-            </a:r>
-            <a:r>
-              <a:rPr lang="en-GB" sz="1600" i="1" dirty="0">
-                <a:solidFill>
-                  <a:srgbClr val="B3B3B3"/>
-                </a:solidFill>
-                <a:effectLst/>
-                <a:latin typeface="Consolas" panose="020B0609020204030204" pitchFamily="49" charset="0"/>
-                <a:ea typeface="Times New Roman" panose="02020603050405020304" pitchFamily="18" charset="0"/>
-                <a:cs typeface="Times New Roman" panose="02020603050405020304" pitchFamily="18" charset="0"/>
-              </a:rPr>
-              <a:t>logical</a:t>
             </a:r>
             <a:endParaRPr lang="en-ZA" sz="1600" dirty="0">
               <a:effectLst/>
@@ -6803,7 +6772,7 @@
               </a:lnSpc>
               <a:buNone/>
               <a:tabLst>
-                <a:tab pos="444500" algn="l"/>
+                <a:tab pos="180975" algn="l"/>
               </a:tabLst>
             </a:pPr>
             <a:r>
@@ -6816,9 +6785,62 @@
                 <a:ea typeface="Times New Roman" panose="02020603050405020304" pitchFamily="18" charset="0"/>
                 <a:cs typeface="Times New Roman" panose="02020603050405020304" pitchFamily="18" charset="0"/>
               </a:rPr>
+              <a:t>	</a:t>
+            </a:r>
+            <a:r>
+              <a:rPr lang="en-GB" sz="1400" dirty="0">
+                <a:solidFill>
+                  <a:srgbClr val="212121"/>
+                </a:solidFill>
+                <a:effectLst/>
+                <a:latin typeface="Consolas" panose="020B0609020204030204" pitchFamily="49" charset="0"/>
+                <a:ea typeface="Times New Roman" panose="02020603050405020304" pitchFamily="18" charset="0"/>
+                <a:cs typeface="Times New Roman" panose="02020603050405020304" pitchFamily="18" charset="0"/>
+              </a:rPr>
+              <a:t>Is_Offer_1_Profitable = </a:t>
+            </a:r>
+            <a:r>
+              <a:rPr lang="en-GB" sz="1400" i="1" dirty="0">
+                <a:solidFill>
+                  <a:srgbClr val="B3B3B3"/>
+                </a:solidFill>
+                <a:effectLst/>
+                <a:latin typeface="Consolas" panose="020B0609020204030204" pitchFamily="49" charset="0"/>
+                <a:ea typeface="Times New Roman" panose="02020603050405020304" pitchFamily="18" charset="0"/>
+                <a:cs typeface="Times New Roman" panose="02020603050405020304" pitchFamily="18" charset="0"/>
+              </a:rPr>
+              <a:t>logical</a:t>
+            </a:r>
+            <a:endParaRPr lang="en-ZA" sz="1400" dirty="0">
+              <a:effectLst/>
+              <a:latin typeface="Consolas" panose="020B0609020204030204" pitchFamily="49" charset="0"/>
+              <a:ea typeface="Times New Roman" panose="02020603050405020304" pitchFamily="18" charset="0"/>
+              <a:cs typeface="Times New Roman" panose="02020603050405020304" pitchFamily="18" charset="0"/>
+            </a:endParaRPr>
+          </a:p>
+          <a:p>
+            <a:pPr marL="0" indent="0">
+              <a:lnSpc>
+                <a:spcPct val="107000"/>
+              </a:lnSpc>
+              <a:buNone/>
+              <a:tabLst>
+                <a:tab pos="444500" algn="l"/>
+              </a:tabLst>
+            </a:pPr>
+            <a:r>
+              <a:rPr lang="en-GB" sz="1400" dirty="0">
+                <a:solidFill>
+                  <a:srgbClr val="212121"/>
+                </a:solidFill>
+                <a:effectLst/>
+                <a:latin typeface="Consolas" panose="020B0609020204030204" pitchFamily="49" charset="0"/>
+                <a:ea typeface="Times New Roman" panose="02020603050405020304" pitchFamily="18" charset="0"/>
+                <a:cs typeface="Times New Roman" panose="02020603050405020304" pitchFamily="18" charset="0"/>
+              </a:rPr>
               <a:t>	 0</a:t>
             </a:r>
-            <a:endParaRPr lang="en-ZA" sz="1600" dirty="0">
+            <a:endParaRPr lang="en-ZA" sz="1400" dirty="0">
               <a:effectLst/>
               <a:latin typeface="Consolas" panose="020B0609020204030204" pitchFamily="49" charset="0"/>
               <a:ea typeface="Times New Roman" panose="02020603050405020304" pitchFamily="18" charset="0"/>
@@ -6839,7 +6861,7 @@
               <a:buNone/>
             </a:pPr>
             <a:r>
-              <a:rPr lang="en-GB" sz="1800" dirty="0">
+              <a:rPr lang="en-GB" sz="1600" dirty="0">
                 <a:solidFill>
                   <a:srgbClr val="000000"/>
                 </a:solidFill>
@@ -6851,7 +6873,7 @@
               <a:t>Is_Offer_2_Profitable = Offer_2_in_ZAR &gt; </a:t>
             </a:r>
             <a:r>
-              <a:rPr lang="en-GB" sz="1800" dirty="0" err="1">
+              <a:rPr lang="en-GB" sz="1600" dirty="0" err="1">
                 <a:solidFill>
                   <a:srgbClr val="000000"/>
                 </a:solidFill>
@@ -6861,47 +6883,6 @@
                 <a:cs typeface="Times New Roman" panose="02020603050405020304" pitchFamily="18" charset="0"/>
               </a:rPr>
               <a:t>Cost_price_in_ZAR</a:t>
-            </a:r>
-            <a:endParaRPr lang="en-ZA" sz="1800" dirty="0">
-              <a:effectLst/>
-              <a:latin typeface="Consolas" panose="020B0609020204030204" pitchFamily="49" charset="0"/>
-              <a:ea typeface="Times New Roman" panose="02020603050405020304" pitchFamily="18" charset="0"/>
-              <a:cs typeface="Times New Roman" panose="02020603050405020304" pitchFamily="18" charset="0"/>
-            </a:endParaRPr>
-          </a:p>
-          <a:p>
-            <a:pPr marL="0" indent="0">
-              <a:lnSpc>
-                <a:spcPct val="107000"/>
-              </a:lnSpc>
-              <a:buNone/>
-              <a:tabLst>
-                <a:tab pos="180975" algn="l"/>
-              </a:tabLst>
-            </a:pPr>
-            <a:r>
-              <a:rPr lang="en-GB" sz="1600" dirty="0">
-                <a:solidFill>
-                  <a:srgbClr val="212121"/>
-                </a:solidFill>
-                <a:effectLst/>
-                <a:latin typeface="Consolas" panose="020B0609020204030204" pitchFamily="49" charset="0"/>
-                <a:ea typeface="Times New Roman" panose="02020603050405020304" pitchFamily="18" charset="0"/>
-                <a:cs typeface="Times New Roman" panose="02020603050405020304" pitchFamily="18" charset="0"/>
-              </a:rPr>
-              <a:t>	Is_Offer_2_Profitable = </a:t>
-            </a:r>
-            <a:r>
-              <a:rPr lang="en-GB" sz="1600" i="1" dirty="0">
-                <a:solidFill>
-                  <a:srgbClr val="B3B3B3"/>
-                </a:solidFill>
-                <a:effectLst/>
-                <a:latin typeface="Consolas" panose="020B0609020204030204" pitchFamily="49" charset="0"/>
-                <a:ea typeface="Times New Roman" panose="02020603050405020304" pitchFamily="18" charset="0"/>
-                <a:cs typeface="Times New Roman" panose="02020603050405020304" pitchFamily="18" charset="0"/>
-              </a:rPr>
-              <a:t>logical</a:t>
             </a:r>
             <a:endParaRPr lang="en-ZA" sz="1600" dirty="0">
               <a:effectLst/>
@@ -6916,9 +6897,12 @@
                 <a:spcPct val="107000"/>
               </a:lnSpc>
               <a:buNone/>
-            </a:pPr>
-            <a:r>
-              <a:rPr lang="en-GB" sz="1700" dirty="0">
+              <a:tabLst>
+                <a:tab pos="180975" algn="l"/>
+              </a:tabLst>
+            </a:pPr>
+            <a:r>
+              <a:rPr lang="en-GB" sz="1400" dirty="0">
                 <a:solidFill>
                   <a:srgbClr val="212121"/>
                 </a:solidFill>
@@ -6927,10 +6911,36 @@
                 <a:ea typeface="Times New Roman" panose="02020603050405020304" pitchFamily="18" charset="0"/>
                 <a:cs typeface="Times New Roman" panose="02020603050405020304" pitchFamily="18" charset="0"/>
               </a:rPr>
-              <a:t>    </a:t>
-            </a:r>
-            <a:r>
-              <a:rPr lang="en-GB" sz="1600" dirty="0">
+              <a:t>	Is_Offer_2_Profitable = </a:t>
+            </a:r>
+            <a:r>
+              <a:rPr lang="en-GB" sz="1400" i="1" dirty="0">
+                <a:solidFill>
+                  <a:srgbClr val="B3B3B3"/>
+                </a:solidFill>
+                <a:effectLst/>
+                <a:latin typeface="Consolas" panose="020B0609020204030204" pitchFamily="49" charset="0"/>
+                <a:ea typeface="Times New Roman" panose="02020603050405020304" pitchFamily="18" charset="0"/>
+                <a:cs typeface="Times New Roman" panose="02020603050405020304" pitchFamily="18" charset="0"/>
+              </a:rPr>
+              <a:t>logical</a:t>
+            </a:r>
+            <a:endParaRPr lang="en-ZA" sz="1400" dirty="0">
+              <a:effectLst/>
+              <a:latin typeface="Consolas" panose="020B0609020204030204" pitchFamily="49" charset="0"/>
+              <a:ea typeface="Times New Roman" panose="02020603050405020304" pitchFamily="18" charset="0"/>
+              <a:cs typeface="Times New Roman" panose="02020603050405020304" pitchFamily="18" charset="0"/>
+            </a:endParaRPr>
+          </a:p>
+          <a:p>
+            <a:pPr marL="0" indent="0">
+              <a:lnSpc>
+                <a:spcPct val="107000"/>
+              </a:lnSpc>
+              <a:buNone/>
+            </a:pPr>
+            <a:r>
+              <a:rPr lang="en-GB" sz="1400" dirty="0">
                 <a:solidFill>
                   <a:srgbClr val="212121"/>
                 </a:solidFill>
@@ -6939,9 +6949,9 @@
                 <a:ea typeface="Times New Roman" panose="02020603050405020304" pitchFamily="18" charset="0"/>
                 <a:cs typeface="Times New Roman" panose="02020603050405020304" pitchFamily="18" charset="0"/>
               </a:rPr>
-              <a:t> 1</a:t>
-            </a:r>
-            <a:endParaRPr lang="en-ZA" sz="1600" dirty="0">
+              <a:t>     1</a:t>
+            </a:r>
+            <a:endParaRPr lang="en-ZA" sz="1400" dirty="0">
               <a:effectLst/>
               <a:latin typeface="Consolas" panose="020B0609020204030204" pitchFamily="49" charset="0"/>
               <a:ea typeface="Times New Roman" panose="02020603050405020304" pitchFamily="18" charset="0"/>
@@ -6962,7 +6972,7 @@
               <a:buNone/>
             </a:pPr>
             <a:r>
-              <a:rPr lang="en-GB" sz="1800" dirty="0">
+              <a:rPr lang="en-GB" sz="1600" dirty="0">
                 <a:effectLst/>
                 <a:latin typeface="Helvetica" panose="020B0604020202020204" pitchFamily="34" charset="0"/>
                 <a:ea typeface="Times New Roman" panose="02020603050405020304" pitchFamily="18" charset="0"/>
@@ -6971,7 +6981,7 @@
               <a:t>We received a logical response for </a:t>
             </a:r>
             <a:r>
-              <a:rPr lang="en-GB" sz="1800" dirty="0">
+              <a:rPr lang="en-GB" sz="1600" dirty="0">
                 <a:effectLst/>
                 <a:latin typeface="Consolas" panose="020B0609020204030204" pitchFamily="49" charset="0"/>
                 <a:ea typeface="Times New Roman" panose="02020603050405020304" pitchFamily="18" charset="0"/>
@@ -6980,7 +6990,7 @@
               <a:t>Is_Offer_1_Profitable </a:t>
             </a:r>
             <a:r>
-              <a:rPr lang="en-GB" sz="1800" dirty="0">
+              <a:rPr lang="en-GB" sz="1600" dirty="0">
                 <a:effectLst/>
                 <a:latin typeface="Helvetica" panose="020B0604020202020204" pitchFamily="34" charset="0"/>
                 <a:ea typeface="Times New Roman" panose="02020603050405020304" pitchFamily="18" charset="0"/>
@@ -6989,7 +6999,7 @@
               <a:t>of </a:t>
             </a:r>
             <a:r>
-              <a:rPr lang="en-GB" sz="1800" dirty="0">
+              <a:rPr lang="en-GB" sz="1600" dirty="0">
                 <a:effectLst/>
                 <a:latin typeface="Consolas" panose="020B0609020204030204" pitchFamily="49" charset="0"/>
                 <a:ea typeface="Times New Roman" panose="02020603050405020304" pitchFamily="18" charset="0"/>
@@ -6998,7 +7008,7 @@
               <a:t>0</a:t>
             </a:r>
             <a:r>
-              <a:rPr lang="en-GB" sz="1800" dirty="0">
+              <a:rPr lang="en-GB" sz="1600" dirty="0">
                 <a:effectLst/>
                 <a:latin typeface="Helvetica" panose="020B0604020202020204" pitchFamily="34" charset="0"/>
                 <a:ea typeface="Times New Roman" panose="02020603050405020304" pitchFamily="18" charset="0"/>
@@ -7007,7 +7017,7 @@
               <a:t>, indicating false, i.e. we should reject the first offer. For the second offer, we received a logical response for </a:t>
             </a:r>
             <a:r>
-              <a:rPr lang="en-GB" sz="1800" dirty="0">
+              <a:rPr lang="en-GB" sz="1600" dirty="0">
                 <a:effectLst/>
                 <a:latin typeface="Consolas" panose="020B0609020204030204" pitchFamily="49" charset="0"/>
                 <a:ea typeface="Times New Roman" panose="02020603050405020304" pitchFamily="18" charset="0"/>
@@ -7016,7 +7026,7 @@
               <a:t>Is_Offer_2_Profitable</a:t>
             </a:r>
             <a:r>
-              <a:rPr lang="en-GB" sz="1800" dirty="0">
+              <a:rPr lang="en-GB" sz="1600" dirty="0">
                 <a:effectLst/>
                 <a:latin typeface="Helvetica" panose="020B0604020202020204" pitchFamily="34" charset="0"/>
                 <a:ea typeface="Times New Roman" panose="02020603050405020304" pitchFamily="18" charset="0"/>
@@ -7025,7 +7035,7 @@
               <a:t> of </a:t>
             </a:r>
             <a:r>
-              <a:rPr lang="en-GB" sz="1800" dirty="0">
+              <a:rPr lang="en-GB" sz="1600" dirty="0">
                 <a:effectLst/>
                 <a:latin typeface="Consolas" panose="020B0609020204030204" pitchFamily="49" charset="0"/>
                 <a:ea typeface="Times New Roman" panose="02020603050405020304" pitchFamily="18" charset="0"/>
@@ -7034,7 +7044,7 @@
               <a:t>1</a:t>
             </a:r>
             <a:r>
-              <a:rPr lang="en-GB" sz="1800" dirty="0">
+              <a:rPr lang="en-GB" sz="1600" dirty="0">
                 <a:effectLst/>
                 <a:latin typeface="Helvetica" panose="020B0604020202020204" pitchFamily="34" charset="0"/>
                 <a:ea typeface="Times New Roman" panose="02020603050405020304" pitchFamily="18" charset="0"/>
@@ -7042,7 +7052,7 @@
               </a:rPr>
               <a:t>, indicating true, i.e. we should accept the second offer.</a:t>
             </a:r>
-            <a:endParaRPr lang="en-ZA" sz="1800" dirty="0">
+            <a:endParaRPr lang="en-ZA" sz="1600" dirty="0">
               <a:effectLst/>
               <a:latin typeface="Helvetica" panose="020B0604020202020204" pitchFamily="34" charset="0"/>
               <a:ea typeface="Times New Roman" panose="02020603050405020304" pitchFamily="18" charset="0"/>
@@ -7287,7 +7297,7 @@
         </p:spPr>
         <p:txBody>
           <a:bodyPr>
-            <a:normAutofit lnSpcReduction="10000"/>
+            <a:normAutofit/>
           </a:bodyPr>
           <a:lstStyle/>
           <a:p>
@@ -7304,7 +7314,7 @@
               <a:buNone/>
             </a:pPr>
             <a:r>
-              <a:rPr lang="en-GB" sz="1800" dirty="0">
+              <a:rPr lang="en-GB" sz="1600" dirty="0">
                 <a:effectLst/>
                 <a:latin typeface="Helvetica" panose="020B0604020202020204" pitchFamily="34" charset="0"/>
                 <a:ea typeface="Times New Roman" panose="02020603050405020304" pitchFamily="18" charset="0"/>
@@ -7313,7 +7323,7 @@
               <a:t>Logical operators are used to </a:t>
             </a:r>
             <a:r>
-              <a:rPr lang="en-GB" sz="1800" b="1" dirty="0">
+              <a:rPr lang="en-GB" sz="1600" b="1" dirty="0">
                 <a:effectLst/>
                 <a:latin typeface="Helvetica" panose="020B0604020202020204" pitchFamily="34" charset="0"/>
                 <a:ea typeface="Times New Roman" panose="02020603050405020304" pitchFamily="18" charset="0"/>
@@ -7322,7 +7332,7 @@
               <a:t>compare two statements</a:t>
             </a:r>
             <a:r>
-              <a:rPr lang="en-GB" sz="1800" dirty="0">
+              <a:rPr lang="en-GB" sz="1600" dirty="0">
                 <a:effectLst/>
                 <a:latin typeface="Helvetica" panose="020B0604020202020204" pitchFamily="34" charset="0"/>
                 <a:ea typeface="Times New Roman" panose="02020603050405020304" pitchFamily="18" charset="0"/>
@@ -7344,7 +7354,7 @@
               </a:spcAft>
               <a:buNone/>
             </a:pPr>
-            <a:endParaRPr lang="en-GB" sz="1800" dirty="0">
+            <a:endParaRPr lang="en-GB" sz="1600" dirty="0">
               <a:latin typeface="Helvetica" panose="020B0604020202020204" pitchFamily="34" charset="0"/>
               <a:ea typeface="Times New Roman" panose="02020603050405020304" pitchFamily="18" charset="0"/>
               <a:cs typeface="Times New Roman" panose="02020603050405020304" pitchFamily="18" charset="0"/>
@@ -7363,7 +7373,7 @@
               </a:spcAft>
               <a:buNone/>
             </a:pPr>
-            <a:endParaRPr lang="en-GB" sz="1800" dirty="0">
+            <a:endParaRPr lang="en-GB" sz="1600" dirty="0">
               <a:effectLst/>
               <a:latin typeface="Helvetica" panose="020B0604020202020204" pitchFamily="34" charset="0"/>
               <a:ea typeface="Times New Roman" panose="02020603050405020304" pitchFamily="18" charset="0"/>
@@ -7383,7 +7393,7 @@
               </a:spcAft>
               <a:buNone/>
             </a:pPr>
-            <a:endParaRPr lang="en-GB" sz="1800" dirty="0">
+            <a:endParaRPr lang="en-GB" sz="1600" dirty="0">
               <a:latin typeface="Helvetica" panose="020B0604020202020204" pitchFamily="34" charset="0"/>
               <a:ea typeface="Times New Roman" panose="02020603050405020304" pitchFamily="18" charset="0"/>
               <a:cs typeface="Times New Roman" panose="02020603050405020304" pitchFamily="18" charset="0"/>
@@ -7402,7 +7412,7 @@
               </a:spcAft>
               <a:buNone/>
             </a:pPr>
-            <a:endParaRPr lang="en-GB" sz="1800" dirty="0">
+            <a:endParaRPr lang="en-GB" sz="1600" dirty="0">
               <a:effectLst/>
               <a:latin typeface="Helvetica" panose="020B0604020202020204" pitchFamily="34" charset="0"/>
               <a:ea typeface="Times New Roman" panose="02020603050405020304" pitchFamily="18" charset="0"/>
@@ -7422,7 +7432,7 @@
               </a:spcAft>
               <a:buNone/>
             </a:pPr>
-            <a:endParaRPr lang="en-GB" sz="1800" dirty="0">
+            <a:endParaRPr lang="en-GB" sz="1600" dirty="0">
               <a:effectLst/>
               <a:latin typeface="Helvetica" panose="020B0604020202020204" pitchFamily="34" charset="0"/>
               <a:ea typeface="Times New Roman" panose="02020603050405020304" pitchFamily="18" charset="0"/>
@@ -7443,7 +7453,7 @@
               <a:buNone/>
             </a:pPr>
             <a:r>
-              <a:rPr lang="en-GB" sz="1800" dirty="0">
+              <a:rPr lang="en-GB" sz="1600" dirty="0">
                 <a:effectLst/>
                 <a:latin typeface="Helvetica" panose="020B0604020202020204" pitchFamily="34" charset="0"/>
                 <a:ea typeface="Times New Roman" panose="02020603050405020304" pitchFamily="18" charset="0"/>
@@ -7451,7 +7461,7 @@
               </a:rPr>
               <a:t>These operators can be applied to scalars and arrays of higher orders/dimensions. </a:t>
             </a:r>
-            <a:endParaRPr lang="en-ZA" sz="1800" dirty="0">
+            <a:endParaRPr lang="en-ZA" sz="1600" dirty="0">
               <a:effectLst/>
               <a:latin typeface="Helvetica" panose="020B0604020202020204" pitchFamily="34" charset="0"/>
               <a:ea typeface="Times New Roman" panose="02020603050405020304" pitchFamily="18" charset="0"/>
@@ -7580,7 +7590,7 @@
         </p:nvSpPr>
         <p:spPr>
           <a:xfrm>
-            <a:off x="468427" y="4852748"/>
+            <a:off x="468427" y="5232128"/>
             <a:ext cx="8229600" cy="360000"/>
           </a:xfrm>
           <a:prstGeom prst="rect">
@@ -7638,7 +7648,7 @@
         </p:nvSpPr>
         <p:spPr>
           <a:xfrm>
-            <a:off x="460408" y="3706532"/>
+            <a:off x="460408" y="3842719"/>
             <a:ext cx="8229600" cy="360000"/>
           </a:xfrm>
           <a:prstGeom prst="rect">
@@ -7696,7 +7706,7 @@
         </p:nvSpPr>
         <p:spPr>
           <a:xfrm>
-            <a:off x="462013" y="1915421"/>
+            <a:off x="462013" y="1837597"/>
             <a:ext cx="8229600" cy="1080000"/>
           </a:xfrm>
           <a:prstGeom prst="rect">
@@ -7909,7 +7919,7 @@
         </p:spPr>
         <p:txBody>
           <a:bodyPr>
-            <a:normAutofit/>
+            <a:normAutofit lnSpcReduction="10000"/>
           </a:bodyPr>
           <a:lstStyle/>
           <a:p>
@@ -7926,7 +7936,7 @@
               <a:buNone/>
             </a:pPr>
             <a:r>
-              <a:rPr lang="en-GB" sz="1800" dirty="0">
+              <a:rPr lang="en-GB" sz="1600" dirty="0">
                 <a:effectLst/>
                 <a:latin typeface="Helvetica" panose="020B0604020202020204" pitchFamily="34" charset="0"/>
                 <a:ea typeface="Times New Roman" panose="02020603050405020304" pitchFamily="18" charset="0"/>
@@ -7935,7 +7945,7 @@
               <a:t>Let us consider the above-mentioned operators to </a:t>
             </a:r>
             <a:r>
-              <a:rPr lang="en-GB" sz="1800" dirty="0">
+              <a:rPr lang="en-GB" sz="1600" dirty="0">
                 <a:effectLst/>
                 <a:latin typeface="Consolas" panose="020B0609020204030204" pitchFamily="49" charset="0"/>
                 <a:ea typeface="Times New Roman" panose="02020603050405020304" pitchFamily="18" charset="0"/>
@@ -7944,7 +7954,7 @@
               <a:t>logical_1</a:t>
             </a:r>
             <a:r>
-              <a:rPr lang="en-GB" sz="1800" dirty="0">
+              <a:rPr lang="en-GB" sz="1600" dirty="0">
                 <a:effectLst/>
                 <a:latin typeface="Helvetica" panose="020B0604020202020204" pitchFamily="34" charset="0"/>
                 <a:ea typeface="Times New Roman" panose="02020603050405020304" pitchFamily="18" charset="0"/>
@@ -7953,7 +7963,7 @@
               <a:t> and </a:t>
             </a:r>
             <a:r>
-              <a:rPr lang="en-GB" sz="1800" dirty="0">
+              <a:rPr lang="en-GB" sz="1600" dirty="0">
                 <a:effectLst/>
                 <a:latin typeface="Consolas" panose="020B0609020204030204" pitchFamily="49" charset="0"/>
                 <a:ea typeface="Times New Roman" panose="02020603050405020304" pitchFamily="18" charset="0"/>
@@ -7962,7 +7972,7 @@
               <a:t>logical_2</a:t>
             </a:r>
             <a:r>
-              <a:rPr lang="en-GB" sz="1800" dirty="0">
+              <a:rPr lang="en-GB" sz="1600" dirty="0">
                 <a:effectLst/>
                 <a:latin typeface="Helvetica" panose="020B0604020202020204" pitchFamily="34" charset="0"/>
                 <a:ea typeface="Times New Roman" panose="02020603050405020304" pitchFamily="18" charset="0"/>
@@ -7970,7 +7980,7 @@
               </a:rPr>
               <a:t> as defined below: </a:t>
             </a:r>
-            <a:endParaRPr lang="en-ZA" sz="1800" dirty="0">
+            <a:endParaRPr lang="en-ZA" sz="1600" dirty="0">
               <a:effectLst/>
               <a:latin typeface="Helvetica" panose="020B0604020202020204" pitchFamily="34" charset="0"/>
               <a:ea typeface="Times New Roman" panose="02020603050405020304" pitchFamily="18" charset="0"/>
@@ -7991,7 +8001,7 @@
               </a:tabLst>
             </a:pPr>
             <a:r>
-              <a:rPr lang="en-GB" sz="1800" dirty="0">
+              <a:rPr lang="en-GB" sz="1600" dirty="0">
                 <a:solidFill>
                   <a:srgbClr val="000000"/>
                 </a:solidFill>
@@ -8002,7 +8012,7 @@
               </a:rPr>
               <a:t>	logical_1 = true;</a:t>
             </a:r>
-            <a:endParaRPr lang="en-ZA" sz="1800" dirty="0">
+            <a:endParaRPr lang="en-ZA" sz="1600" dirty="0">
               <a:effectLst/>
               <a:latin typeface="Consolas" panose="020B0609020204030204" pitchFamily="49" charset="0"/>
               <a:ea typeface="Times New Roman" panose="02020603050405020304" pitchFamily="18" charset="0"/>
@@ -8017,7 +8027,7 @@
               <a:buNone/>
             </a:pPr>
             <a:r>
-              <a:rPr lang="en-GB" sz="1800" dirty="0">
+              <a:rPr lang="en-GB" sz="1600" dirty="0">
                 <a:solidFill>
                   <a:srgbClr val="000000"/>
                 </a:solidFill>
@@ -8028,7 +8038,7 @@
               </a:rPr>
               <a:t>logical_2 = false;</a:t>
             </a:r>
-            <a:endParaRPr lang="en-ZA" sz="1800" dirty="0">
+            <a:endParaRPr lang="en-ZA" sz="1600" dirty="0">
               <a:effectLst/>
               <a:latin typeface="Consolas" panose="020B0609020204030204" pitchFamily="49" charset="0"/>
               <a:ea typeface="Times New Roman" panose="02020603050405020304" pitchFamily="18" charset="0"/>
@@ -8046,7 +8056,7 @@
               <a:buNone/>
             </a:pPr>
             <a:r>
-              <a:rPr lang="en-GB" sz="1800" dirty="0">
+              <a:rPr lang="en-GB" sz="1600" dirty="0">
                 <a:solidFill>
                   <a:srgbClr val="000000"/>
                 </a:solidFill>
@@ -8057,7 +8067,7 @@
               </a:rPr>
               <a:t>logical_1 &amp; logical_2</a:t>
             </a:r>
-            <a:endParaRPr lang="en-ZA" sz="1800" dirty="0">
+            <a:endParaRPr lang="en-ZA" sz="1600" dirty="0">
               <a:effectLst/>
               <a:latin typeface="Consolas" panose="020B0609020204030204" pitchFamily="49" charset="0"/>
               <a:ea typeface="Times New Roman" panose="02020603050405020304" pitchFamily="18" charset="0"/>
@@ -8072,7 +8082,7 @@
               <a:buNone/>
             </a:pPr>
             <a:r>
-              <a:rPr lang="en-GB" sz="1500" dirty="0" err="1">
+              <a:rPr lang="en-GB" sz="1400" dirty="0" err="1">
                 <a:solidFill>
                   <a:srgbClr val="212121"/>
                 </a:solidFill>
@@ -8084,7 +8094,7 @@
               <a:t>ans</a:t>
             </a:r>
             <a:r>
-              <a:rPr lang="en-GB" sz="1500" dirty="0">
+              <a:rPr lang="en-GB" sz="1400" dirty="0">
                 <a:solidFill>
                   <a:srgbClr val="212121"/>
                 </a:solidFill>
@@ -8096,7 +8106,7 @@
               <a:t> = </a:t>
             </a:r>
             <a:r>
-              <a:rPr lang="en-GB" sz="1500" i="1" dirty="0">
+              <a:rPr lang="en-GB" sz="1400" i="1" dirty="0">
                 <a:solidFill>
                   <a:srgbClr val="B3B3B3"/>
                 </a:solidFill>
@@ -8107,7 +8117,7 @@
               </a:rPr>
               <a:t>logical</a:t>
             </a:r>
-            <a:endParaRPr lang="en-ZA" sz="1500" dirty="0">
+            <a:endParaRPr lang="en-ZA" sz="1400" dirty="0">
               <a:effectLst/>
               <a:latin typeface="Helvetica" panose="020B0604020202020204" pitchFamily="34" charset="0"/>
               <a:ea typeface="Times New Roman" panose="02020603050405020304" pitchFamily="18" charset="0"/>
@@ -8122,7 +8132,7 @@
               <a:buNone/>
             </a:pPr>
             <a:r>
-              <a:rPr lang="en-GB" sz="1500" dirty="0">
+              <a:rPr lang="en-GB" sz="1400" dirty="0">
                 <a:solidFill>
                   <a:srgbClr val="212121"/>
                 </a:solidFill>
@@ -8133,7 +8143,15 @@
               </a:rPr>
               <a:t>    0</a:t>
             </a:r>
-            <a:endParaRPr lang="en-ZA" sz="1500" dirty="0">
+          </a:p>
+          <a:p>
+            <a:pPr marL="0" indent="0">
+              <a:lnSpc>
+                <a:spcPct val="107000"/>
+              </a:lnSpc>
+              <a:buNone/>
+            </a:pPr>
+            <a:endParaRPr lang="en-ZA" sz="1400" dirty="0">
               <a:effectLst/>
               <a:latin typeface="Helvetica" panose="020B0604020202020204" pitchFamily="34" charset="0"/>
               <a:ea typeface="Times New Roman" panose="02020603050405020304" pitchFamily="18" charset="0"/>
@@ -8154,7 +8172,7 @@
               <a:buNone/>
             </a:pPr>
             <a:r>
-              <a:rPr lang="en-GB" sz="1800" dirty="0">
+              <a:rPr lang="en-GB" sz="1600" dirty="0">
                 <a:solidFill>
                   <a:srgbClr val="000000"/>
                 </a:solidFill>
@@ -8165,7 +8183,7 @@
               </a:rPr>
               <a:t>logical_1 | logical_2</a:t>
             </a:r>
-            <a:endParaRPr lang="en-ZA" sz="1800" dirty="0">
+            <a:endParaRPr lang="en-ZA" sz="1600" dirty="0">
               <a:effectLst/>
               <a:latin typeface="Consolas" panose="020B0609020204030204" pitchFamily="49" charset="0"/>
               <a:ea typeface="Times New Roman" panose="02020603050405020304" pitchFamily="18" charset="0"/>
@@ -8183,7 +8201,7 @@
               </a:tabLst>
             </a:pPr>
             <a:r>
-              <a:rPr lang="en-GB" sz="1800" dirty="0">
+              <a:rPr lang="en-GB" sz="1600" dirty="0">
                 <a:solidFill>
                   <a:srgbClr val="212121"/>
                 </a:solidFill>
@@ -8195,7 +8213,7 @@
               <a:t>	</a:t>
             </a:r>
             <a:r>
-              <a:rPr lang="en-GB" sz="1500" dirty="0" err="1">
+              <a:rPr lang="en-GB" sz="1400" dirty="0" err="1">
                 <a:solidFill>
                   <a:srgbClr val="212121"/>
                 </a:solidFill>
@@ -8207,7 +8225,7 @@
               <a:t>ans</a:t>
             </a:r>
             <a:r>
-              <a:rPr lang="en-GB" sz="1500" dirty="0">
+              <a:rPr lang="en-GB" sz="1400" dirty="0">
                 <a:solidFill>
                   <a:srgbClr val="212121"/>
                 </a:solidFill>
@@ -8219,7 +8237,7 @@
               <a:t> = </a:t>
             </a:r>
             <a:r>
-              <a:rPr lang="en-GB" sz="1500" i="1" dirty="0">
+              <a:rPr lang="en-GB" sz="1400" i="1" dirty="0">
                 <a:solidFill>
                   <a:srgbClr val="B3B3B3"/>
                 </a:solidFill>
@@ -8230,7 +8248,7 @@
               </a:rPr>
               <a:t>logical</a:t>
             </a:r>
-            <a:endParaRPr lang="en-ZA" sz="1500" dirty="0">
+            <a:endParaRPr lang="en-ZA" sz="1400" dirty="0">
               <a:effectLst/>
               <a:latin typeface="Helvetica" panose="020B0604020202020204" pitchFamily="34" charset="0"/>
               <a:ea typeface="Times New Roman" panose="02020603050405020304" pitchFamily="18" charset="0"/>
@@ -8245,7 +8263,7 @@
               <a:buNone/>
             </a:pPr>
             <a:r>
-              <a:rPr lang="en-GB" sz="1500" dirty="0">
+              <a:rPr lang="en-GB" sz="1400" dirty="0">
                 <a:solidFill>
                   <a:srgbClr val="212121"/>
                 </a:solidFill>
@@ -8256,7 +8274,7 @@
               </a:rPr>
               <a:t>    1</a:t>
             </a:r>
-            <a:endParaRPr lang="en-ZA" sz="1500" dirty="0">
+            <a:endParaRPr lang="en-ZA" sz="1400" dirty="0">
               <a:effectLst/>
               <a:latin typeface="Helvetica" panose="020B0604020202020204" pitchFamily="34" charset="0"/>
               <a:ea typeface="Times New Roman" panose="02020603050405020304" pitchFamily="18" charset="0"/>
@@ -8276,19 +8294,10 @@
               </a:spcAft>
               <a:buNone/>
             </a:pPr>
-            <a:r>
-              <a:rPr lang="en-GB" sz="1800" dirty="0">
-                <a:solidFill>
-                  <a:srgbClr val="000000"/>
-                </a:solidFill>
-                <a:effectLst/>
-                <a:latin typeface="Consolas" panose="020B0609020204030204" pitchFamily="49" charset="0"/>
-                <a:ea typeface="Times New Roman" panose="02020603050405020304" pitchFamily="18" charset="0"/>
-                <a:cs typeface="Times New Roman" panose="02020603050405020304" pitchFamily="18" charset="0"/>
-              </a:rPr>
-              <a:t>~logical_1</a:t>
-            </a:r>
-            <a:endParaRPr lang="en-ZA" sz="1800" dirty="0">
+            <a:endParaRPr lang="en-GB" sz="1600" dirty="0">
+              <a:solidFill>
+                <a:srgbClr val="000000"/>
+              </a:solidFill>
               <a:effectLst/>
               <a:latin typeface="Consolas" panose="020B0609020204030204" pitchFamily="49" charset="0"/>
               <a:ea typeface="Times New Roman" panose="02020603050405020304" pitchFamily="18" charset="0"/>
@@ -8296,6 +8305,38 @@
             </a:endParaRPr>
           </a:p>
           <a:p>
+            <a:pPr marL="36195" indent="0">
+              <a:lnSpc>
+                <a:spcPts val="1400"/>
+              </a:lnSpc>
+              <a:spcBef>
+                <a:spcPts val="700"/>
+              </a:spcBef>
+              <a:spcAft>
+                <a:spcPts val="700"/>
+              </a:spcAft>
+              <a:buNone/>
+            </a:pPr>
+            <a:r>
+              <a:rPr lang="en-GB" sz="1600" dirty="0">
+                <a:solidFill>
+                  <a:srgbClr val="000000"/>
+                </a:solidFill>
+                <a:effectLst/>
+                <a:latin typeface="Consolas" panose="020B0609020204030204" pitchFamily="49" charset="0"/>
+                <a:ea typeface="Times New Roman" panose="02020603050405020304" pitchFamily="18" charset="0"/>
+                <a:cs typeface="Times New Roman" panose="02020603050405020304" pitchFamily="18" charset="0"/>
+              </a:rPr>
+              <a:t>~logical_1</a:t>
+            </a:r>
+            <a:endParaRPr lang="en-ZA" sz="1600" dirty="0">
+              <a:effectLst/>
+              <a:latin typeface="Consolas" panose="020B0609020204030204" pitchFamily="49" charset="0"/>
+              <a:ea typeface="Times New Roman" panose="02020603050405020304" pitchFamily="18" charset="0"/>
+              <a:cs typeface="Times New Roman" panose="02020603050405020304" pitchFamily="18" charset="0"/>
+            </a:endParaRPr>
+          </a:p>
+          <a:p>
             <a:pPr marL="0" indent="0">
               <a:lnSpc>
                 <a:spcPct val="107000"/>
@@ -8306,7 +8347,7 @@
               </a:tabLst>
             </a:pPr>
             <a:r>
-              <a:rPr lang="en-GB" sz="1500" dirty="0">
+              <a:rPr lang="en-GB" sz="1400" dirty="0">
                 <a:solidFill>
                   <a:srgbClr val="212121"/>
                 </a:solidFill>
@@ -8318,7 +8359,7 @@
               <a:t>	</a:t>
             </a:r>
             <a:r>
-              <a:rPr lang="en-GB" sz="1500" dirty="0" err="1">
+              <a:rPr lang="en-GB" sz="1400" dirty="0" err="1">
                 <a:solidFill>
                   <a:srgbClr val="212121"/>
                 </a:solidFill>
@@ -8330,7 +8371,7 @@
               <a:t>ans</a:t>
             </a:r>
             <a:r>
-              <a:rPr lang="en-GB" sz="1500" dirty="0">
+              <a:rPr lang="en-GB" sz="1400" dirty="0">
                 <a:solidFill>
                   <a:srgbClr val="212121"/>
                 </a:solidFill>
@@ -8342,7 +8383,7 @@
               <a:t> = </a:t>
             </a:r>
             <a:r>
-              <a:rPr lang="en-GB" sz="1500" i="1" dirty="0">
+              <a:rPr lang="en-GB" sz="1400" i="1" dirty="0">
                 <a:solidFill>
                   <a:srgbClr val="B3B3B3"/>
                 </a:solidFill>
@@ -8353,7 +8394,7 @@
               </a:rPr>
               <a:t>logical</a:t>
             </a:r>
-            <a:endParaRPr lang="en-ZA" sz="1500" dirty="0">
+            <a:endParaRPr lang="en-ZA" sz="1400" dirty="0">
               <a:effectLst/>
               <a:latin typeface="Helvetica" panose="020B0604020202020204" pitchFamily="34" charset="0"/>
               <a:ea typeface="Times New Roman" panose="02020603050405020304" pitchFamily="18" charset="0"/>
@@ -8368,7 +8409,7 @@
               <a:buNone/>
             </a:pPr>
             <a:r>
-              <a:rPr lang="en-GB" sz="1500" dirty="0">
+              <a:rPr lang="en-GB" sz="1400" dirty="0">
                 <a:solidFill>
                   <a:srgbClr val="212121"/>
                 </a:solidFill>
@@ -8379,7 +8420,7 @@
               </a:rPr>
               <a:t>    0</a:t>
             </a:r>
-            <a:endParaRPr lang="en-ZA" sz="1500" dirty="0">
+            <a:endParaRPr lang="en-ZA" sz="1400" dirty="0">
               <a:effectLst/>
               <a:latin typeface="Helvetica" panose="020B0604020202020204" pitchFamily="34" charset="0"/>
               <a:ea typeface="Times New Roman" panose="02020603050405020304" pitchFamily="18" charset="0"/>
@@ -9240,7 +9281,7 @@
         </p:nvSpPr>
         <p:spPr>
           <a:xfrm>
-            <a:off x="468427" y="5199257"/>
+            <a:off x="468427" y="4917157"/>
             <a:ext cx="8229600" cy="360000"/>
           </a:xfrm>
           <a:prstGeom prst="rect">
@@ -9298,7 +9339,7 @@
         </p:nvSpPr>
         <p:spPr>
           <a:xfrm>
-            <a:off x="460408" y="3879789"/>
+            <a:off x="460408" y="3354495"/>
             <a:ext cx="8229600" cy="360000"/>
           </a:xfrm>
           <a:prstGeom prst="rect">
@@ -9525,7 +9566,7 @@
               <a:buNone/>
             </a:pPr>
             <a:r>
-              <a:rPr lang="en-GB" sz="1800" dirty="0">
+              <a:rPr lang="en-GB" sz="1600" dirty="0">
                 <a:effectLst/>
                 <a:latin typeface="Helvetica" panose="020B0604020202020204" pitchFamily="34" charset="0"/>
                 <a:ea typeface="Times New Roman" panose="02020603050405020304" pitchFamily="18" charset="0"/>
@@ -9534,7 +9575,7 @@
               <a:t>Note: If you have cleared your workspace, you will need to run the section where </a:t>
             </a:r>
             <a:r>
-              <a:rPr lang="en-GB" sz="1800" dirty="0">
+              <a:rPr lang="en-GB" sz="1600" dirty="0">
                 <a:effectLst/>
                 <a:latin typeface="Consolas" panose="020B0609020204030204" pitchFamily="49" charset="0"/>
                 <a:ea typeface="Times New Roman" panose="02020603050405020304" pitchFamily="18" charset="0"/>
@@ -9543,7 +9584,7 @@
               <a:t>logical_arr_1</a:t>
             </a:r>
             <a:r>
-              <a:rPr lang="en-GB" sz="1800" dirty="0">
+              <a:rPr lang="en-GB" sz="1600" dirty="0">
                 <a:effectLst/>
                 <a:latin typeface="Helvetica" panose="020B0604020202020204" pitchFamily="34" charset="0"/>
                 <a:ea typeface="Times New Roman" panose="02020603050405020304" pitchFamily="18" charset="0"/>
@@ -9552,7 +9593,7 @@
               <a:t> and </a:t>
             </a:r>
             <a:r>
-              <a:rPr lang="en-GB" sz="1800" dirty="0">
+              <a:rPr lang="en-GB" sz="1600" dirty="0">
                 <a:effectLst/>
                 <a:latin typeface="Consolas" panose="020B0609020204030204" pitchFamily="49" charset="0"/>
                 <a:ea typeface="Times New Roman" panose="02020603050405020304" pitchFamily="18" charset="0"/>
@@ -9561,7 +9602,7 @@
               <a:t>logical_arr_2</a:t>
             </a:r>
             <a:r>
-              <a:rPr lang="en-GB" sz="1800" dirty="0">
+              <a:rPr lang="en-GB" sz="1600" dirty="0">
                 <a:effectLst/>
                 <a:latin typeface="Helvetica" panose="020B0604020202020204" pitchFamily="34" charset="0"/>
                 <a:ea typeface="Times New Roman" panose="02020603050405020304" pitchFamily="18" charset="0"/>
@@ -9569,7 +9610,7 @@
               </a:rPr>
               <a:t> are defined. The logical arrays produced will be different each time you run the section, this is because they are based on randomly generated integer arrays.</a:t>
             </a:r>
-            <a:endParaRPr lang="en-ZA" sz="1800" dirty="0">
+            <a:endParaRPr lang="en-ZA" sz="1600" dirty="0">
               <a:effectLst/>
               <a:latin typeface="Helvetica" panose="020B0604020202020204" pitchFamily="34" charset="0"/>
               <a:ea typeface="Times New Roman" panose="02020603050405020304" pitchFamily="18" charset="0"/>
@@ -9590,7 +9631,7 @@
               <a:buNone/>
             </a:pPr>
             <a:r>
-              <a:rPr lang="en-GB" sz="1800" dirty="0">
+              <a:rPr lang="en-GB" sz="1600" dirty="0">
                 <a:effectLst/>
                 <a:latin typeface="Helvetica" panose="020B0604020202020204" pitchFamily="34" charset="0"/>
                 <a:ea typeface="Times New Roman" panose="02020603050405020304" pitchFamily="18" charset="0"/>
@@ -9599,7 +9640,7 @@
               <a:t>Now you try! Create a row vector, </a:t>
             </a:r>
             <a:r>
-              <a:rPr lang="en-GB" sz="1800" dirty="0">
+              <a:rPr lang="en-GB" sz="1600" dirty="0">
                 <a:effectLst/>
                 <a:latin typeface="Consolas" panose="020B0609020204030204" pitchFamily="49" charset="0"/>
                 <a:ea typeface="Times New Roman" panose="02020603050405020304" pitchFamily="18" charset="0"/>
@@ -9608,7 +9649,7 @@
               <a:t>arr_5</a:t>
             </a:r>
             <a:r>
-              <a:rPr lang="en-GB" sz="1800" dirty="0">
+              <a:rPr lang="en-GB" sz="1600" dirty="0">
                 <a:effectLst/>
                 <a:latin typeface="Helvetica" panose="020B0604020202020204" pitchFamily="34" charset="0"/>
                 <a:ea typeface="Times New Roman" panose="02020603050405020304" pitchFamily="18" charset="0"/>
@@ -9617,7 +9658,7 @@
               <a:t>, with 5 elements between the values of </a:t>
             </a:r>
             <a:r>
-              <a:rPr lang="en-GB" sz="1800" dirty="0">
+              <a:rPr lang="en-GB" sz="1600" dirty="0">
                 <a:effectLst/>
                 <a:latin typeface="Consolas" panose="020B0609020204030204" pitchFamily="49" charset="0"/>
                 <a:ea typeface="Times New Roman" panose="02020603050405020304" pitchFamily="18" charset="0"/>
@@ -9626,7 +9667,7 @@
               <a:t>1</a:t>
             </a:r>
             <a:r>
-              <a:rPr lang="en-GB" sz="1800" dirty="0">
+              <a:rPr lang="en-GB" sz="1600" dirty="0">
                 <a:effectLst/>
                 <a:latin typeface="Helvetica" panose="020B0604020202020204" pitchFamily="34" charset="0"/>
                 <a:ea typeface="Times New Roman" panose="02020603050405020304" pitchFamily="18" charset="0"/>
@@ -9635,7 +9676,7 @@
               <a:t> and </a:t>
             </a:r>
             <a:r>
-              <a:rPr lang="en-GB" sz="1800" dirty="0">
+              <a:rPr lang="en-GB" sz="1600" dirty="0">
                 <a:effectLst/>
                 <a:latin typeface="Consolas" panose="020B0609020204030204" pitchFamily="49" charset="0"/>
                 <a:ea typeface="Times New Roman" panose="02020603050405020304" pitchFamily="18" charset="0"/>
@@ -9644,7 +9685,7 @@
               <a:t>10</a:t>
             </a:r>
             <a:r>
-              <a:rPr lang="en-GB" sz="1800" dirty="0">
+              <a:rPr lang="en-GB" sz="1600" dirty="0">
                 <a:effectLst/>
                 <a:latin typeface="Helvetica" panose="020B0604020202020204" pitchFamily="34" charset="0"/>
                 <a:ea typeface="Times New Roman" panose="02020603050405020304" pitchFamily="18" charset="0"/>
@@ -9653,7 +9694,7 @@
               <a:t> using the </a:t>
             </a:r>
             <a:r>
-              <a:rPr lang="en-GB" sz="1800" dirty="0" err="1">
+              <a:rPr lang="en-GB" sz="1600" dirty="0" err="1">
                 <a:effectLst/>
                 <a:latin typeface="Consolas" panose="020B0609020204030204" pitchFamily="49" charset="0"/>
                 <a:ea typeface="Times New Roman" panose="02020603050405020304" pitchFamily="18" charset="0"/>
@@ -9662,7 +9703,7 @@
               <a:t>randi</a:t>
             </a:r>
             <a:r>
-              <a:rPr lang="en-GB" sz="1800" dirty="0">
+              <a:rPr lang="en-GB" sz="1600" dirty="0">
                 <a:effectLst/>
                 <a:latin typeface="Helvetica" panose="020B0604020202020204" pitchFamily="34" charset="0"/>
                 <a:ea typeface="Times New Roman" panose="02020603050405020304" pitchFamily="18" charset="0"/>
@@ -9671,7 +9712,7 @@
               <a:t> function. Determine which elements are smaller than </a:t>
             </a:r>
             <a:r>
-              <a:rPr lang="en-GB" sz="1800" dirty="0">
+              <a:rPr lang="en-GB" sz="1600" dirty="0">
                 <a:effectLst/>
                 <a:latin typeface="Consolas" panose="020B0609020204030204" pitchFamily="49" charset="0"/>
                 <a:ea typeface="Times New Roman" panose="02020603050405020304" pitchFamily="18" charset="0"/>
@@ -9680,7 +9721,7 @@
               <a:t>4</a:t>
             </a:r>
             <a:r>
-              <a:rPr lang="en-GB" sz="1800" dirty="0">
+              <a:rPr lang="en-GB" sz="1600" dirty="0">
                 <a:effectLst/>
                 <a:latin typeface="Helvetica" panose="020B0604020202020204" pitchFamily="34" charset="0"/>
                 <a:ea typeface="Times New Roman" panose="02020603050405020304" pitchFamily="18" charset="0"/>
@@ -9689,7 +9730,7 @@
               <a:t> or greater than </a:t>
             </a:r>
             <a:r>
-              <a:rPr lang="en-GB" sz="1800" dirty="0">
+              <a:rPr lang="en-GB" sz="1600" dirty="0">
                 <a:effectLst/>
                 <a:latin typeface="Consolas" panose="020B0609020204030204" pitchFamily="49" charset="0"/>
                 <a:ea typeface="Times New Roman" panose="02020603050405020304" pitchFamily="18" charset="0"/>
@@ -9698,7 +9739,7 @@
               <a:t>6</a:t>
             </a:r>
             <a:r>
-              <a:rPr lang="en-GB" sz="1800" dirty="0">
+              <a:rPr lang="en-GB" sz="1600" dirty="0">
                 <a:effectLst/>
                 <a:latin typeface="Helvetica" panose="020B0604020202020204" pitchFamily="34" charset="0"/>
                 <a:ea typeface="Times New Roman" panose="02020603050405020304" pitchFamily="18" charset="0"/>
@@ -9721,7 +9762,7 @@
               <a:buNone/>
             </a:pPr>
             <a:r>
-              <a:rPr lang="en-GB" sz="1800" dirty="0">
+              <a:rPr lang="en-GB" sz="1600" dirty="0">
                 <a:solidFill>
                   <a:srgbClr val="000000"/>
                 </a:solidFill>
@@ -9733,7 +9774,7 @@
               <a:t>arr_5 = </a:t>
             </a:r>
             <a:r>
-              <a:rPr lang="en-GB" sz="1800" dirty="0" err="1">
+              <a:rPr lang="en-GB" sz="1600" dirty="0" err="1">
                 <a:solidFill>
                   <a:srgbClr val="000000"/>
                 </a:solidFill>
@@ -9745,7 +9786,7 @@
               <a:t>randi</a:t>
             </a:r>
             <a:r>
-              <a:rPr lang="en-GB" sz="1800" dirty="0">
+              <a:rPr lang="en-GB" sz="1600" dirty="0">
                 <a:solidFill>
                   <a:srgbClr val="000000"/>
                 </a:solidFill>
@@ -9756,7 +9797,7 @@
               </a:rPr>
               <a:t>(10, [1 5])</a:t>
             </a:r>
-            <a:endParaRPr lang="en-ZA" sz="1800" dirty="0">
+            <a:endParaRPr lang="en-ZA" sz="1600" dirty="0">
               <a:effectLst/>
               <a:latin typeface="Consolas" panose="020B0609020204030204" pitchFamily="49" charset="0"/>
               <a:ea typeface="Times New Roman" panose="02020603050405020304" pitchFamily="18" charset="0"/>
@@ -9774,7 +9815,7 @@
               </a:tabLst>
             </a:pPr>
             <a:r>
-              <a:rPr lang="fr-FR" sz="1800" dirty="0">
+              <a:rPr lang="fr-FR" sz="1600" dirty="0">
                 <a:solidFill>
                   <a:srgbClr val="212121"/>
                 </a:solidFill>
@@ -9786,7 +9827,7 @@
               <a:t>	</a:t>
             </a:r>
             <a:r>
-              <a:rPr lang="fr-FR" sz="1400" dirty="0">
+              <a:rPr lang="fr-FR" sz="1200" dirty="0">
                 <a:solidFill>
                   <a:srgbClr val="212121"/>
                 </a:solidFill>
@@ -9798,7 +9839,7 @@
               <a:t>arr_5 = </a:t>
             </a:r>
             <a:r>
-              <a:rPr lang="fr-FR" sz="1400" dirty="0">
+              <a:rPr lang="fr-FR" sz="1200" dirty="0">
                 <a:solidFill>
                   <a:srgbClr val="B3B3B3"/>
                 </a:solidFill>
@@ -9809,7 +9850,7 @@
               </a:rPr>
               <a:t>1×5</a:t>
             </a:r>
-            <a:endParaRPr lang="en-ZA" sz="1400" dirty="0">
+            <a:endParaRPr lang="en-ZA" sz="1200" dirty="0">
               <a:latin typeface="Helvetica" panose="020B0604020202020204" pitchFamily="34" charset="0"/>
               <a:ea typeface="Times New Roman" panose="02020603050405020304" pitchFamily="18" charset="0"/>
               <a:cs typeface="Times New Roman" panose="02020603050405020304" pitchFamily="18" charset="0"/>
@@ -9827,7 +9868,7 @@
               </a:tabLst>
             </a:pPr>
             <a:r>
-              <a:rPr lang="fr-FR" sz="1400" dirty="0">
+              <a:rPr lang="fr-FR" sz="1200" dirty="0">
                 <a:solidFill>
                   <a:srgbClr val="212121"/>
                 </a:solidFill>
@@ -9847,11 +9888,32 @@
               <a:buNone/>
               <a:tabLst>
                 <a:tab pos="87313" algn="l"/>
+                <a:tab pos="625475" algn="l"/>
+              </a:tabLst>
+            </a:pPr>
+            <a:endParaRPr lang="fr-FR" sz="1200" dirty="0">
+              <a:solidFill>
+                <a:srgbClr val="212121"/>
+              </a:solidFill>
+              <a:effectLst/>
+              <a:latin typeface="Helvetica" panose="020B0604020202020204" pitchFamily="34" charset="0"/>
+              <a:ea typeface="Times New Roman" panose="02020603050405020304" pitchFamily="18" charset="0"/>
+              <a:cs typeface="Times New Roman" panose="02020603050405020304" pitchFamily="18" charset="0"/>
+            </a:endParaRPr>
+          </a:p>
+          <a:p>
+            <a:pPr marL="0" indent="0">
+              <a:lnSpc>
+                <a:spcPct val="107000"/>
+              </a:lnSpc>
+              <a:buNone/>
+              <a:tabLst>
+                <a:tab pos="87313" algn="l"/>
                 <a:tab pos="808038" algn="l"/>
               </a:tabLst>
             </a:pPr>
             <a:r>
-              <a:rPr lang="fr-FR" sz="1800" dirty="0">
+              <a:rPr lang="fr-FR" sz="1600" dirty="0">
                 <a:solidFill>
                   <a:srgbClr val="000000"/>
                 </a:solidFill>
@@ -9862,7 +9924,7 @@
               </a:rPr>
               <a:t>arr_5 &lt; 4 | arr_5 &gt; 6</a:t>
             </a:r>
-            <a:endParaRPr lang="en-ZA" sz="1800" dirty="0">
+            <a:endParaRPr lang="en-ZA" sz="1600" dirty="0">
               <a:effectLst/>
               <a:latin typeface="Consolas" panose="020B0609020204030204" pitchFamily="49" charset="0"/>
               <a:ea typeface="Times New Roman" panose="02020603050405020304" pitchFamily="18" charset="0"/>
@@ -9880,7 +9942,7 @@
               </a:tabLst>
             </a:pPr>
             <a:r>
-              <a:rPr lang="fr-FR" sz="1400" dirty="0">
+              <a:rPr lang="fr-FR" sz="1200" dirty="0">
                 <a:solidFill>
                   <a:srgbClr val="212121"/>
                 </a:solidFill>
@@ -9892,7 +9954,7 @@
               <a:t>	ans = </a:t>
             </a:r>
             <a:r>
-              <a:rPr lang="fr-FR" sz="1400" dirty="0">
+              <a:rPr lang="fr-FR" sz="1200" dirty="0">
                 <a:solidFill>
                   <a:srgbClr val="B3B3B3"/>
                 </a:solidFill>
@@ -9904,7 +9966,7 @@
               <a:t>1×5 </a:t>
             </a:r>
             <a:r>
-              <a:rPr lang="fr-FR" sz="1400" dirty="0" err="1">
+              <a:rPr lang="fr-FR" sz="1200" dirty="0" err="1">
                 <a:solidFill>
                   <a:srgbClr val="B3B3B3"/>
                 </a:solidFill>
@@ -9916,7 +9978,7 @@
               <a:t>logical</a:t>
             </a:r>
             <a:r>
-              <a:rPr lang="fr-FR" sz="1400" dirty="0">
+              <a:rPr lang="fr-FR" sz="1200" dirty="0">
                 <a:solidFill>
                   <a:srgbClr val="B3B3B3"/>
                 </a:solidFill>
@@ -9928,7 +9990,7 @@
               <a:t> </a:t>
             </a:r>
             <a:r>
-              <a:rPr lang="fr-FR" sz="1400" dirty="0" err="1">
+              <a:rPr lang="fr-FR" sz="1200" dirty="0" err="1">
                 <a:solidFill>
                   <a:srgbClr val="B3B3B3"/>
                 </a:solidFill>
@@ -9939,7 +10001,7 @@
               </a:rPr>
               <a:t>array</a:t>
             </a:r>
-            <a:endParaRPr lang="en-ZA" sz="1400" dirty="0">
+            <a:endParaRPr lang="en-ZA" sz="1200" dirty="0">
               <a:effectLst/>
               <a:latin typeface="Helvetica" panose="020B0604020202020204" pitchFamily="34" charset="0"/>
               <a:ea typeface="Times New Roman" panose="02020603050405020304" pitchFamily="18" charset="0"/>
@@ -9954,7 +10016,7 @@
               </a:tabLst>
             </a:pPr>
             <a:r>
-              <a:rPr lang="fr-FR" sz="1400" dirty="0">
+              <a:rPr lang="fr-FR" sz="1200" dirty="0">
                 <a:solidFill>
                   <a:srgbClr val="212121"/>
                 </a:solidFill>
@@ -9965,7 +10027,7 @@
               <a:t>	</a:t>
             </a:r>
             <a:r>
-              <a:rPr lang="en-GB" sz="1400" dirty="0">
+              <a:rPr lang="en-GB" sz="1200" dirty="0">
                 <a:solidFill>
                   <a:srgbClr val="212121"/>
                 </a:solidFill>
@@ -9976,7 +10038,7 @@
               </a:rPr>
               <a:t>1   1   1   0   0</a:t>
             </a:r>
-            <a:endParaRPr lang="en-GB" sz="1400" dirty="0">
+            <a:endParaRPr lang="en-GB" sz="1200" dirty="0">
               <a:effectLst/>
               <a:latin typeface="Consolas" panose="020B0609020204030204" pitchFamily="49" charset="0"/>
               <a:ea typeface="Times New Roman" panose="02020603050405020304" pitchFamily="18" charset="0"/>
@@ -10631,7 +10693,7 @@
               <a:buNone/>
             </a:pPr>
             <a:r>
-              <a:rPr lang="en-GB" sz="1800" b="1" dirty="0">
+              <a:rPr lang="en-GB" sz="1600" b="1" dirty="0">
                 <a:effectLst/>
                 <a:latin typeface="Helvetica" panose="020B0604020202020204" pitchFamily="34" charset="0"/>
                 <a:ea typeface="Times New Roman" panose="02020603050405020304" pitchFamily="18" charset="0"/>
@@ -10639,7 +10701,7 @@
               </a:rPr>
               <a:t>Wondering where you encounter logical operators in your everyday life?</a:t>
             </a:r>
-            <a:endParaRPr lang="en-ZA" sz="1800" dirty="0">
+            <a:endParaRPr lang="en-ZA" sz="1600" dirty="0">
               <a:effectLst/>
               <a:latin typeface="Helvetica" panose="020B0604020202020204" pitchFamily="34" charset="0"/>
               <a:ea typeface="Times New Roman" panose="02020603050405020304" pitchFamily="18" charset="0"/>
@@ -10660,7 +10722,7 @@
               <a:buNone/>
             </a:pPr>
             <a:r>
-              <a:rPr lang="en-GB" sz="1800" dirty="0">
+              <a:rPr lang="en-GB" sz="1600" dirty="0">
                 <a:effectLst/>
                 <a:latin typeface="Helvetica" panose="020B0604020202020204" pitchFamily="34" charset="0"/>
                 <a:ea typeface="Times New Roman" panose="02020603050405020304" pitchFamily="18" charset="0"/>
@@ -10683,7 +10745,7 @@
               <a:buNone/>
             </a:pPr>
             <a:r>
-              <a:rPr lang="en-GB" sz="1800" dirty="0">
+              <a:rPr lang="en-GB" sz="1600" dirty="0">
                 <a:effectLst/>
                 <a:latin typeface="Helvetica" panose="020B0604020202020204" pitchFamily="34" charset="0"/>
                 <a:ea typeface="Times New Roman" panose="02020603050405020304" pitchFamily="18" charset="0"/>
@@ -10691,7 +10753,7 @@
               </a:rPr>
               <a:t>Let us consider a decision where we choose to light a candle or not for our study area. Let us consider a case where we have access to an electric light and a candle (with a working lighter) as the two sources of light in our study area.  </a:t>
             </a:r>
-            <a:endParaRPr lang="en-ZA" sz="1800" dirty="0">
+            <a:endParaRPr lang="en-ZA" sz="1600" dirty="0">
               <a:effectLst/>
               <a:latin typeface="Helvetica" panose="020B0604020202020204" pitchFamily="34" charset="0"/>
               <a:ea typeface="Times New Roman" panose="02020603050405020304" pitchFamily="18" charset="0"/>
@@ -10711,7 +10773,7 @@
               </a:spcAft>
               <a:buNone/>
             </a:pPr>
-            <a:endParaRPr lang="en-GB" sz="1400" dirty="0">
+            <a:endParaRPr lang="en-GB" sz="1200" dirty="0">
               <a:effectLst/>
               <a:latin typeface="Consolas" panose="020B0609020204030204" pitchFamily="49" charset="0"/>
               <a:ea typeface="Times New Roman" panose="02020603050405020304" pitchFamily="18" charset="0"/>
@@ -10973,7 +11035,7 @@
               <a:buNone/>
             </a:pPr>
             <a:r>
-              <a:rPr lang="en-GB" sz="1800" dirty="0">
+              <a:rPr lang="en-GB" sz="1600" dirty="0">
                 <a:effectLst/>
                 <a:latin typeface="Helvetica" panose="020B0604020202020204" pitchFamily="34" charset="0"/>
                 <a:ea typeface="Times New Roman" panose="02020603050405020304" pitchFamily="18" charset="0"/>
@@ -10981,7 +11043,7 @@
               </a:rPr>
               <a:t>Taking the decision to light the candle would depend on if we have an electricity supply or not, and if we require light in your study at the time (how dark the environment is). Let us define these conditions as yes or no questions:</a:t>
             </a:r>
-            <a:endParaRPr lang="en-ZA" sz="1800" dirty="0">
+            <a:endParaRPr lang="en-ZA" sz="1600" dirty="0">
               <a:effectLst/>
               <a:latin typeface="Helvetica" panose="020B0604020202020204" pitchFamily="34" charset="0"/>
               <a:ea typeface="Times New Roman" panose="02020603050405020304" pitchFamily="18" charset="0"/>
@@ -10997,7 +11059,7 @@
               <a:buAutoNum type="arabicPeriod"/>
             </a:pPr>
             <a:r>
-              <a:rPr lang="en-GB" sz="1800" dirty="0">
+              <a:rPr lang="en-GB" sz="1600" dirty="0">
                 <a:effectLst/>
                 <a:latin typeface="Helvetica" panose="020B0604020202020204" pitchFamily="34" charset="0"/>
                 <a:ea typeface="Times New Roman" panose="02020603050405020304" pitchFamily="18" charset="0"/>
@@ -11015,7 +11077,7 @@
               <a:buAutoNum type="arabicPeriod"/>
             </a:pPr>
             <a:r>
-              <a:rPr lang="en-GB" sz="1800" dirty="0">
+              <a:rPr lang="en-GB" sz="1600" dirty="0">
                 <a:effectLst/>
                 <a:latin typeface="Helvetica" panose="020B0604020202020204" pitchFamily="34" charset="0"/>
                 <a:ea typeface="Times New Roman" panose="02020603050405020304" pitchFamily="18" charset="0"/>
@@ -11023,7 +11085,7 @@
               </a:rPr>
               <a:t>Do we have an electricity supply available? </a:t>
             </a:r>
-            <a:endParaRPr lang="en-ZA" sz="1800" dirty="0">
+            <a:endParaRPr lang="en-ZA" sz="1600" dirty="0">
               <a:effectLst/>
               <a:latin typeface="Helvetica" panose="020B0604020202020204" pitchFamily="34" charset="0"/>
               <a:ea typeface="Times New Roman" panose="02020603050405020304" pitchFamily="18" charset="0"/>
@@ -11035,7 +11097,7 @@
               <a:buNone/>
             </a:pPr>
             <a:r>
-              <a:rPr lang="en-GB" sz="1800" dirty="0">
+              <a:rPr lang="en-GB" sz="1600" dirty="0">
                 <a:effectLst/>
                 <a:latin typeface="Helvetica" panose="020B0604020202020204" pitchFamily="34" charset="0"/>
                 <a:ea typeface="Times New Roman" panose="02020603050405020304" pitchFamily="18" charset="0"/>
@@ -11044,7 +11106,7 @@
               <a:t>We assume that there is only one reason why you would light a candle to be used as light source, this is when both questions (conditions) are answered with a "no", i.e. the study area does not have sufficient light, </a:t>
             </a:r>
             <a:r>
-              <a:rPr lang="en-GB" sz="1800" b="1" u="sng" dirty="0">
+              <a:rPr lang="en-GB" sz="1600" b="1" u="sng" dirty="0">
                 <a:effectLst/>
                 <a:latin typeface="Helvetica" panose="020B0604020202020204" pitchFamily="34" charset="0"/>
                 <a:ea typeface="Times New Roman" panose="02020603050405020304" pitchFamily="18" charset="0"/>
@@ -11053,7 +11115,7 @@
               <a:t>and</a:t>
             </a:r>
             <a:r>
-              <a:rPr lang="en-GB" sz="1800" dirty="0">
+              <a:rPr lang="en-GB" sz="1600" dirty="0">
                 <a:effectLst/>
                 <a:latin typeface="Helvetica" panose="020B0604020202020204" pitchFamily="34" charset="0"/>
                 <a:ea typeface="Times New Roman" panose="02020603050405020304" pitchFamily="18" charset="0"/>
@@ -11067,7 +11129,7 @@
               <a:buNone/>
             </a:pPr>
             <a:r>
-              <a:rPr lang="en-GB" sz="1800" dirty="0">
+              <a:rPr lang="en-GB" sz="1600" dirty="0">
                 <a:effectLst/>
                 <a:latin typeface="Helvetica" panose="020B0604020202020204" pitchFamily="34" charset="0"/>
                 <a:ea typeface="Times New Roman" panose="02020603050405020304" pitchFamily="18" charset="0"/>
@@ -11075,7 +11137,7 @@
               </a:rPr>
               <a:t>The other combinations of outcomes can be summarised as follows: </a:t>
             </a:r>
-            <a:endParaRPr lang="en-ZA" sz="1800" dirty="0">
+            <a:endParaRPr lang="en-ZA" sz="1600" dirty="0">
               <a:effectLst/>
               <a:latin typeface="Helvetica" panose="020B0604020202020204" pitchFamily="34" charset="0"/>
               <a:ea typeface="Times New Roman" panose="02020603050405020304" pitchFamily="18" charset="0"/>
@@ -11089,7 +11151,7 @@
               </a:lnSpc>
             </a:pPr>
             <a:r>
-              <a:rPr lang="en-GB" sz="1800" dirty="0">
+              <a:rPr lang="en-GB" sz="1600" dirty="0">
                 <a:effectLst/>
                 <a:latin typeface="Helvetica" panose="020B0604020202020204" pitchFamily="34" charset="0"/>
                 <a:ea typeface="Times New Roman" panose="02020603050405020304" pitchFamily="18" charset="0"/>
@@ -11097,7 +11159,7 @@
               </a:rPr>
               <a:t>If there is not sufficient light in the study area and we have an electricity supply, then we can use out electric light </a:t>
             </a:r>
-            <a:endParaRPr lang="en-ZA" sz="1800" dirty="0">
+            <a:endParaRPr lang="en-ZA" sz="1600" dirty="0">
               <a:latin typeface="Helvetica" panose="020B0604020202020204" pitchFamily="34" charset="0"/>
               <a:ea typeface="Times New Roman" panose="02020603050405020304" pitchFamily="18" charset="0"/>
               <a:cs typeface="Times New Roman" panose="02020603050405020304" pitchFamily="18" charset="0"/>
@@ -11110,7 +11172,7 @@
               </a:lnSpc>
             </a:pPr>
             <a:r>
-              <a:rPr lang="en-GB" sz="1800" dirty="0">
+              <a:rPr lang="en-GB" sz="1600" dirty="0">
                 <a:effectLst/>
                 <a:latin typeface="Helvetica" panose="020B0604020202020204" pitchFamily="34" charset="0"/>
                 <a:ea typeface="Times New Roman" panose="02020603050405020304" pitchFamily="18" charset="0"/>
@@ -11118,7 +11180,7 @@
               </a:rPr>
               <a:t>If there is sufficient light available in the study area, then there is no need to light a candle or to use an electric light. </a:t>
             </a:r>
-            <a:endParaRPr lang="en-ZA" sz="1800" dirty="0">
+            <a:endParaRPr lang="en-ZA" sz="1600" dirty="0">
               <a:effectLst/>
               <a:latin typeface="Helvetica" panose="020B0604020202020204" pitchFamily="34" charset="0"/>
               <a:ea typeface="Times New Roman" panose="02020603050405020304" pitchFamily="18" charset="0"/>
@@ -11129,7 +11191,7 @@
             <a:pPr marL="0" indent="0" algn="just">
               <a:buNone/>
             </a:pPr>
-            <a:endParaRPr lang="en-GB" sz="1400" dirty="0">
+            <a:endParaRPr lang="en-GB" sz="1200" dirty="0">
               <a:effectLst/>
               <a:latin typeface="Consolas" panose="020B0609020204030204" pitchFamily="49" charset="0"/>
               <a:ea typeface="Times New Roman" panose="02020603050405020304" pitchFamily="18" charset="0"/>
@@ -11391,7 +11453,7 @@
               <a:buNone/>
             </a:pPr>
             <a:r>
-              <a:rPr lang="en-GB" sz="1800" dirty="0">
+              <a:rPr lang="en-GB" sz="1600" dirty="0">
                 <a:effectLst/>
                 <a:latin typeface="Helvetica" panose="020B0604020202020204" pitchFamily="34" charset="0"/>
                 <a:ea typeface="Times New Roman" panose="02020603050405020304" pitchFamily="18" charset="0"/>
@@ -11400,7 +11462,7 @@
               <a:t>Let us represent the combinations of condition outcomes and the decision taken in an illustrative manner. Note that we depict an answer of "yes" to either of the questions by a </a:t>
             </a:r>
             <a:r>
-              <a:rPr lang="en-GB" sz="1800" u="sng" dirty="0">
+              <a:rPr lang="en-GB" sz="1600" u="sng" dirty="0">
                 <a:effectLst/>
                 <a:latin typeface="Helvetica" panose="020B0604020202020204" pitchFamily="34" charset="0"/>
                 <a:ea typeface="Times New Roman" panose="02020603050405020304" pitchFamily="18" charset="0"/>
@@ -11409,7 +11471,7 @@
               <a:t>green</a:t>
             </a:r>
             <a:r>
-              <a:rPr lang="en-GB" sz="1800" dirty="0">
+              <a:rPr lang="en-GB" sz="1600" dirty="0">
                 <a:effectLst/>
                 <a:latin typeface="Helvetica" panose="020B0604020202020204" pitchFamily="34" charset="0"/>
                 <a:ea typeface="Times New Roman" panose="02020603050405020304" pitchFamily="18" charset="0"/>
@@ -11418,7 +11480,7 @@
               <a:t> icon, and an answer of "no" by a </a:t>
             </a:r>
             <a:r>
-              <a:rPr lang="en-GB" sz="1800" u="sng" dirty="0">
+              <a:rPr lang="en-GB" sz="1600" u="sng" dirty="0">
                 <a:effectLst/>
                 <a:latin typeface="Helvetica" panose="020B0604020202020204" pitchFamily="34" charset="0"/>
                 <a:ea typeface="Times New Roman" panose="02020603050405020304" pitchFamily="18" charset="0"/>
@@ -11427,7 +11489,7 @@
               <a:t>red</a:t>
             </a:r>
             <a:r>
-              <a:rPr lang="en-GB" sz="1800" dirty="0">
+              <a:rPr lang="en-GB" sz="1600" dirty="0">
                 <a:effectLst/>
                 <a:latin typeface="Helvetica" panose="020B0604020202020204" pitchFamily="34" charset="0"/>
                 <a:ea typeface="Times New Roman" panose="02020603050405020304" pitchFamily="18" charset="0"/>
@@ -11435,7 +11497,7 @@
               </a:rPr>
               <a:t> icon.</a:t>
             </a:r>
-            <a:endParaRPr lang="en-GB" sz="1400" dirty="0">
+            <a:endParaRPr lang="en-GB" sz="1200" dirty="0">
               <a:effectLst/>
               <a:latin typeface="Consolas" panose="020B0609020204030204" pitchFamily="49" charset="0"/>
               <a:ea typeface="Times New Roman" panose="02020603050405020304" pitchFamily="18" charset="0"/>
@@ -11564,7 +11626,7 @@
         </p:nvSpPr>
         <p:spPr>
           <a:xfrm>
-            <a:off x="468427" y="3226073"/>
+            <a:off x="468427" y="4558764"/>
             <a:ext cx="8229600" cy="360000"/>
           </a:xfrm>
           <a:prstGeom prst="rect">
@@ -11622,7 +11684,7 @@
         </p:nvSpPr>
         <p:spPr>
           <a:xfrm>
-            <a:off x="460408" y="1990830"/>
+            <a:off x="460408" y="2448029"/>
             <a:ext cx="8229600" cy="720000"/>
           </a:xfrm>
           <a:prstGeom prst="rect">
@@ -11849,7 +11911,7 @@
               <a:buNone/>
             </a:pPr>
             <a:r>
-              <a:rPr lang="en-GB" sz="1800" dirty="0">
+              <a:rPr lang="en-GB" sz="1600" dirty="0">
                 <a:effectLst/>
                 <a:latin typeface="Helvetica" panose="020B0604020202020204" pitchFamily="34" charset="0"/>
                 <a:ea typeface="Times New Roman" panose="02020603050405020304" pitchFamily="18" charset="0"/>
@@ -11858,7 +11920,7 @@
               <a:t>Let us now define this using some code. We assume that an answer of "yes" and "no" are </a:t>
             </a:r>
             <a:r>
-              <a:rPr lang="en-GB" sz="1800" dirty="0">
+              <a:rPr lang="en-GB" sz="1600" dirty="0">
                 <a:effectLst/>
                 <a:latin typeface="Consolas" panose="020B0609020204030204" pitchFamily="49" charset="0"/>
                 <a:ea typeface="Times New Roman" panose="02020603050405020304" pitchFamily="18" charset="0"/>
@@ -11867,7 +11929,7 @@
               <a:t>true</a:t>
             </a:r>
             <a:r>
-              <a:rPr lang="en-GB" sz="1800" dirty="0">
+              <a:rPr lang="en-GB" sz="1600" dirty="0">
                 <a:effectLst/>
                 <a:latin typeface="Helvetica" panose="020B0604020202020204" pitchFamily="34" charset="0"/>
                 <a:ea typeface="Times New Roman" panose="02020603050405020304" pitchFamily="18" charset="0"/>
@@ -11876,7 +11938,7 @@
               <a:t> and </a:t>
             </a:r>
             <a:r>
-              <a:rPr lang="en-GB" sz="1800" dirty="0">
+              <a:rPr lang="en-GB" sz="1600" dirty="0">
                 <a:effectLst/>
                 <a:latin typeface="Consolas" panose="020B0609020204030204" pitchFamily="49" charset="0"/>
                 <a:ea typeface="Times New Roman" panose="02020603050405020304" pitchFamily="18" charset="0"/>
@@ -11885,7 +11947,7 @@
               <a:t>false,</a:t>
             </a:r>
             <a:r>
-              <a:rPr lang="en-GB" sz="1800" dirty="0">
+              <a:rPr lang="en-GB" sz="1600" dirty="0">
                 <a:effectLst/>
                 <a:latin typeface="Helvetica" panose="020B0604020202020204" pitchFamily="34" charset="0"/>
                 <a:ea typeface="Times New Roman" panose="02020603050405020304" pitchFamily="18" charset="0"/>
@@ -11893,76 +11955,6 @@
               </a:rPr>
               <a:t> respectively.</a:t>
             </a:r>
-            <a:endParaRPr lang="en-ZA" sz="1800" dirty="0">
-              <a:effectLst/>
-              <a:latin typeface="Helvetica" panose="020B0604020202020204" pitchFamily="34" charset="0"/>
-              <a:ea typeface="Times New Roman" panose="02020603050405020304" pitchFamily="18" charset="0"/>
-              <a:cs typeface="Times New Roman" panose="02020603050405020304" pitchFamily="18" charset="0"/>
-            </a:endParaRPr>
-          </a:p>
-          <a:p>
-            <a:pPr marL="36195" indent="0">
-              <a:lnSpc>
-                <a:spcPts val="1400"/>
-              </a:lnSpc>
-              <a:spcBef>
-                <a:spcPts val="700"/>
-              </a:spcBef>
-              <a:buNone/>
-              <a:tabLst>
-                <a:tab pos="180975" algn="l"/>
-              </a:tabLst>
-            </a:pPr>
-            <a:r>
-              <a:rPr lang="en-GB" sz="1800" dirty="0">
-                <a:solidFill>
-                  <a:srgbClr val="000000"/>
-                </a:solidFill>
-                <a:effectLst/>
-                <a:latin typeface="Consolas" panose="020B0609020204030204" pitchFamily="49" charset="0"/>
-                <a:ea typeface="Times New Roman" panose="02020603050405020304" pitchFamily="18" charset="0"/>
-                <a:cs typeface="Times New Roman" panose="02020603050405020304" pitchFamily="18" charset="0"/>
-              </a:rPr>
-              <a:t>	Question_1_Answer = true;</a:t>
-            </a:r>
-            <a:endParaRPr lang="en-ZA" sz="1800" dirty="0">
-              <a:effectLst/>
-              <a:latin typeface="Consolas" panose="020B0609020204030204" pitchFamily="49" charset="0"/>
-              <a:ea typeface="Times New Roman" panose="02020603050405020304" pitchFamily="18" charset="0"/>
-              <a:cs typeface="Times New Roman" panose="02020603050405020304" pitchFamily="18" charset="0"/>
-            </a:endParaRPr>
-          </a:p>
-          <a:p>
-            <a:pPr marL="34925" indent="0">
-              <a:lnSpc>
-                <a:spcPts val="1400"/>
-              </a:lnSpc>
-              <a:spcAft>
-                <a:spcPts val="700"/>
-              </a:spcAft>
-              <a:buNone/>
-              <a:tabLst>
-                <a:tab pos="180975" algn="l"/>
-              </a:tabLst>
-            </a:pPr>
-            <a:r>
-              <a:rPr lang="en-GB" sz="1800" dirty="0">
-                <a:solidFill>
-                  <a:srgbClr val="000000"/>
-                </a:solidFill>
-                <a:effectLst/>
-                <a:latin typeface="Consolas" panose="020B0609020204030204" pitchFamily="49" charset="0"/>
-                <a:ea typeface="Times New Roman" panose="02020603050405020304" pitchFamily="18" charset="0"/>
-                <a:cs typeface="Times New Roman" panose="02020603050405020304" pitchFamily="18" charset="0"/>
-              </a:rPr>
-              <a:t>	Question_2_Answer = true;</a:t>
-            </a:r>
-            <a:endParaRPr lang="en-ZA" sz="1800" dirty="0">
-              <a:effectLst/>
-              <a:latin typeface="Consolas" panose="020B0609020204030204" pitchFamily="49" charset="0"/>
-              <a:ea typeface="Times New Roman" panose="02020603050405020304" pitchFamily="18" charset="0"/>
-              <a:cs typeface="Times New Roman" panose="02020603050405020304" pitchFamily="18" charset="0"/>
-            </a:endParaRPr>
           </a:p>
           <a:p>
             <a:pPr marL="0" indent="0">
@@ -11977,8 +11969,112 @@
               </a:spcAft>
               <a:buNone/>
             </a:pPr>
-            <a:r>
-              <a:rPr lang="en-GB" sz="1800" dirty="0">
+            <a:endParaRPr lang="en-ZA" sz="1600" dirty="0">
+              <a:effectLst/>
+              <a:latin typeface="Helvetica" panose="020B0604020202020204" pitchFamily="34" charset="0"/>
+              <a:ea typeface="Times New Roman" panose="02020603050405020304" pitchFamily="18" charset="0"/>
+              <a:cs typeface="Times New Roman" panose="02020603050405020304" pitchFamily="18" charset="0"/>
+            </a:endParaRPr>
+          </a:p>
+          <a:p>
+            <a:pPr marL="36195" indent="0">
+              <a:lnSpc>
+                <a:spcPts val="1400"/>
+              </a:lnSpc>
+              <a:spcBef>
+                <a:spcPts val="700"/>
+              </a:spcBef>
+              <a:buNone/>
+              <a:tabLst>
+                <a:tab pos="180975" algn="l"/>
+              </a:tabLst>
+            </a:pPr>
+            <a:r>
+              <a:rPr lang="en-GB" sz="1600" dirty="0">
+                <a:solidFill>
+                  <a:srgbClr val="000000"/>
+                </a:solidFill>
+                <a:effectLst/>
+                <a:latin typeface="Consolas" panose="020B0609020204030204" pitchFamily="49" charset="0"/>
+                <a:ea typeface="Times New Roman" panose="02020603050405020304" pitchFamily="18" charset="0"/>
+                <a:cs typeface="Times New Roman" panose="02020603050405020304" pitchFamily="18" charset="0"/>
+              </a:rPr>
+              <a:t>	Question_1_Answer = true;</a:t>
+            </a:r>
+            <a:endParaRPr lang="en-ZA" sz="1600" dirty="0">
+              <a:effectLst/>
+              <a:latin typeface="Consolas" panose="020B0609020204030204" pitchFamily="49" charset="0"/>
+              <a:ea typeface="Times New Roman" panose="02020603050405020304" pitchFamily="18" charset="0"/>
+              <a:cs typeface="Times New Roman" panose="02020603050405020304" pitchFamily="18" charset="0"/>
+            </a:endParaRPr>
+          </a:p>
+          <a:p>
+            <a:pPr marL="34925" indent="0">
+              <a:lnSpc>
+                <a:spcPts val="1400"/>
+              </a:lnSpc>
+              <a:spcAft>
+                <a:spcPts val="700"/>
+              </a:spcAft>
+              <a:buNone/>
+              <a:tabLst>
+                <a:tab pos="180975" algn="l"/>
+              </a:tabLst>
+            </a:pPr>
+            <a:r>
+              <a:rPr lang="en-GB" sz="1600" dirty="0">
+                <a:solidFill>
+                  <a:srgbClr val="000000"/>
+                </a:solidFill>
+                <a:effectLst/>
+                <a:latin typeface="Consolas" panose="020B0609020204030204" pitchFamily="49" charset="0"/>
+                <a:ea typeface="Times New Roman" panose="02020603050405020304" pitchFamily="18" charset="0"/>
+                <a:cs typeface="Times New Roman" panose="02020603050405020304" pitchFamily="18" charset="0"/>
+              </a:rPr>
+              <a:t>	Question_2_Answer = true;</a:t>
+            </a:r>
+            <a:endParaRPr lang="en-ZA" sz="1600" dirty="0">
+              <a:effectLst/>
+              <a:latin typeface="Consolas" panose="020B0609020204030204" pitchFamily="49" charset="0"/>
+              <a:ea typeface="Times New Roman" panose="02020603050405020304" pitchFamily="18" charset="0"/>
+              <a:cs typeface="Times New Roman" panose="02020603050405020304" pitchFamily="18" charset="0"/>
+            </a:endParaRPr>
+          </a:p>
+          <a:p>
+            <a:pPr marL="0" indent="0">
+              <a:lnSpc>
+                <a:spcPct val="107000"/>
+              </a:lnSpc>
+              <a:spcBef>
+                <a:spcPts val="1050"/>
+              </a:spcBef>
+              <a:spcAft>
+                <a:spcPts val="1050"/>
+              </a:spcAft>
+              <a:buNone/>
+            </a:pPr>
+            <a:endParaRPr lang="en-GB" sz="1600" dirty="0">
+              <a:effectLst/>
+              <a:latin typeface="Helvetica" panose="020B0604020202020204" pitchFamily="34" charset="0"/>
+              <a:ea typeface="Times New Roman" panose="02020603050405020304" pitchFamily="18" charset="0"/>
+              <a:cs typeface="Times New Roman" panose="02020603050405020304" pitchFamily="18" charset="0"/>
+            </a:endParaRPr>
+          </a:p>
+          <a:p>
+            <a:pPr marL="0" indent="0">
+              <a:lnSpc>
+                <a:spcPct val="107000"/>
+              </a:lnSpc>
+              <a:spcBef>
+                <a:spcPts val="1050"/>
+              </a:spcBef>
+              <a:spcAft>
+                <a:spcPts val="1050"/>
+              </a:spcAft>
+              <a:buNone/>
+            </a:pPr>
+            <a:r>
+              <a:rPr lang="en-GB" sz="1600" dirty="0">
                 <a:effectLst/>
                 <a:latin typeface="Helvetica" panose="020B0604020202020204" pitchFamily="34" charset="0"/>
                 <a:ea typeface="Times New Roman" panose="02020603050405020304" pitchFamily="18" charset="0"/>
@@ -11986,7 +12082,7 @@
               </a:rPr>
               <a:t>Should we light a candle for our study area? </a:t>
             </a:r>
-            <a:endParaRPr lang="en-ZA" sz="1800" dirty="0">
+            <a:endParaRPr lang="en-ZA" sz="1600" dirty="0">
               <a:effectLst/>
               <a:latin typeface="Helvetica" panose="020B0604020202020204" pitchFamily="34" charset="0"/>
               <a:ea typeface="Times New Roman" panose="02020603050405020304" pitchFamily="18" charset="0"/>
@@ -12009,19 +12105,10 @@
                 <a:tab pos="180975" algn="l"/>
               </a:tabLst>
             </a:pPr>
-            <a:r>
-              <a:rPr lang="en-GB" sz="1800" dirty="0">
-                <a:solidFill>
-                  <a:srgbClr val="000000"/>
-                </a:solidFill>
-                <a:effectLst/>
-                <a:latin typeface="Consolas" panose="020B0609020204030204" pitchFamily="49" charset="0"/>
-                <a:ea typeface="Times New Roman" panose="02020603050405020304" pitchFamily="18" charset="0"/>
-                <a:cs typeface="Times New Roman" panose="02020603050405020304" pitchFamily="18" charset="0"/>
-              </a:rPr>
-              <a:t>	~Question_1_Answer &amp;&amp; ~Question_2_Answer</a:t>
-            </a:r>
-            <a:endParaRPr lang="en-ZA" sz="1800" dirty="0">
+            <a:endParaRPr lang="en-GB" sz="1600" dirty="0">
+              <a:solidFill>
+                <a:srgbClr val="000000"/>
+              </a:solidFill>
               <a:effectLst/>
               <a:latin typeface="Consolas" panose="020B0609020204030204" pitchFamily="49" charset="0"/>
               <a:ea typeface="Times New Roman" panose="02020603050405020304" pitchFamily="18" charset="0"/>
@@ -12029,6 +12116,41 @@
             </a:endParaRPr>
           </a:p>
           <a:p>
+            <a:pPr marL="36195" indent="0">
+              <a:lnSpc>
+                <a:spcPts val="1400"/>
+              </a:lnSpc>
+              <a:spcBef>
+                <a:spcPts val="700"/>
+              </a:spcBef>
+              <a:spcAft>
+                <a:spcPts val="700"/>
+              </a:spcAft>
+              <a:buNone/>
+              <a:tabLst>
+                <a:tab pos="180975" algn="l"/>
+              </a:tabLst>
+            </a:pPr>
+            <a:r>
+              <a:rPr lang="en-GB" sz="1600" dirty="0">
+                <a:solidFill>
+                  <a:srgbClr val="000000"/>
+                </a:solidFill>
+                <a:effectLst/>
+                <a:latin typeface="Consolas" panose="020B0609020204030204" pitchFamily="49" charset="0"/>
+                <a:ea typeface="Times New Roman" panose="02020603050405020304" pitchFamily="18" charset="0"/>
+                <a:cs typeface="Times New Roman" panose="02020603050405020304" pitchFamily="18" charset="0"/>
+              </a:rPr>
+              <a:t>	~Question_1_Answer &amp;&amp; ~Question_2_Answer</a:t>
+            </a:r>
+            <a:endParaRPr lang="en-ZA" sz="1600" dirty="0">
+              <a:effectLst/>
+              <a:latin typeface="Consolas" panose="020B0609020204030204" pitchFamily="49" charset="0"/>
+              <a:ea typeface="Times New Roman" panose="02020603050405020304" pitchFamily="18" charset="0"/>
+              <a:cs typeface="Times New Roman" panose="02020603050405020304" pitchFamily="18" charset="0"/>
+            </a:endParaRPr>
+          </a:p>
+          <a:p>
             <a:pPr marL="0" indent="0">
               <a:lnSpc>
                 <a:spcPct val="107000"/>
@@ -12039,30 +12161,6 @@
               </a:tabLst>
             </a:pPr>
             <a:r>
-              <a:rPr lang="en-GB" sz="1800" dirty="0">
-                <a:solidFill>
-                  <a:srgbClr val="212121"/>
-                </a:solidFill>
-                <a:effectLst/>
-                <a:latin typeface="Consolas" panose="020B0609020204030204" pitchFamily="49" charset="0"/>
-                <a:ea typeface="Times New Roman" panose="02020603050405020304" pitchFamily="18" charset="0"/>
-                <a:cs typeface="Times New Roman" panose="02020603050405020304" pitchFamily="18" charset="0"/>
-              </a:rPr>
-              <a:t>	</a:t>
-            </a:r>
-            <a:r>
-              <a:rPr lang="en-GB" sz="1600" dirty="0" err="1">
-                <a:solidFill>
-                  <a:srgbClr val="212121"/>
-                </a:solidFill>
-                <a:effectLst/>
-                <a:latin typeface="Consolas" panose="020B0609020204030204" pitchFamily="49" charset="0"/>
-                <a:ea typeface="Times New Roman" panose="02020603050405020304" pitchFamily="18" charset="0"/>
-                <a:cs typeface="Times New Roman" panose="02020603050405020304" pitchFamily="18" charset="0"/>
-              </a:rPr>
-              <a:t>ans</a:t>
-            </a:r>
-            <a:r>
               <a:rPr lang="en-GB" sz="1600" dirty="0">
                 <a:solidFill>
                   <a:srgbClr val="212121"/>
@@ -12072,10 +12170,34 @@
                 <a:ea typeface="Times New Roman" panose="02020603050405020304" pitchFamily="18" charset="0"/>
                 <a:cs typeface="Times New Roman" panose="02020603050405020304" pitchFamily="18" charset="0"/>
               </a:rPr>
+              <a:t>	</a:t>
+            </a:r>
+            <a:r>
+              <a:rPr lang="en-GB" sz="1400" dirty="0" err="1">
+                <a:solidFill>
+                  <a:srgbClr val="212121"/>
+                </a:solidFill>
+                <a:effectLst/>
+                <a:latin typeface="Consolas" panose="020B0609020204030204" pitchFamily="49" charset="0"/>
+                <a:ea typeface="Times New Roman" panose="02020603050405020304" pitchFamily="18" charset="0"/>
+                <a:cs typeface="Times New Roman" panose="02020603050405020304" pitchFamily="18" charset="0"/>
+              </a:rPr>
+              <a:t>ans</a:t>
+            </a:r>
+            <a:r>
+              <a:rPr lang="en-GB" sz="1400" dirty="0">
+                <a:solidFill>
+                  <a:srgbClr val="212121"/>
+                </a:solidFill>
+                <a:effectLst/>
+                <a:latin typeface="Consolas" panose="020B0609020204030204" pitchFamily="49" charset="0"/>
+                <a:ea typeface="Times New Roman" panose="02020603050405020304" pitchFamily="18" charset="0"/>
+                <a:cs typeface="Times New Roman" panose="02020603050405020304" pitchFamily="18" charset="0"/>
+              </a:rPr>
               <a:t> = </a:t>
             </a:r>
             <a:r>
-              <a:rPr lang="en-GB" sz="1600" i="1" dirty="0">
+              <a:rPr lang="en-GB" sz="1400" i="1" dirty="0">
                 <a:solidFill>
                   <a:srgbClr val="B3B3B3"/>
                 </a:solidFill>
@@ -12086,7 +12208,7 @@
               </a:rPr>
               <a:t>logical</a:t>
             </a:r>
-            <a:endParaRPr lang="en-ZA" sz="1600" dirty="0">
+            <a:endParaRPr lang="en-ZA" sz="1400" dirty="0">
               <a:effectLst/>
               <a:latin typeface="Helvetica" panose="020B0604020202020204" pitchFamily="34" charset="0"/>
               <a:ea typeface="Times New Roman" panose="02020603050405020304" pitchFamily="18" charset="0"/>
@@ -12104,7 +12226,7 @@
               </a:tabLst>
             </a:pPr>
             <a:r>
-              <a:rPr lang="en-GB" sz="1600" dirty="0">
+              <a:rPr lang="en-GB" sz="1400" dirty="0">
                 <a:solidFill>
                   <a:srgbClr val="212121"/>
                 </a:solidFill>
@@ -12115,7 +12237,7 @@
               </a:rPr>
               <a:t>   	0</a:t>
             </a:r>
-            <a:endParaRPr lang="en-ZA" sz="1600" dirty="0">
+            <a:endParaRPr lang="en-ZA" sz="1400" dirty="0">
               <a:effectLst/>
               <a:latin typeface="Helvetica" panose="020B0604020202020204" pitchFamily="34" charset="0"/>
               <a:ea typeface="Times New Roman" panose="02020603050405020304" pitchFamily="18" charset="0"/>
@@ -12276,7 +12398,7 @@
               <a:buNone/>
             </a:pPr>
             <a:r>
-              <a:rPr lang="en-GB" sz="1800" dirty="0">
+              <a:rPr lang="en-GB" sz="1600" dirty="0">
                 <a:effectLst/>
                 <a:latin typeface="Helvetica" panose="020B0604020202020204" pitchFamily="34" charset="0"/>
                 <a:ea typeface="Times New Roman" panose="02020603050405020304" pitchFamily="18" charset="0"/>
@@ -12284,7 +12406,7 @@
               </a:rPr>
               <a:t>This week in part 2, we learnt about: </a:t>
             </a:r>
-            <a:endParaRPr lang="en-ZA" sz="1800" dirty="0">
+            <a:endParaRPr lang="en-ZA" sz="1600" dirty="0">
               <a:effectLst/>
               <a:latin typeface="Helvetica" panose="020B0604020202020204" pitchFamily="34" charset="0"/>
               <a:ea typeface="Times New Roman" panose="02020603050405020304" pitchFamily="18" charset="0"/>
@@ -12303,7 +12425,7 @@
               </a:tabLst>
             </a:pPr>
             <a:r>
-              <a:rPr lang="en-GB" sz="1800" dirty="0">
+              <a:rPr lang="en-GB" sz="1600" dirty="0">
                 <a:effectLst/>
                 <a:latin typeface="Helvetica" panose="020B0604020202020204" pitchFamily="34" charset="0"/>
                 <a:ea typeface="Times New Roman" panose="02020603050405020304" pitchFamily="18" charset="0"/>
@@ -12311,7 +12433,7 @@
               </a:rPr>
               <a:t>What arrays and matrices are</a:t>
             </a:r>
-            <a:endParaRPr lang="en-ZA" sz="1800" dirty="0">
+            <a:endParaRPr lang="en-ZA" sz="1600" dirty="0">
               <a:effectLst/>
               <a:latin typeface="Helvetica" panose="020B0604020202020204" pitchFamily="34" charset="0"/>
               <a:ea typeface="Times New Roman" panose="02020603050405020304" pitchFamily="18" charset="0"/>
@@ -12330,7 +12452,7 @@
               </a:tabLst>
             </a:pPr>
             <a:r>
-              <a:rPr lang="en-GB" sz="1800" dirty="0">
+              <a:rPr lang="en-GB" sz="1600" dirty="0">
                 <a:effectLst/>
                 <a:latin typeface="Helvetica" panose="020B0604020202020204" pitchFamily="34" charset="0"/>
                 <a:ea typeface="Times New Roman" panose="02020603050405020304" pitchFamily="18" charset="0"/>
@@ -12338,7 +12460,7 @@
               </a:rPr>
               <a:t>Creating arrays</a:t>
             </a:r>
-            <a:endParaRPr lang="en-ZA" sz="1800" dirty="0">
+            <a:endParaRPr lang="en-ZA" sz="1600" dirty="0">
               <a:effectLst/>
               <a:latin typeface="Helvetica" panose="020B0604020202020204" pitchFamily="34" charset="0"/>
               <a:ea typeface="Times New Roman" panose="02020603050405020304" pitchFamily="18" charset="0"/>
@@ -12357,7 +12479,7 @@
               </a:tabLst>
             </a:pPr>
             <a:r>
-              <a:rPr lang="en-GB" sz="1800" dirty="0">
+              <a:rPr lang="en-GB" sz="1600" dirty="0">
                 <a:effectLst/>
                 <a:latin typeface="Helvetica" panose="020B0604020202020204" pitchFamily="34" charset="0"/>
                 <a:ea typeface="Times New Roman" panose="02020603050405020304" pitchFamily="18" charset="0"/>
@@ -12365,7 +12487,7 @@
               </a:rPr>
               <a:t>Indexing into arrays </a:t>
             </a:r>
-            <a:endParaRPr lang="en-ZA" sz="1800" dirty="0">
+            <a:endParaRPr lang="en-ZA" sz="1600" dirty="0">
               <a:effectLst/>
               <a:latin typeface="Helvetica" panose="020B0604020202020204" pitchFamily="34" charset="0"/>
               <a:ea typeface="Times New Roman" panose="02020603050405020304" pitchFamily="18" charset="0"/>
@@ -12384,7 +12506,7 @@
               </a:tabLst>
             </a:pPr>
             <a:r>
-              <a:rPr lang="en-GB" sz="1800" dirty="0">
+              <a:rPr lang="en-GB" sz="1600" dirty="0">
                 <a:effectLst/>
                 <a:latin typeface="Helvetica" panose="020B0604020202020204" pitchFamily="34" charset="0"/>
                 <a:ea typeface="Times New Roman" panose="02020603050405020304" pitchFamily="18" charset="0"/>
@@ -12392,7 +12514,7 @@
               </a:rPr>
               <a:t>Concatenation of arrays</a:t>
             </a:r>
-            <a:endParaRPr lang="en-ZA" sz="1800" dirty="0">
+            <a:endParaRPr lang="en-ZA" sz="1600" dirty="0">
               <a:effectLst/>
               <a:latin typeface="Helvetica" panose="020B0604020202020204" pitchFamily="34" charset="0"/>
               <a:ea typeface="Times New Roman" panose="02020603050405020304" pitchFamily="18" charset="0"/>
@@ -12411,7 +12533,7 @@
               </a:tabLst>
             </a:pPr>
             <a:r>
-              <a:rPr lang="en-GB" sz="1800" dirty="0">
+              <a:rPr lang="en-GB" sz="1600" dirty="0">
                 <a:effectLst/>
                 <a:latin typeface="Helvetica" panose="020B0604020202020204" pitchFamily="34" charset="0"/>
                 <a:ea typeface="Times New Roman" panose="02020603050405020304" pitchFamily="18" charset="0"/>
@@ -12434,7 +12556,7 @@
               <a:buNone/>
             </a:pPr>
             <a:r>
-              <a:rPr lang="en-GB" sz="1800" dirty="0">
+              <a:rPr lang="en-GB" sz="1600" dirty="0">
                 <a:effectLst/>
                 <a:latin typeface="Helvetica" panose="020B0604020202020204" pitchFamily="34" charset="0"/>
                 <a:ea typeface="Times New Roman" panose="02020603050405020304" pitchFamily="18" charset="0"/>
@@ -12442,7 +12564,7 @@
               </a:rPr>
               <a:t>In the next part of this week's content, we will be learning about relational and logical operators, covering the following sub-topics: </a:t>
             </a:r>
-            <a:endParaRPr lang="en-ZA" sz="1800" dirty="0">
+            <a:endParaRPr lang="en-ZA" sz="1600" dirty="0">
               <a:effectLst/>
               <a:latin typeface="Helvetica" panose="020B0604020202020204" pitchFamily="34" charset="0"/>
               <a:ea typeface="Times New Roman" panose="02020603050405020304" pitchFamily="18" charset="0"/>
@@ -12458,7 +12580,7 @@
               <a:buChar char=""/>
             </a:pPr>
             <a:r>
-              <a:rPr lang="en-GB" sz="1800" dirty="0">
+              <a:rPr lang="en-GB" sz="1600" dirty="0">
                 <a:effectLst/>
                 <a:latin typeface="Helvetica" panose="020B0604020202020204" pitchFamily="34" charset="0"/>
                 <a:ea typeface="Times New Roman" panose="02020603050405020304" pitchFamily="18" charset="0"/>
@@ -12466,7 +12588,7 @@
               </a:rPr>
               <a:t>Introduction to decision making with operators </a:t>
             </a:r>
-            <a:endParaRPr lang="en-ZA" sz="1800" dirty="0">
+            <a:endParaRPr lang="en-ZA" sz="1600" dirty="0">
               <a:effectLst/>
               <a:latin typeface="Helvetica" panose="020B0604020202020204" pitchFamily="34" charset="0"/>
               <a:ea typeface="Times New Roman" panose="02020603050405020304" pitchFamily="18" charset="0"/>
@@ -12482,7 +12604,7 @@
               <a:buChar char=""/>
             </a:pPr>
             <a:r>
-              <a:rPr lang="en-GB" sz="1800" dirty="0">
+              <a:rPr lang="en-GB" sz="1600" dirty="0">
                 <a:effectLst/>
                 <a:latin typeface="Helvetica" panose="020B0604020202020204" pitchFamily="34" charset="0"/>
                 <a:ea typeface="Times New Roman" panose="02020603050405020304" pitchFamily="18" charset="0"/>
@@ -12490,7 +12612,7 @@
               </a:rPr>
               <a:t>Relational operators</a:t>
             </a:r>
-            <a:endParaRPr lang="en-ZA" sz="1800" dirty="0">
+            <a:endParaRPr lang="en-ZA" sz="1600" dirty="0">
               <a:effectLst/>
               <a:latin typeface="Helvetica" panose="020B0604020202020204" pitchFamily="34" charset="0"/>
               <a:ea typeface="Times New Roman" panose="02020603050405020304" pitchFamily="18" charset="0"/>
@@ -12506,7 +12628,7 @@
               <a:buChar char=""/>
             </a:pPr>
             <a:r>
-              <a:rPr lang="en-GB" sz="1800" dirty="0">
+              <a:rPr lang="en-GB" sz="1600" dirty="0">
                 <a:effectLst/>
                 <a:latin typeface="Helvetica" panose="020B0604020202020204" pitchFamily="34" charset="0"/>
                 <a:ea typeface="Times New Roman" panose="02020603050405020304" pitchFamily="18" charset="0"/>
@@ -12514,7 +12636,7 @@
               </a:rPr>
               <a:t>Logical operators</a:t>
             </a:r>
-            <a:endParaRPr lang="en-ZA" sz="1800" dirty="0">
+            <a:endParaRPr lang="en-ZA" sz="1600" dirty="0">
               <a:effectLst/>
               <a:latin typeface="Helvetica" panose="020B0604020202020204" pitchFamily="34" charset="0"/>
               <a:ea typeface="Times New Roman" panose="02020603050405020304" pitchFamily="18" charset="0"/>
@@ -12528,7 +12650,7 @@
               </a:lnSpc>
               <a:buNone/>
             </a:pPr>
-            <a:endParaRPr lang="en-ZA" sz="1800" dirty="0">
+            <a:endParaRPr lang="en-ZA" sz="1600" dirty="0">
               <a:effectLst/>
               <a:latin typeface="Helvetica" panose="020B0604020202020204" pitchFamily="34" charset="0"/>
               <a:ea typeface="Times New Roman" panose="02020603050405020304" pitchFamily="18" charset="0"/>
@@ -13294,92 +13416,6 @@
               <a:cs typeface="Times New Roman" panose="02020603050405020304" pitchFamily="18" charset="0"/>
             </a:endParaRPr>
           </a:p>
-          <a:p>
-            <a:pPr marL="0" indent="0">
-              <a:lnSpc>
-                <a:spcPct val="107000"/>
-              </a:lnSpc>
-              <a:spcBef>
-                <a:spcPts val="1050"/>
-              </a:spcBef>
-              <a:spcAft>
-                <a:spcPts val="1050"/>
-              </a:spcAft>
-              <a:buNone/>
-            </a:pPr>
-            <a:endParaRPr lang="en-GB" sz="1800" b="1" i="1" dirty="0">
-              <a:latin typeface="Helvetica" panose="020B0604020202020204" pitchFamily="34" charset="0"/>
-              <a:ea typeface="Times New Roman" panose="02020603050405020304" pitchFamily="18" charset="0"/>
-              <a:cs typeface="Times New Roman" panose="02020603050405020304" pitchFamily="18" charset="0"/>
-            </a:endParaRPr>
-          </a:p>
-          <a:p>
-            <a:pPr marL="0" indent="0">
-              <a:lnSpc>
-                <a:spcPct val="107000"/>
-              </a:lnSpc>
-              <a:spcBef>
-                <a:spcPts val="1050"/>
-              </a:spcBef>
-              <a:spcAft>
-                <a:spcPts val="1050"/>
-              </a:spcAft>
-              <a:buNone/>
-            </a:pPr>
-            <a:endParaRPr lang="en-GB" sz="1800" b="1" i="1" dirty="0">
-              <a:effectLst/>
-              <a:latin typeface="Helvetica" panose="020B0604020202020204" pitchFamily="34" charset="0"/>
-              <a:ea typeface="Times New Roman" panose="02020603050405020304" pitchFamily="18" charset="0"/>
-              <a:cs typeface="Times New Roman" panose="02020603050405020304" pitchFamily="18" charset="0"/>
-            </a:endParaRPr>
-          </a:p>
-          <a:p>
-            <a:pPr marL="0" indent="0">
-              <a:lnSpc>
-                <a:spcPct val="107000"/>
-              </a:lnSpc>
-              <a:spcBef>
-                <a:spcPts val="1050"/>
-              </a:spcBef>
-              <a:spcAft>
-                <a:spcPts val="1050"/>
-              </a:spcAft>
-              <a:buNone/>
-            </a:pPr>
-            <a:r>
-              <a:rPr lang="en-GB" sz="1800" b="1" i="1" dirty="0">
-                <a:effectLst/>
-                <a:latin typeface="Helvetica" panose="020B0604020202020204" pitchFamily="34" charset="0"/>
-                <a:ea typeface="Times New Roman" panose="02020603050405020304" pitchFamily="18" charset="0"/>
-                <a:cs typeface="Times New Roman" panose="02020603050405020304" pitchFamily="18" charset="0"/>
-              </a:rPr>
-              <a:t>Copyright 2022 The MathWorks, Inc. &amp; Opti-</a:t>
-            </a:r>
-            <a:r>
-              <a:rPr lang="en-GB" sz="1800" b="1" i="1" dirty="0" err="1">
-                <a:effectLst/>
-                <a:latin typeface="Helvetica" panose="020B0604020202020204" pitchFamily="34" charset="0"/>
-                <a:ea typeface="Times New Roman" panose="02020603050405020304" pitchFamily="18" charset="0"/>
-                <a:cs typeface="Times New Roman" panose="02020603050405020304" pitchFamily="18" charset="0"/>
-              </a:rPr>
-              <a:t>Num</a:t>
-            </a:r>
-            <a:r>
-              <a:rPr lang="en-GB" sz="1800" b="1" i="1" dirty="0">
-                <a:effectLst/>
-                <a:latin typeface="Helvetica" panose="020B0604020202020204" pitchFamily="34" charset="0"/>
-                <a:ea typeface="Times New Roman" panose="02020603050405020304" pitchFamily="18" charset="0"/>
-                <a:cs typeface="Times New Roman" panose="02020603050405020304" pitchFamily="18" charset="0"/>
-              </a:rPr>
-              <a:t> Solutions (Pty) Ltd. </a:t>
-            </a:r>
-            <a:endParaRPr lang="en-ZA" sz="1800" dirty="0">
-              <a:effectLst/>
-              <a:latin typeface="Helvetica" panose="020B0604020202020204" pitchFamily="34" charset="0"/>
-              <a:ea typeface="Times New Roman" panose="02020603050405020304" pitchFamily="18" charset="0"/>
-              <a:cs typeface="Times New Roman" panose="02020603050405020304" pitchFamily="18" charset="0"/>
-            </a:endParaRPr>
-          </a:p>
         </p:txBody>
       </p:sp>
       <p:sp>
@@ -13674,15 +13710,175 @@
               </a:rPr>
               <a:t>Week_2_Part_2_Relational_and_Logical_Operators.mlx</a:t>
             </a:r>
-            <a:endParaRPr kumimoji="0" lang="en-ZA" altLang="en-US" sz="1600" b="0" i="0" u="none" strike="noStrike" cap="none" normalizeH="0" baseline="0" dirty="0">
-              <a:ln>
-                <a:noFill/>
-              </a:ln>
-              <a:solidFill>
-                <a:schemeClr val="tx1"/>
-              </a:solidFill>
+            <a:endParaRPr lang="en-ZA" sz="1600" dirty="0">
               <a:effectLst/>
-              <a:latin typeface="Arial" panose="020B0604020202020204" pitchFamily="34" charset="0"/>
+              <a:latin typeface="Helvetica" panose="020B0604020202020204" pitchFamily="34" charset="0"/>
+              <a:ea typeface="Times New Roman" panose="02020603050405020304" pitchFamily="18" charset="0"/>
+              <a:cs typeface="Times New Roman" panose="02020603050405020304" pitchFamily="18" charset="0"/>
+            </a:endParaRPr>
+          </a:p>
+          <a:p>
+            <a:pPr marL="0" indent="0">
+              <a:lnSpc>
+                <a:spcPct val="107000"/>
+              </a:lnSpc>
+              <a:spcBef>
+                <a:spcPts val="1050"/>
+              </a:spcBef>
+              <a:spcAft>
+                <a:spcPts val="1050"/>
+              </a:spcAft>
+              <a:buNone/>
+            </a:pPr>
+            <a:endParaRPr lang="en-GB" sz="1600" b="1" i="1" dirty="0">
+              <a:latin typeface="Helvetica" panose="020B0604020202020204" pitchFamily="34" charset="0"/>
+              <a:ea typeface="Times New Roman" panose="02020603050405020304" pitchFamily="18" charset="0"/>
+              <a:cs typeface="Times New Roman" panose="02020603050405020304" pitchFamily="18" charset="0"/>
+            </a:endParaRPr>
+          </a:p>
+          <a:p>
+            <a:pPr marL="0" indent="0">
+              <a:lnSpc>
+                <a:spcPct val="107000"/>
+              </a:lnSpc>
+              <a:spcBef>
+                <a:spcPts val="1050"/>
+              </a:spcBef>
+              <a:spcAft>
+                <a:spcPts val="1050"/>
+              </a:spcAft>
+              <a:buNone/>
+            </a:pPr>
+            <a:endParaRPr lang="en-GB" sz="1600" b="1" i="1" dirty="0">
+              <a:effectLst/>
+              <a:latin typeface="Helvetica" panose="020B0604020202020204" pitchFamily="34" charset="0"/>
+              <a:ea typeface="Times New Roman" panose="02020603050405020304" pitchFamily="18" charset="0"/>
+              <a:cs typeface="Times New Roman" panose="02020603050405020304" pitchFamily="18" charset="0"/>
+            </a:endParaRPr>
+          </a:p>
+          <a:p>
+            <a:pPr marL="0" indent="0">
+              <a:lnSpc>
+                <a:spcPct val="107000"/>
+              </a:lnSpc>
+              <a:spcBef>
+                <a:spcPts val="1050"/>
+              </a:spcBef>
+              <a:spcAft>
+                <a:spcPts val="1050"/>
+              </a:spcAft>
+              <a:buNone/>
+            </a:pPr>
+            <a:endParaRPr lang="en-GB" sz="1600" b="1" i="1" dirty="0">
+              <a:latin typeface="Helvetica" panose="020B0604020202020204" pitchFamily="34" charset="0"/>
+              <a:ea typeface="Times New Roman" panose="02020603050405020304" pitchFamily="18" charset="0"/>
+              <a:cs typeface="Times New Roman" panose="02020603050405020304" pitchFamily="18" charset="0"/>
+            </a:endParaRPr>
+          </a:p>
+          <a:p>
+            <a:pPr marL="0" indent="0">
+              <a:lnSpc>
+                <a:spcPct val="107000"/>
+              </a:lnSpc>
+              <a:spcBef>
+                <a:spcPts val="1050"/>
+              </a:spcBef>
+              <a:spcAft>
+                <a:spcPts val="1050"/>
+              </a:spcAft>
+              <a:buNone/>
+            </a:pPr>
+            <a:endParaRPr lang="en-GB" sz="1600" b="1" i="1" dirty="0">
+              <a:effectLst/>
+              <a:latin typeface="Helvetica" panose="020B0604020202020204" pitchFamily="34" charset="0"/>
+              <a:ea typeface="Times New Roman" panose="02020603050405020304" pitchFamily="18" charset="0"/>
+              <a:cs typeface="Times New Roman" panose="02020603050405020304" pitchFamily="18" charset="0"/>
+            </a:endParaRPr>
+          </a:p>
+          <a:p>
+            <a:pPr marL="0" indent="0">
+              <a:lnSpc>
+                <a:spcPct val="107000"/>
+              </a:lnSpc>
+              <a:spcBef>
+                <a:spcPts val="1050"/>
+              </a:spcBef>
+              <a:spcAft>
+                <a:spcPts val="1050"/>
+              </a:spcAft>
+              <a:buNone/>
+            </a:pPr>
+            <a:endParaRPr lang="en-GB" sz="1600" b="1" i="1" dirty="0">
+              <a:latin typeface="Helvetica" panose="020B0604020202020204" pitchFamily="34" charset="0"/>
+              <a:ea typeface="Times New Roman" panose="02020603050405020304" pitchFamily="18" charset="0"/>
+              <a:cs typeface="Times New Roman" panose="02020603050405020304" pitchFamily="18" charset="0"/>
+            </a:endParaRPr>
+          </a:p>
+          <a:p>
+            <a:pPr marL="0" indent="0">
+              <a:lnSpc>
+                <a:spcPct val="107000"/>
+              </a:lnSpc>
+              <a:spcBef>
+                <a:spcPts val="1050"/>
+              </a:spcBef>
+              <a:spcAft>
+                <a:spcPts val="1050"/>
+              </a:spcAft>
+              <a:buNone/>
+            </a:pPr>
+            <a:endParaRPr lang="en-GB" sz="1600" b="1" i="1" dirty="0">
+              <a:effectLst/>
+              <a:latin typeface="Helvetica" panose="020B0604020202020204" pitchFamily="34" charset="0"/>
+              <a:ea typeface="Times New Roman" panose="02020603050405020304" pitchFamily="18" charset="0"/>
+              <a:cs typeface="Times New Roman" panose="02020603050405020304" pitchFamily="18" charset="0"/>
+            </a:endParaRPr>
+          </a:p>
+          <a:p>
+            <a:pPr marL="0" indent="0">
+              <a:lnSpc>
+                <a:spcPct val="107000"/>
+              </a:lnSpc>
+              <a:spcBef>
+                <a:spcPts val="1050"/>
+              </a:spcBef>
+              <a:spcAft>
+                <a:spcPts val="1050"/>
+              </a:spcAft>
+              <a:buNone/>
+            </a:pPr>
+            <a:r>
+              <a:rPr lang="en-GB" sz="1600" b="1" i="1" dirty="0">
+                <a:effectLst/>
+                <a:latin typeface="Helvetica" panose="020B0604020202020204" pitchFamily="34" charset="0"/>
+                <a:ea typeface="Times New Roman" panose="02020603050405020304" pitchFamily="18" charset="0"/>
+                <a:cs typeface="Times New Roman" panose="02020603050405020304" pitchFamily="18" charset="0"/>
+              </a:rPr>
+              <a:t>Copyright 2022 The MathWorks, Inc. &amp; Opti-</a:t>
+            </a:r>
+            <a:r>
+              <a:rPr lang="en-GB" sz="1600" b="1" i="1" dirty="0" err="1">
+                <a:effectLst/>
+                <a:latin typeface="Helvetica" panose="020B0604020202020204" pitchFamily="34" charset="0"/>
+                <a:ea typeface="Times New Roman" panose="02020603050405020304" pitchFamily="18" charset="0"/>
+                <a:cs typeface="Times New Roman" panose="02020603050405020304" pitchFamily="18" charset="0"/>
+              </a:rPr>
+              <a:t>Num</a:t>
+            </a:r>
+            <a:r>
+              <a:rPr lang="en-GB" sz="1600" b="1" i="1" dirty="0">
+                <a:effectLst/>
+                <a:latin typeface="Helvetica" panose="020B0604020202020204" pitchFamily="34" charset="0"/>
+                <a:ea typeface="Times New Roman" panose="02020603050405020304" pitchFamily="18" charset="0"/>
+                <a:cs typeface="Times New Roman" panose="02020603050405020304" pitchFamily="18" charset="0"/>
+              </a:rPr>
+              <a:t> Solutions (Pty) Ltd. </a:t>
+            </a:r>
+            <a:endParaRPr lang="en-ZA" sz="1600" dirty="0">
+              <a:effectLst/>
+              <a:latin typeface="Helvetica" panose="020B0604020202020204" pitchFamily="34" charset="0"/>
+              <a:ea typeface="Times New Roman" panose="02020603050405020304" pitchFamily="18" charset="0"/>
+              <a:cs typeface="Times New Roman" panose="02020603050405020304" pitchFamily="18" charset="0"/>
             </a:endParaRPr>
           </a:p>
         </p:txBody>
@@ -13949,7 +14145,7 @@
               <a:buNone/>
             </a:pPr>
             <a:r>
-              <a:rPr lang="en-GB" sz="2000" dirty="0">
+              <a:rPr lang="en-GB" sz="1600" dirty="0">
                 <a:effectLst/>
                 <a:latin typeface="Helvetica" panose="020B0604020202020204" pitchFamily="34" charset="0"/>
                 <a:ea typeface="Times New Roman" panose="02020603050405020304" pitchFamily="18" charset="0"/>
@@ -13957,7 +14153,7 @@
               </a:rPr>
               <a:t>This week in part 1, we learnt about: </a:t>
             </a:r>
-            <a:endParaRPr lang="en-ZA" sz="2000" dirty="0">
+            <a:endParaRPr lang="en-ZA" sz="1600" dirty="0">
               <a:effectLst/>
               <a:latin typeface="Helvetica" panose="020B0604020202020204" pitchFamily="34" charset="0"/>
               <a:ea typeface="Times New Roman" panose="02020603050405020304" pitchFamily="18" charset="0"/>
@@ -13973,7 +14169,7 @@
               <a:buChar char=""/>
             </a:pPr>
             <a:r>
-              <a:rPr lang="en-GB" sz="2000" dirty="0">
+              <a:rPr lang="en-GB" sz="1600" dirty="0">
                 <a:effectLst/>
                 <a:latin typeface="Helvetica" panose="020B0604020202020204" pitchFamily="34" charset="0"/>
                 <a:ea typeface="Times New Roman" panose="02020603050405020304" pitchFamily="18" charset="0"/>
@@ -13981,7 +14177,7 @@
               </a:rPr>
               <a:t>What arrays and matrices are</a:t>
             </a:r>
-            <a:endParaRPr lang="en-ZA" sz="2000" dirty="0">
+            <a:endParaRPr lang="en-ZA" sz="1600" dirty="0">
               <a:effectLst/>
               <a:latin typeface="Helvetica" panose="020B0604020202020204" pitchFamily="34" charset="0"/>
               <a:ea typeface="Times New Roman" panose="02020603050405020304" pitchFamily="18" charset="0"/>
@@ -13997,7 +14193,7 @@
               <a:buChar char=""/>
             </a:pPr>
             <a:r>
-              <a:rPr lang="en-GB" sz="2000" dirty="0">
+              <a:rPr lang="en-GB" sz="1600" dirty="0">
                 <a:effectLst/>
                 <a:latin typeface="Helvetica" panose="020B0604020202020204" pitchFamily="34" charset="0"/>
                 <a:ea typeface="Times New Roman" panose="02020603050405020304" pitchFamily="18" charset="0"/>
@@ -14005,7 +14201,7 @@
               </a:rPr>
               <a:t>Creating arrays</a:t>
             </a:r>
-            <a:endParaRPr lang="en-ZA" sz="2000" dirty="0">
+            <a:endParaRPr lang="en-ZA" sz="1600" dirty="0">
               <a:effectLst/>
               <a:latin typeface="Helvetica" panose="020B0604020202020204" pitchFamily="34" charset="0"/>
               <a:ea typeface="Times New Roman" panose="02020603050405020304" pitchFamily="18" charset="0"/>
@@ -14021,7 +14217,7 @@
               <a:buChar char=""/>
             </a:pPr>
             <a:r>
-              <a:rPr lang="en-GB" sz="2000" dirty="0">
+              <a:rPr lang="en-GB" sz="1600" dirty="0">
                 <a:effectLst/>
                 <a:latin typeface="Helvetica" panose="020B0604020202020204" pitchFamily="34" charset="0"/>
                 <a:ea typeface="Times New Roman" panose="02020603050405020304" pitchFamily="18" charset="0"/>
@@ -14029,7 +14225,7 @@
               </a:rPr>
               <a:t>Indexing into arrays </a:t>
             </a:r>
-            <a:endParaRPr lang="en-ZA" sz="2000" dirty="0">
+            <a:endParaRPr lang="en-ZA" sz="1600" dirty="0">
               <a:effectLst/>
               <a:latin typeface="Helvetica" panose="020B0604020202020204" pitchFamily="34" charset="0"/>
               <a:ea typeface="Times New Roman" panose="02020603050405020304" pitchFamily="18" charset="0"/>
@@ -14045,7 +14241,7 @@
               <a:buChar char=""/>
             </a:pPr>
             <a:r>
-              <a:rPr lang="en-GB" sz="2000" dirty="0">
+              <a:rPr lang="en-GB" sz="1600" dirty="0">
                 <a:effectLst/>
                 <a:latin typeface="Helvetica" panose="020B0604020202020204" pitchFamily="34" charset="0"/>
                 <a:ea typeface="Times New Roman" panose="02020603050405020304" pitchFamily="18" charset="0"/>
@@ -14053,7 +14249,7 @@
               </a:rPr>
               <a:t>Concatenation of arrays</a:t>
             </a:r>
-            <a:endParaRPr lang="en-ZA" sz="2000" dirty="0">
+            <a:endParaRPr lang="en-ZA" sz="1600" dirty="0">
               <a:effectLst/>
               <a:latin typeface="Helvetica" panose="020B0604020202020204" pitchFamily="34" charset="0"/>
               <a:ea typeface="Times New Roman" panose="02020603050405020304" pitchFamily="18" charset="0"/>
@@ -14069,7 +14265,7 @@
               <a:buChar char=""/>
             </a:pPr>
             <a:r>
-              <a:rPr lang="en-GB" sz="2000" dirty="0">
+              <a:rPr lang="en-GB" sz="1600" dirty="0">
                 <a:effectLst/>
                 <a:latin typeface="Helvetica" panose="020B0604020202020204" pitchFamily="34" charset="0"/>
                 <a:ea typeface="Times New Roman" panose="02020603050405020304" pitchFamily="18" charset="0"/>
@@ -14077,7 +14273,7 @@
               </a:rPr>
               <a:t>Operating with function on arrays</a:t>
             </a:r>
-            <a:endParaRPr lang="en-ZA" sz="2000" dirty="0">
+            <a:endParaRPr lang="en-ZA" sz="1600" dirty="0">
               <a:effectLst/>
               <a:latin typeface="Helvetica" panose="020B0604020202020204" pitchFamily="34" charset="0"/>
               <a:ea typeface="Times New Roman" panose="02020603050405020304" pitchFamily="18" charset="0"/>
@@ -14098,7 +14294,7 @@
               <a:buNone/>
             </a:pPr>
             <a:r>
-              <a:rPr lang="en-GB" sz="2000" dirty="0">
+              <a:rPr lang="en-GB" sz="1600" dirty="0">
                 <a:effectLst/>
                 <a:latin typeface="Helvetica" panose="020B0604020202020204" pitchFamily="34" charset="0"/>
                 <a:ea typeface="Times New Roman" panose="02020603050405020304" pitchFamily="18" charset="0"/>
@@ -14106,7 +14302,7 @@
               </a:rPr>
               <a:t>In the next part of this week's content, we will be learning about relational and logical operators, covering the following sub-topics: </a:t>
             </a:r>
-            <a:endParaRPr lang="en-ZA" sz="2000" dirty="0">
+            <a:endParaRPr lang="en-ZA" sz="1600" dirty="0">
               <a:effectLst/>
               <a:latin typeface="Helvetica" panose="020B0604020202020204" pitchFamily="34" charset="0"/>
               <a:ea typeface="Times New Roman" panose="02020603050405020304" pitchFamily="18" charset="0"/>
@@ -14122,7 +14318,7 @@
               <a:buChar char=""/>
             </a:pPr>
             <a:r>
-              <a:rPr lang="en-GB" sz="2000" dirty="0">
+              <a:rPr lang="en-GB" sz="1600" dirty="0">
                 <a:effectLst/>
                 <a:latin typeface="Helvetica" panose="020B0604020202020204" pitchFamily="34" charset="0"/>
                 <a:ea typeface="Times New Roman" panose="02020603050405020304" pitchFamily="18" charset="0"/>
@@ -14130,7 +14326,7 @@
               </a:rPr>
               <a:t>Introduction to decision making with operators </a:t>
             </a:r>
-            <a:endParaRPr lang="en-ZA" sz="2000" dirty="0">
+            <a:endParaRPr lang="en-ZA" sz="1600" dirty="0">
               <a:effectLst/>
               <a:latin typeface="Helvetica" panose="020B0604020202020204" pitchFamily="34" charset="0"/>
               <a:ea typeface="Times New Roman" panose="02020603050405020304" pitchFamily="18" charset="0"/>
@@ -14146,7 +14342,7 @@
               <a:buChar char=""/>
             </a:pPr>
             <a:r>
-              <a:rPr lang="en-GB" sz="2000" dirty="0">
+              <a:rPr lang="en-GB" sz="1600" dirty="0">
                 <a:effectLst/>
                 <a:latin typeface="Helvetica" panose="020B0604020202020204" pitchFamily="34" charset="0"/>
                 <a:ea typeface="Times New Roman" panose="02020603050405020304" pitchFamily="18" charset="0"/>
@@ -14154,7 +14350,7 @@
               </a:rPr>
               <a:t>Relational operators</a:t>
             </a:r>
-            <a:endParaRPr lang="en-ZA" sz="2000" dirty="0">
+            <a:endParaRPr lang="en-ZA" sz="1600" dirty="0">
               <a:effectLst/>
               <a:latin typeface="Helvetica" panose="020B0604020202020204" pitchFamily="34" charset="0"/>
               <a:ea typeface="Times New Roman" panose="02020603050405020304" pitchFamily="18" charset="0"/>
@@ -14170,7 +14366,7 @@
               <a:buChar char=""/>
             </a:pPr>
             <a:r>
-              <a:rPr lang="en-GB" sz="2000" dirty="0">
+              <a:rPr lang="en-GB" sz="1600" dirty="0">
                 <a:effectLst/>
                 <a:latin typeface="Helvetica" panose="020B0604020202020204" pitchFamily="34" charset="0"/>
                 <a:ea typeface="Times New Roman" panose="02020603050405020304" pitchFamily="18" charset="0"/>
@@ -14178,7 +14374,7 @@
               </a:rPr>
               <a:t>Logical operators</a:t>
             </a:r>
-            <a:endParaRPr lang="en-ZA" sz="2000" dirty="0">
+            <a:endParaRPr lang="en-ZA" sz="1600" dirty="0">
               <a:effectLst/>
               <a:latin typeface="Helvetica" panose="020B0604020202020204" pitchFamily="34" charset="0"/>
               <a:ea typeface="Times New Roman" panose="02020603050405020304" pitchFamily="18" charset="0"/>
@@ -14440,7 +14636,7 @@
               <a:buNone/>
             </a:pPr>
             <a:r>
-              <a:rPr lang="en-GB" sz="2000" b="1" dirty="0">
+              <a:rPr lang="en-GB" sz="1800" b="1" dirty="0">
                 <a:effectLst/>
                 <a:latin typeface="Helvetica" panose="020B0604020202020204" pitchFamily="34" charset="0"/>
                 <a:ea typeface="Times New Roman" panose="02020603050405020304" pitchFamily="18" charset="0"/>
@@ -14448,7 +14644,7 @@
               </a:rPr>
               <a:t>Introduction to decision making with operators</a:t>
             </a:r>
-            <a:endParaRPr lang="en-GB" sz="1800" b="1" dirty="0">
+            <a:endParaRPr lang="en-GB" sz="1600" b="1" dirty="0">
               <a:effectLst/>
               <a:latin typeface="Helvetica" panose="020B0604020202020204" pitchFamily="34" charset="0"/>
               <a:ea typeface="Times New Roman" panose="02020603050405020304" pitchFamily="18" charset="0"/>
@@ -14469,7 +14665,7 @@
               <a:buNone/>
             </a:pPr>
             <a:r>
-              <a:rPr lang="en-GB" sz="1800" dirty="0">
+              <a:rPr lang="en-GB" sz="1600" dirty="0">
                 <a:effectLst/>
                 <a:latin typeface="Helvetica" panose="020B0604020202020204" pitchFamily="34" charset="0"/>
                 <a:ea typeface="Times New Roman" panose="02020603050405020304" pitchFamily="18" charset="0"/>
@@ -14478,7 +14674,7 @@
               <a:t>To give context to this section, we will be considering a packing shipping example. Let us call this company </a:t>
             </a:r>
             <a:r>
-              <a:rPr lang="en-GB" sz="1800" i="1" dirty="0">
+              <a:rPr lang="en-GB" sz="1600" i="1" dirty="0">
                 <a:effectLst/>
                 <a:latin typeface="Helvetica" panose="020B0604020202020204" pitchFamily="34" charset="0"/>
                 <a:ea typeface="Times New Roman" panose="02020603050405020304" pitchFamily="18" charset="0"/>
@@ -14487,7 +14683,7 @@
               <a:t>Package Shippers</a:t>
             </a:r>
             <a:r>
-              <a:rPr lang="en-GB" sz="1800" dirty="0">
+              <a:rPr lang="en-GB" sz="1600" dirty="0">
                 <a:effectLst/>
                 <a:latin typeface="Helvetica" panose="020B0604020202020204" pitchFamily="34" charset="0"/>
                 <a:ea typeface="Times New Roman" panose="02020603050405020304" pitchFamily="18" charset="0"/>
@@ -14496,7 +14692,7 @@
               <a:t>, who has worked out the most profitable price to charge their customers depending on the weight of the package they request to be couriered/shipped. For simplicities sake, let us assume that </a:t>
             </a:r>
             <a:r>
-              <a:rPr lang="en-GB" sz="1800" i="1" dirty="0">
+              <a:rPr lang="en-GB" sz="1600" i="1" dirty="0">
                 <a:effectLst/>
                 <a:latin typeface="Helvetica" panose="020B0604020202020204" pitchFamily="34" charset="0"/>
                 <a:ea typeface="Times New Roman" panose="02020603050405020304" pitchFamily="18" charset="0"/>
@@ -14505,7 +14701,7 @@
               <a:t>Package Shippers</a:t>
             </a:r>
             <a:r>
-              <a:rPr lang="en-GB" sz="1800" dirty="0">
+              <a:rPr lang="en-GB" sz="1600" dirty="0">
                 <a:effectLst/>
                 <a:latin typeface="Helvetica" panose="020B0604020202020204" pitchFamily="34" charset="0"/>
                 <a:ea typeface="Times New Roman" panose="02020603050405020304" pitchFamily="18" charset="0"/>
@@ -14513,7 +14709,7 @@
               </a:rPr>
               <a:t> don't ship packages that weigh more than 2.5 kilograms. The formula they use is based on the following table:</a:t>
             </a:r>
-            <a:endParaRPr lang="en-ZA" sz="1800" dirty="0">
+            <a:endParaRPr lang="en-ZA" sz="1600" dirty="0">
               <a:effectLst/>
               <a:latin typeface="Helvetica" panose="020B0604020202020204" pitchFamily="34" charset="0"/>
               <a:ea typeface="Times New Roman" panose="02020603050405020304" pitchFamily="18" charset="0"/>
@@ -14811,7 +15007,7 @@
               <a:buNone/>
             </a:pPr>
             <a:r>
-              <a:rPr lang="en-GB" sz="1800" dirty="0">
+              <a:rPr lang="en-GB" sz="1600" dirty="0">
                 <a:effectLst/>
                 <a:latin typeface="Helvetica" panose="020B0604020202020204" pitchFamily="34" charset="0"/>
                 <a:ea typeface="Times New Roman" panose="02020603050405020304" pitchFamily="18" charset="0"/>
@@ -14834,7 +15030,7 @@
               <a:buNone/>
             </a:pPr>
             <a:r>
-              <a:rPr lang="en-GB" sz="1800" dirty="0">
+              <a:rPr lang="en-GB" sz="1600" dirty="0">
                 <a:effectLst/>
                 <a:latin typeface="Helvetica" panose="020B0604020202020204" pitchFamily="34" charset="0"/>
                 <a:ea typeface="Times New Roman" panose="02020603050405020304" pitchFamily="18" charset="0"/>
@@ -14843,7 +15039,7 @@
               <a:t>Before we jump into how these operators are defined or used operators, let us consider our line of thinking when applying the pricing rules described in the table above. The weight of the package is supplied to us, and we determine which row of the Package Weight column the supplied weight fits. One could start at the top or the bottom row, asking for example "Is 1.75 Kg </a:t>
             </a:r>
             <a:r>
-              <a:rPr lang="en-GB" sz="1800" b="1" dirty="0">
+              <a:rPr lang="en-GB" sz="1600" b="1" dirty="0">
                 <a:effectLst/>
                 <a:latin typeface="Helvetica" panose="020B0604020202020204" pitchFamily="34" charset="0"/>
                 <a:ea typeface="Times New Roman" panose="02020603050405020304" pitchFamily="18" charset="0"/>
@@ -14852,7 +15048,7 @@
               <a:t>less than or equal to</a:t>
             </a:r>
             <a:r>
-              <a:rPr lang="en-GB" sz="1800" dirty="0">
+              <a:rPr lang="en-GB" sz="1600" dirty="0">
                 <a:effectLst/>
                 <a:latin typeface="Helvetica" panose="020B0604020202020204" pitchFamily="34" charset="0"/>
                 <a:ea typeface="Times New Roman" panose="02020603050405020304" pitchFamily="18" charset="0"/>
@@ -14861,7 +15057,7 @@
               <a:t> 1 Kg?". We know this is </a:t>
             </a:r>
             <a:r>
-              <a:rPr lang="en-GB" sz="1800" b="1" dirty="0">
+              <a:rPr lang="en-GB" sz="1600" b="1" dirty="0">
                 <a:effectLst/>
                 <a:latin typeface="Helvetica" panose="020B0604020202020204" pitchFamily="34" charset="0"/>
                 <a:ea typeface="Times New Roman" panose="02020603050405020304" pitchFamily="18" charset="0"/>
@@ -14870,7 +15066,7 @@
               <a:t>not true</a:t>
             </a:r>
             <a:r>
-              <a:rPr lang="en-GB" sz="1800" dirty="0">
+              <a:rPr lang="en-GB" sz="1600" dirty="0">
                 <a:effectLst/>
                 <a:latin typeface="Helvetica" panose="020B0604020202020204" pitchFamily="34" charset="0"/>
                 <a:ea typeface="Times New Roman" panose="02020603050405020304" pitchFamily="18" charset="0"/>
@@ -14879,7 +15075,7 @@
               <a:t>, so we move to the proceeding row, asking; "Is 1.75 Kg </a:t>
             </a:r>
             <a:r>
-              <a:rPr lang="en-GB" sz="1800" b="1" dirty="0">
+              <a:rPr lang="en-GB" sz="1600" b="1" dirty="0">
                 <a:effectLst/>
                 <a:latin typeface="Helvetica" panose="020B0604020202020204" pitchFamily="34" charset="0"/>
                 <a:ea typeface="Times New Roman" panose="02020603050405020304" pitchFamily="18" charset="0"/>
@@ -14888,7 +15084,7 @@
               <a:t>greater than</a:t>
             </a:r>
             <a:r>
-              <a:rPr lang="en-GB" sz="1800" dirty="0">
+              <a:rPr lang="en-GB" sz="1600" dirty="0">
                 <a:effectLst/>
                 <a:latin typeface="Helvetica" panose="020B0604020202020204" pitchFamily="34" charset="0"/>
                 <a:ea typeface="Times New Roman" panose="02020603050405020304" pitchFamily="18" charset="0"/>
@@ -14897,7 +15093,7 @@
               <a:t> 1 Kg </a:t>
             </a:r>
             <a:r>
-              <a:rPr lang="en-GB" sz="1800" b="1" u="sng" dirty="0">
+              <a:rPr lang="en-GB" sz="1600" b="1" u="sng" dirty="0">
                 <a:effectLst/>
                 <a:latin typeface="Helvetica" panose="020B0604020202020204" pitchFamily="34" charset="0"/>
                 <a:ea typeface="Times New Roman" panose="02020603050405020304" pitchFamily="18" charset="0"/>
@@ -14906,7 +15102,7 @@
               <a:t>and</a:t>
             </a:r>
             <a:r>
-              <a:rPr lang="en-GB" sz="1800" b="1" dirty="0">
+              <a:rPr lang="en-GB" sz="1600" b="1" dirty="0">
                 <a:effectLst/>
                 <a:latin typeface="Helvetica" panose="020B0604020202020204" pitchFamily="34" charset="0"/>
                 <a:ea typeface="Times New Roman" panose="02020603050405020304" pitchFamily="18" charset="0"/>
@@ -14915,7 +15111,7 @@
               <a:t> less than or equal to</a:t>
             </a:r>
             <a:r>
-              <a:rPr lang="en-GB" sz="1800" dirty="0">
+              <a:rPr lang="en-GB" sz="1600" dirty="0">
                 <a:effectLst/>
                 <a:latin typeface="Helvetica" panose="020B0604020202020204" pitchFamily="34" charset="0"/>
                 <a:ea typeface="Times New Roman" panose="02020603050405020304" pitchFamily="18" charset="0"/>
@@ -14923,7 +15119,7 @@
               </a:rPr>
               <a:t> 1.5 Kg?", and so on. Once we find the pricing rule question that is true, we then refer to the Shipping Price in that same row. The illustration below helps visualise this graphically.</a:t>
             </a:r>
-            <a:endParaRPr lang="en-ZA" sz="1800" dirty="0">
+            <a:endParaRPr lang="en-ZA" sz="1600" dirty="0">
               <a:effectLst/>
               <a:latin typeface="Helvetica" panose="020B0604020202020204" pitchFamily="34" charset="0"/>
               <a:ea typeface="Times New Roman" panose="02020603050405020304" pitchFamily="18" charset="0"/>
@@ -15265,7 +15461,7 @@
             <a:pPr marL="0" indent="0" algn="just">
               <a:buNone/>
             </a:pPr>
-            <a:endParaRPr lang="en-ZA" sz="1800" dirty="0">
+            <a:endParaRPr lang="en-ZA" sz="1600" dirty="0">
               <a:latin typeface="Helvetica" panose="020B0604020202020204" pitchFamily="34" charset="0"/>
               <a:cs typeface="Helvetica" panose="020B0604020202020204" pitchFamily="34" charset="0"/>
             </a:endParaRPr>
@@ -15274,7 +15470,7 @@
             <a:pPr marL="0" indent="0" algn="just">
               <a:buNone/>
             </a:pPr>
-            <a:endParaRPr lang="en-ZA" sz="1800" dirty="0">
+            <a:endParaRPr lang="en-ZA" sz="1600" dirty="0">
               <a:latin typeface="Helvetica" panose="020B0604020202020204" pitchFamily="34" charset="0"/>
               <a:cs typeface="Helvetica" panose="020B0604020202020204" pitchFamily="34" charset="0"/>
             </a:endParaRPr>
@@ -15283,7 +15479,7 @@
             <a:pPr marL="0" indent="0" algn="just">
               <a:buNone/>
             </a:pPr>
-            <a:endParaRPr lang="en-ZA" sz="1800" dirty="0">
+            <a:endParaRPr lang="en-ZA" sz="1600" dirty="0">
               <a:latin typeface="Helvetica" panose="020B0604020202020204" pitchFamily="34" charset="0"/>
               <a:cs typeface="Helvetica" panose="020B0604020202020204" pitchFamily="34" charset="0"/>
             </a:endParaRPr>
@@ -15292,7 +15488,7 @@
             <a:pPr marL="0" indent="0" algn="just">
               <a:buNone/>
             </a:pPr>
-            <a:endParaRPr lang="en-ZA" sz="1800" dirty="0">
+            <a:endParaRPr lang="en-ZA" sz="1600" dirty="0">
               <a:latin typeface="Helvetica" panose="020B0604020202020204" pitchFamily="34" charset="0"/>
               <a:cs typeface="Helvetica" panose="020B0604020202020204" pitchFamily="34" charset="0"/>
             </a:endParaRPr>
@@ -15301,7 +15497,7 @@
             <a:pPr marL="0" indent="0" algn="just">
               <a:buNone/>
             </a:pPr>
-            <a:endParaRPr lang="en-ZA" sz="1800" dirty="0">
+            <a:endParaRPr lang="en-ZA" sz="1600" dirty="0">
               <a:latin typeface="Helvetica" panose="020B0604020202020204" pitchFamily="34" charset="0"/>
               <a:cs typeface="Helvetica" panose="020B0604020202020204" pitchFamily="34" charset="0"/>
             </a:endParaRPr>
@@ -15310,7 +15506,7 @@
             <a:pPr marL="0" indent="0" algn="just">
               <a:buNone/>
             </a:pPr>
-            <a:endParaRPr lang="en-ZA" sz="1800" dirty="0">
+            <a:endParaRPr lang="en-ZA" sz="1600" dirty="0">
               <a:latin typeface="Helvetica" panose="020B0604020202020204" pitchFamily="34" charset="0"/>
               <a:cs typeface="Helvetica" panose="020B0604020202020204" pitchFamily="34" charset="0"/>
             </a:endParaRPr>
@@ -15319,7 +15515,7 @@
             <a:pPr marL="0" indent="0" algn="just">
               <a:buNone/>
             </a:pPr>
-            <a:endParaRPr lang="en-ZA" sz="1800" dirty="0">
+            <a:endParaRPr lang="en-ZA" sz="1600" dirty="0">
               <a:latin typeface="Helvetica" panose="020B0604020202020204" pitchFamily="34" charset="0"/>
               <a:cs typeface="Helvetica" panose="020B0604020202020204" pitchFamily="34" charset="0"/>
             </a:endParaRPr>
@@ -15328,7 +15524,7 @@
             <a:pPr marL="0" indent="0" algn="just">
               <a:buNone/>
             </a:pPr>
-            <a:endParaRPr lang="en-ZA" sz="1800" dirty="0">
+            <a:endParaRPr lang="en-ZA" sz="1600" dirty="0">
               <a:latin typeface="Helvetica" panose="020B0604020202020204" pitchFamily="34" charset="0"/>
               <a:cs typeface="Helvetica" panose="020B0604020202020204" pitchFamily="34" charset="0"/>
             </a:endParaRPr>
@@ -15337,7 +15533,7 @@
             <a:pPr marL="0" indent="0" algn="just">
               <a:buNone/>
             </a:pPr>
-            <a:endParaRPr lang="en-ZA" sz="1800" dirty="0">
+            <a:endParaRPr lang="en-ZA" sz="1600" dirty="0">
               <a:latin typeface="Helvetica" panose="020B0604020202020204" pitchFamily="34" charset="0"/>
               <a:cs typeface="Helvetica" panose="020B0604020202020204" pitchFamily="34" charset="0"/>
             </a:endParaRPr>
@@ -15346,92 +15542,101 @@
             <a:pPr marL="0" indent="0" algn="just">
               <a:buNone/>
             </a:pPr>
-            <a:r>
-              <a:rPr lang="en-ZA" sz="1800" dirty="0">
+            <a:endParaRPr lang="en-ZA" sz="1600" dirty="0">
+              <a:latin typeface="Helvetica" panose="020B0604020202020204" pitchFamily="34" charset="0"/>
+              <a:cs typeface="Helvetica" panose="020B0604020202020204" pitchFamily="34" charset="0"/>
+            </a:endParaRPr>
+          </a:p>
+          <a:p>
+            <a:pPr marL="0" indent="0" algn="just">
+              <a:buNone/>
+            </a:pPr>
+            <a:r>
+              <a:rPr lang="en-ZA" sz="1600" dirty="0">
                 <a:latin typeface="Helvetica" panose="020B0604020202020204" pitchFamily="34" charset="0"/>
                 <a:cs typeface="Helvetica" panose="020B0604020202020204" pitchFamily="34" charset="0"/>
               </a:rPr>
               <a:t>When values or numbers are being compared, for example "Is 1.75 Kg </a:t>
             </a:r>
             <a:r>
-              <a:rPr lang="en-ZA" sz="1800" b="1" dirty="0">
+              <a:rPr lang="en-ZA" sz="1600" b="1" dirty="0">
                 <a:latin typeface="Helvetica" panose="020B0604020202020204" pitchFamily="34" charset="0"/>
                 <a:cs typeface="Helvetica" panose="020B0604020202020204" pitchFamily="34" charset="0"/>
               </a:rPr>
               <a:t>less than or equal to</a:t>
             </a:r>
             <a:r>
-              <a:rPr lang="en-ZA" sz="1800" dirty="0">
+              <a:rPr lang="en-ZA" sz="1600" dirty="0">
                 <a:latin typeface="Helvetica" panose="020B0604020202020204" pitchFamily="34" charset="0"/>
                 <a:cs typeface="Helvetica" panose="020B0604020202020204" pitchFamily="34" charset="0"/>
               </a:rPr>
               <a:t> 1 Kg?", we are making use of a relational operator, "</a:t>
             </a:r>
             <a:r>
-              <a:rPr lang="en-ZA" sz="1800" b="1" dirty="0">
+              <a:rPr lang="en-ZA" sz="1600" b="1" dirty="0">
                 <a:latin typeface="Helvetica" panose="020B0604020202020204" pitchFamily="34" charset="0"/>
                 <a:cs typeface="Helvetica" panose="020B0604020202020204" pitchFamily="34" charset="0"/>
               </a:rPr>
               <a:t>less than or equal to</a:t>
             </a:r>
             <a:r>
-              <a:rPr lang="en-ZA" sz="1800" dirty="0">
+              <a:rPr lang="en-ZA" sz="1600" dirty="0">
                 <a:latin typeface="Helvetica" panose="020B0604020202020204" pitchFamily="34" charset="0"/>
                 <a:cs typeface="Helvetica" panose="020B0604020202020204" pitchFamily="34" charset="0"/>
               </a:rPr>
               <a:t>"/ . The outcome to a statement that includes a relational operator is always logical, i.e. a true or false, and we can combine two or more logical outcomes by means of a logical operator (</a:t>
             </a:r>
             <a:r>
-              <a:rPr lang="en-ZA" sz="1800" b="1" dirty="0">
+              <a:rPr lang="en-ZA" sz="1600" b="1" dirty="0">
                 <a:latin typeface="Helvetica" panose="020B0604020202020204" pitchFamily="34" charset="0"/>
                 <a:cs typeface="Helvetica" panose="020B0604020202020204" pitchFamily="34" charset="0"/>
               </a:rPr>
               <a:t>and/or</a:t>
             </a:r>
             <a:r>
-              <a:rPr lang="en-ZA" sz="1800" dirty="0">
+              <a:rPr lang="en-ZA" sz="1600" dirty="0">
                 <a:latin typeface="Helvetica" panose="020B0604020202020204" pitchFamily="34" charset="0"/>
                 <a:cs typeface="Helvetica" panose="020B0604020202020204" pitchFamily="34" charset="0"/>
               </a:rPr>
               <a:t>), for example "Is 1.75 Kg </a:t>
             </a:r>
             <a:r>
-              <a:rPr lang="en-ZA" sz="1800" u="sng" dirty="0">
+              <a:rPr lang="en-ZA" sz="1600" u="sng" dirty="0">
                 <a:latin typeface="Helvetica" panose="020B0604020202020204" pitchFamily="34" charset="0"/>
                 <a:cs typeface="Helvetica" panose="020B0604020202020204" pitchFamily="34" charset="0"/>
               </a:rPr>
               <a:t>greater than</a:t>
             </a:r>
             <a:r>
-              <a:rPr lang="en-ZA" sz="1800" dirty="0">
+              <a:rPr lang="en-ZA" sz="1600" dirty="0">
                 <a:latin typeface="Helvetica" panose="020B0604020202020204" pitchFamily="34" charset="0"/>
                 <a:cs typeface="Helvetica" panose="020B0604020202020204" pitchFamily="34" charset="0"/>
               </a:rPr>
               <a:t> 1 Kg </a:t>
             </a:r>
             <a:r>
-              <a:rPr lang="en-ZA" sz="1800" b="1" dirty="0">
+              <a:rPr lang="en-ZA" sz="1600" b="1" dirty="0">
                 <a:latin typeface="Helvetica" panose="020B0604020202020204" pitchFamily="34" charset="0"/>
                 <a:cs typeface="Helvetica" panose="020B0604020202020204" pitchFamily="34" charset="0"/>
               </a:rPr>
               <a:t>and</a:t>
             </a:r>
             <a:r>
-              <a:rPr lang="en-ZA" sz="1800" dirty="0">
+              <a:rPr lang="en-ZA" sz="1600" dirty="0">
                 <a:latin typeface="Helvetica" panose="020B0604020202020204" pitchFamily="34" charset="0"/>
                 <a:cs typeface="Helvetica" panose="020B0604020202020204" pitchFamily="34" charset="0"/>
               </a:rPr>
               <a:t> </a:t>
             </a:r>
             <a:r>
-              <a:rPr lang="en-ZA" sz="1800" u="sng" dirty="0">
+              <a:rPr lang="en-ZA" sz="1600" u="sng" dirty="0">
                 <a:latin typeface="Helvetica" panose="020B0604020202020204" pitchFamily="34" charset="0"/>
                 <a:cs typeface="Helvetica" panose="020B0604020202020204" pitchFamily="34" charset="0"/>
               </a:rPr>
               <a:t>less than or equal to</a:t>
             </a:r>
             <a:r>
-              <a:rPr lang="en-ZA" sz="1800" dirty="0">
+              <a:rPr lang="en-ZA" sz="1600" dirty="0">
                 <a:latin typeface="Helvetica" panose="020B0604020202020204" pitchFamily="34" charset="0"/>
                 <a:cs typeface="Helvetica" panose="020B0604020202020204" pitchFamily="34" charset="0"/>
               </a:rPr>
@@ -15720,63 +15925,63 @@
               <a:buNone/>
             </a:pPr>
             <a:r>
-              <a:rPr lang="en-ZA" sz="1800" dirty="0">
+              <a:rPr lang="en-ZA" sz="1600" dirty="0">
                 <a:latin typeface="Helvetica" panose="020B0604020202020204" pitchFamily="34" charset="0"/>
                 <a:cs typeface="Helvetica" panose="020B0604020202020204" pitchFamily="34" charset="0"/>
               </a:rPr>
               <a:t>Relational operators, also known as conditional operators, are used to </a:t>
             </a:r>
             <a:r>
-              <a:rPr lang="en-ZA" sz="1800" b="1" dirty="0">
+              <a:rPr lang="en-ZA" sz="1600" b="1" dirty="0">
                 <a:latin typeface="Helvetica" panose="020B0604020202020204" pitchFamily="34" charset="0"/>
                 <a:cs typeface="Helvetica" panose="020B0604020202020204" pitchFamily="34" charset="0"/>
               </a:rPr>
               <a:t>compare two variables/values</a:t>
             </a:r>
             <a:r>
-              <a:rPr lang="en-ZA" sz="1800" dirty="0">
+              <a:rPr lang="en-ZA" sz="1600" dirty="0">
                 <a:latin typeface="Helvetica" panose="020B0604020202020204" pitchFamily="34" charset="0"/>
                 <a:cs typeface="Helvetica" panose="020B0604020202020204" pitchFamily="34" charset="0"/>
               </a:rPr>
               <a:t> to determine if the condition is true or false, for example the outcome of </a:t>
             </a:r>
             <a:r>
-              <a:rPr lang="el-GR" sz="1800" i="1" dirty="0">
+              <a:rPr lang="el-GR" sz="1600" i="1" dirty="0">
                 <a:latin typeface="Times New Roman" panose="02020603050405020304" pitchFamily="18" charset="0"/>
                 <a:cs typeface="Times New Roman" panose="02020603050405020304" pitchFamily="18" charset="0"/>
               </a:rPr>
               <a:t>π</a:t>
             </a:r>
             <a:r>
-              <a:rPr lang="en-ZA" sz="1800" i="1" dirty="0">
+              <a:rPr lang="en-ZA" sz="1600" i="1" dirty="0">
                 <a:latin typeface="Helvetica" panose="020B0604020202020204" pitchFamily="34" charset="0"/>
                 <a:cs typeface="Helvetica" panose="020B0604020202020204" pitchFamily="34" charset="0"/>
               </a:rPr>
               <a:t> </a:t>
             </a:r>
             <a:r>
-              <a:rPr lang="en-ZA" sz="1800" dirty="0">
+              <a:rPr lang="en-ZA" sz="1600" dirty="0">
                 <a:latin typeface="Helvetica" panose="020B0604020202020204" pitchFamily="34" charset="0"/>
                 <a:cs typeface="Helvetica" panose="020B0604020202020204" pitchFamily="34" charset="0"/>
               </a:rPr>
               <a:t>≥ 3 would be true while the outcome of </a:t>
             </a:r>
             <a:r>
-              <a:rPr lang="el-GR" sz="1800" i="1" dirty="0">
+              <a:rPr lang="el-GR" sz="1600" i="1" dirty="0">
                 <a:latin typeface="Times New Roman" panose="02020603050405020304" pitchFamily="18" charset="0"/>
                 <a:cs typeface="Times New Roman" panose="02020603050405020304" pitchFamily="18" charset="0"/>
               </a:rPr>
               <a:t>π</a:t>
             </a:r>
             <a:r>
-              <a:rPr lang="en-ZA" sz="1800" i="1" dirty="0">
+              <a:rPr lang="en-ZA" sz="1600" i="1" dirty="0">
                 <a:latin typeface="Helvetica" panose="020B0604020202020204" pitchFamily="34" charset="0"/>
                 <a:cs typeface="Helvetica" panose="020B0604020202020204" pitchFamily="34" charset="0"/>
               </a:rPr>
               <a:t> </a:t>
             </a:r>
             <a:r>
-              <a:rPr lang="en-ZA" sz="1800" dirty="0">
+              <a:rPr lang="en-ZA" sz="1600" dirty="0">
                 <a:latin typeface="Helvetica" panose="020B0604020202020204" pitchFamily="34" charset="0"/>
                 <a:cs typeface="Helvetica" panose="020B0604020202020204" pitchFamily="34" charset="0"/>
               </a:rPr>
@@ -15787,7 +15992,7 @@
             <a:pPr marL="0" indent="0" algn="just">
               <a:buNone/>
             </a:pPr>
-            <a:endParaRPr lang="en-ZA" sz="1800" dirty="0">
+            <a:endParaRPr lang="en-ZA" sz="1600" dirty="0">
               <a:latin typeface="Helvetica" panose="020B0604020202020204" pitchFamily="34" charset="0"/>
               <a:cs typeface="Helvetica" panose="020B0604020202020204" pitchFamily="34" charset="0"/>
             </a:endParaRPr>
@@ -15796,7 +16001,7 @@
             <a:pPr marL="0" indent="0" algn="just">
               <a:buNone/>
             </a:pPr>
-            <a:endParaRPr lang="en-ZA" sz="1800" dirty="0">
+            <a:endParaRPr lang="en-ZA" sz="1600" dirty="0">
               <a:latin typeface="Helvetica" panose="020B0604020202020204" pitchFamily="34" charset="0"/>
               <a:cs typeface="Helvetica" panose="020B0604020202020204" pitchFamily="34" charset="0"/>
             </a:endParaRPr>
@@ -15923,7 +16128,7 @@
         </p:nvSpPr>
         <p:spPr>
           <a:xfrm>
-            <a:off x="470033" y="3338363"/>
+            <a:off x="470033" y="3202176"/>
             <a:ext cx="8229600" cy="360000"/>
           </a:xfrm>
           <a:prstGeom prst="rect">
@@ -16208,7 +16413,7 @@
               <a:buNone/>
             </a:pPr>
             <a:r>
-              <a:rPr lang="en-GB" sz="1800" dirty="0">
+              <a:rPr lang="en-GB" sz="1600" dirty="0">
                 <a:effectLst/>
                 <a:latin typeface="Helvetica" panose="020B0604020202020204" pitchFamily="34" charset="0"/>
                 <a:ea typeface="Times New Roman" panose="02020603050405020304" pitchFamily="18" charset="0"/>
@@ -16216,7 +16421,7 @@
               </a:rPr>
               <a:t>Let us put these into practice by considering the example mentioned above:</a:t>
             </a:r>
-            <a:endParaRPr lang="en-ZA" sz="1800" dirty="0">
+            <a:endParaRPr lang="en-ZA" sz="1600" dirty="0">
               <a:effectLst/>
               <a:latin typeface="Helvetica" panose="020B0604020202020204" pitchFamily="34" charset="0"/>
               <a:ea typeface="Times New Roman" panose="02020603050405020304" pitchFamily="18" charset="0"/>
@@ -16237,7 +16442,7 @@
               <a:buNone/>
             </a:pPr>
             <a:r>
-              <a:rPr lang="fr-FR" sz="1800" dirty="0">
+              <a:rPr lang="fr-FR" sz="1600" dirty="0">
                 <a:solidFill>
                   <a:srgbClr val="000000"/>
                 </a:solidFill>
@@ -16248,7 +16453,7 @@
               </a:rPr>
               <a:t>pi &gt;= 3</a:t>
             </a:r>
-            <a:endParaRPr lang="en-ZA" sz="1800" dirty="0">
+            <a:endParaRPr lang="en-ZA" sz="1600" dirty="0">
               <a:effectLst/>
               <a:latin typeface="Consolas" panose="020B0609020204030204" pitchFamily="49" charset="0"/>
               <a:ea typeface="Times New Roman" panose="02020603050405020304" pitchFamily="18" charset="0"/>
@@ -16263,7 +16468,7 @@
               <a:buNone/>
             </a:pPr>
             <a:r>
-              <a:rPr lang="fr-FR" sz="1800" dirty="0">
+              <a:rPr lang="fr-FR" sz="1600" dirty="0">
                 <a:solidFill>
                   <a:srgbClr val="212121"/>
                 </a:solidFill>
@@ -16275,7 +16480,7 @@
               <a:t>ans = </a:t>
             </a:r>
             <a:r>
-              <a:rPr lang="fr-FR" sz="1800" i="1" dirty="0" err="1">
+              <a:rPr lang="fr-FR" sz="1600" i="1" dirty="0" err="1">
                 <a:solidFill>
                   <a:srgbClr val="B3B3B3"/>
                 </a:solidFill>
@@ -16286,7 +16491,7 @@
               </a:rPr>
               <a:t>logical</a:t>
             </a:r>
-            <a:endParaRPr lang="en-ZA" sz="1800" dirty="0">
+            <a:endParaRPr lang="en-ZA" sz="1600" dirty="0">
               <a:effectLst/>
               <a:latin typeface="Helvetica" panose="020B0604020202020204" pitchFamily="34" charset="0"/>
               <a:ea typeface="Times New Roman" panose="02020603050405020304" pitchFamily="18" charset="0"/>
@@ -16301,7 +16506,7 @@
               <a:buNone/>
             </a:pPr>
             <a:r>
-              <a:rPr lang="fr-FR" sz="1800" dirty="0">
+              <a:rPr lang="fr-FR" sz="1600" dirty="0">
                 <a:solidFill>
                   <a:srgbClr val="212121"/>
                 </a:solidFill>
@@ -16320,7 +16525,7 @@
               </a:lnSpc>
               <a:buNone/>
             </a:pPr>
-            <a:endParaRPr lang="en-ZA" sz="1800" dirty="0">
+            <a:endParaRPr lang="en-ZA" sz="1600" dirty="0">
               <a:effectLst/>
               <a:latin typeface="Helvetica" panose="020B0604020202020204" pitchFamily="34" charset="0"/>
               <a:ea typeface="Times New Roman" panose="02020603050405020304" pitchFamily="18" charset="0"/>
@@ -16341,7 +16546,7 @@
               <a:buNone/>
             </a:pPr>
             <a:r>
-              <a:rPr lang="fr-FR" sz="1800" dirty="0">
+              <a:rPr lang="fr-FR" sz="1600" dirty="0">
                 <a:solidFill>
                   <a:srgbClr val="000000"/>
                 </a:solidFill>
@@ -16352,7 +16557,7 @@
               </a:rPr>
               <a:t>pi &lt;= 3</a:t>
             </a:r>
-            <a:endParaRPr lang="en-ZA" sz="1800" dirty="0">
+            <a:endParaRPr lang="en-ZA" sz="1600" dirty="0">
               <a:effectLst/>
               <a:latin typeface="Consolas" panose="020B0609020204030204" pitchFamily="49" charset="0"/>
               <a:ea typeface="Times New Roman" panose="02020603050405020304" pitchFamily="18" charset="0"/>
@@ -16367,7 +16572,7 @@
               <a:buNone/>
             </a:pPr>
             <a:r>
-              <a:rPr lang="fr-FR" sz="1800" dirty="0">
+              <a:rPr lang="fr-FR" sz="1600" dirty="0">
                 <a:solidFill>
                   <a:srgbClr val="212121"/>
                 </a:solidFill>
@@ -16379,7 +16584,7 @@
               <a:t>ans = </a:t>
             </a:r>
             <a:r>
-              <a:rPr lang="fr-FR" sz="1800" i="1" dirty="0" err="1">
+              <a:rPr lang="fr-FR" sz="1600" i="1" dirty="0" err="1">
                 <a:solidFill>
                   <a:srgbClr val="B3B3B3"/>
                 </a:solidFill>
@@ -16390,7 +16595,7 @@
               </a:rPr>
               <a:t>logical</a:t>
             </a:r>
-            <a:endParaRPr lang="en-ZA" sz="1800" dirty="0">
+            <a:endParaRPr lang="en-ZA" sz="1600" dirty="0">
               <a:effectLst/>
               <a:latin typeface="Helvetica" panose="020B0604020202020204" pitchFamily="34" charset="0"/>
               <a:ea typeface="Times New Roman" panose="02020603050405020304" pitchFamily="18" charset="0"/>
@@ -16405,7 +16610,7 @@
               <a:buNone/>
             </a:pPr>
             <a:r>
-              <a:rPr lang="fr-FR" sz="1800" dirty="0">
+              <a:rPr lang="fr-FR" sz="1600" dirty="0">
                 <a:solidFill>
                   <a:srgbClr val="212121"/>
                 </a:solidFill>
@@ -16417,7 +16622,7 @@
               <a:t>   </a:t>
             </a:r>
             <a:r>
-              <a:rPr lang="en-GB" sz="1800" dirty="0">
+              <a:rPr lang="en-GB" sz="1600" dirty="0">
                 <a:solidFill>
                   <a:srgbClr val="212121"/>
                 </a:solidFill>
@@ -16428,7 +16633,7 @@
               </a:rPr>
               <a:t>0</a:t>
             </a:r>
-            <a:endParaRPr lang="en-ZA" sz="1800" dirty="0">
+            <a:endParaRPr lang="en-ZA" sz="1600" dirty="0">
               <a:effectLst/>
               <a:latin typeface="Helvetica" panose="020B0604020202020204" pitchFamily="34" charset="0"/>
               <a:ea typeface="Times New Roman" panose="02020603050405020304" pitchFamily="18" charset="0"/>
@@ -16449,7 +16654,7 @@
               <a:buNone/>
             </a:pPr>
             <a:r>
-              <a:rPr lang="en-GB" sz="1800" dirty="0">
+              <a:rPr lang="en-GB" sz="1600" dirty="0">
                 <a:effectLst/>
                 <a:latin typeface="Helvetica" panose="020B0604020202020204" pitchFamily="34" charset="0"/>
                 <a:ea typeface="Times New Roman" panose="02020603050405020304" pitchFamily="18" charset="0"/>
@@ -16457,7 +16662,7 @@
               </a:rPr>
               <a:t>Note: The outputs are of type logical.</a:t>
             </a:r>
-            <a:endParaRPr lang="en-ZA" sz="1800" dirty="0">
+            <a:endParaRPr lang="en-ZA" sz="1600" dirty="0">
               <a:effectLst/>
               <a:latin typeface="Helvetica" panose="020B0604020202020204" pitchFamily="34" charset="0"/>
               <a:ea typeface="Times New Roman" panose="02020603050405020304" pitchFamily="18" charset="0"/>
@@ -16468,7 +16673,7 @@
             <a:pPr marL="0" indent="0" algn="just">
               <a:buNone/>
             </a:pPr>
-            <a:endParaRPr lang="en-ZA" sz="1800" dirty="0">
+            <a:endParaRPr lang="en-ZA" sz="1600" dirty="0">
               <a:latin typeface="Helvetica" panose="020B0604020202020204" pitchFamily="34" charset="0"/>
               <a:cs typeface="Helvetica" panose="020B0604020202020204" pitchFamily="34" charset="0"/>
             </a:endParaRPr>
@@ -16559,7 +16764,7 @@
         </p:nvSpPr>
         <p:spPr>
           <a:xfrm>
-            <a:off x="460408" y="3598246"/>
+            <a:off x="460408" y="3744163"/>
             <a:ext cx="8229600" cy="360000"/>
           </a:xfrm>
           <a:prstGeom prst="rect">
@@ -16617,7 +16822,7 @@
         </p:nvSpPr>
         <p:spPr>
           <a:xfrm>
-            <a:off x="462013" y="2473695"/>
+            <a:off x="462013" y="2356961"/>
             <a:ext cx="8229600" cy="360000"/>
           </a:xfrm>
           <a:prstGeom prst="rect">
@@ -16835,35 +17040,35 @@
               <a:buNone/>
             </a:pPr>
             <a:r>
-              <a:rPr lang="en-ZA" sz="1800" dirty="0">
+              <a:rPr lang="en-ZA" sz="1600" dirty="0">
                 <a:latin typeface="Helvetica" panose="020B0604020202020204" pitchFamily="34" charset="0"/>
                 <a:cs typeface="Helvetica" panose="020B0604020202020204" pitchFamily="34" charset="0"/>
               </a:rPr>
               <a:t>        Now you try! As with functions, relational operators can also be applied to arrays, let us demonstrate this through some exercises. Let us consider two randomly generated integer vectors </a:t>
             </a:r>
             <a:r>
-              <a:rPr lang="en-ZA" sz="1800" dirty="0">
+              <a:rPr lang="en-ZA" sz="1600" dirty="0">
                 <a:latin typeface="Consolas" panose="020B0609020204030204" pitchFamily="49" charset="0"/>
                 <a:cs typeface="Helvetica" panose="020B0604020202020204" pitchFamily="34" charset="0"/>
               </a:rPr>
               <a:t>arr_1</a:t>
             </a:r>
             <a:r>
-              <a:rPr lang="en-ZA" sz="1800" dirty="0">
+              <a:rPr lang="en-ZA" sz="1600" dirty="0">
                 <a:latin typeface="Helvetica" panose="020B0604020202020204" pitchFamily="34" charset="0"/>
                 <a:cs typeface="Helvetica" panose="020B0604020202020204" pitchFamily="34" charset="0"/>
               </a:rPr>
               <a:t> and </a:t>
             </a:r>
             <a:r>
-              <a:rPr lang="en-ZA" sz="1800" dirty="0">
+              <a:rPr lang="en-ZA" sz="1600" dirty="0">
                 <a:latin typeface="Consolas" panose="020B0609020204030204" pitchFamily="49" charset="0"/>
                 <a:cs typeface="Helvetica" panose="020B0604020202020204" pitchFamily="34" charset="0"/>
               </a:rPr>
               <a:t>arr_2</a:t>
             </a:r>
             <a:r>
-              <a:rPr lang="en-ZA" sz="1800" dirty="0">
+              <a:rPr lang="en-ZA" sz="1600" dirty="0">
                 <a:latin typeface="Helvetica" panose="020B0604020202020204" pitchFamily="34" charset="0"/>
                 <a:cs typeface="Helvetica" panose="020B0604020202020204" pitchFamily="34" charset="0"/>
               </a:rPr>
@@ -16874,7 +17079,7 @@
             <a:pPr marL="0" indent="0" algn="just">
               <a:buNone/>
             </a:pPr>
-            <a:endParaRPr lang="en-ZA" sz="1800" dirty="0">
+            <a:endParaRPr lang="en-ZA" sz="1600" dirty="0">
               <a:latin typeface="Helvetica" panose="020B0604020202020204" pitchFamily="34" charset="0"/>
               <a:cs typeface="Helvetica" panose="020B0604020202020204" pitchFamily="34" charset="0"/>
             </a:endParaRPr>
@@ -16884,21 +17089,21 @@
               <a:buNone/>
             </a:pPr>
             <a:r>
-              <a:rPr lang="en-ZA" sz="1800" dirty="0">
+              <a:rPr lang="en-ZA" sz="1600" dirty="0">
                 <a:latin typeface="Consolas" panose="020B0609020204030204" pitchFamily="49" charset="0"/>
                 <a:cs typeface="Helvetica" panose="020B0604020202020204" pitchFamily="34" charset="0"/>
               </a:rPr>
               <a:t>arr_1 = </a:t>
             </a:r>
             <a:r>
-              <a:rPr lang="en-ZA" sz="1800" dirty="0" err="1">
+              <a:rPr lang="en-ZA" sz="1600" dirty="0" err="1">
                 <a:latin typeface="Consolas" panose="020B0609020204030204" pitchFamily="49" charset="0"/>
                 <a:cs typeface="Helvetica" panose="020B0604020202020204" pitchFamily="34" charset="0"/>
               </a:rPr>
               <a:t>randi</a:t>
             </a:r>
             <a:r>
-              <a:rPr lang="en-ZA" sz="1800" dirty="0">
+              <a:rPr lang="en-ZA" sz="1600" dirty="0">
                 <a:latin typeface="Consolas" panose="020B0609020204030204" pitchFamily="49" charset="0"/>
                 <a:cs typeface="Helvetica" panose="020B0604020202020204" pitchFamily="34" charset="0"/>
               </a:rPr>
@@ -16910,14 +17115,14 @@
               <a:buNone/>
             </a:pPr>
             <a:r>
-              <a:rPr lang="en-ZA" sz="1800" dirty="0">
+              <a:rPr lang="en-ZA" sz="1600" dirty="0">
                 <a:latin typeface="Consolas" panose="020B0609020204030204" pitchFamily="49" charset="0"/>
                 <a:cs typeface="Helvetica" panose="020B0604020202020204" pitchFamily="34" charset="0"/>
               </a:rPr>
               <a:t>arr_1 = </a:t>
             </a:r>
             <a:r>
-              <a:rPr lang="en-ZA" sz="1800" dirty="0">
+              <a:rPr lang="en-ZA" sz="1600" dirty="0">
                 <a:solidFill>
                   <a:schemeClr val="bg1">
                     <a:lumMod val="65000"/>
@@ -16934,7 +17139,7 @@
               <a:buNone/>
             </a:pPr>
             <a:r>
-              <a:rPr lang="en-ZA" sz="1800" dirty="0">
+              <a:rPr lang="en-ZA" sz="1600" dirty="0">
                 <a:latin typeface="Consolas" panose="020B0609020204030204" pitchFamily="49" charset="0"/>
                 <a:cs typeface="Helvetica" panose="020B0604020202020204" pitchFamily="34" charset="0"/>
               </a:rPr>
@@ -16945,22 +17150,31 @@
             <a:pPr marL="0" indent="0" algn="just">
               <a:buNone/>
             </a:pPr>
-            <a:r>
-              <a:rPr lang="en-ZA" sz="1800" dirty="0">
+            <a:endParaRPr lang="en-ZA" sz="1600" dirty="0">
+              <a:latin typeface="Consolas" panose="020B0609020204030204" pitchFamily="49" charset="0"/>
+              <a:cs typeface="Helvetica" panose="020B0604020202020204" pitchFamily="34" charset="0"/>
+            </a:endParaRPr>
+          </a:p>
+          <a:p>
+            <a:pPr marL="0" indent="0" algn="just">
+              <a:buNone/>
+            </a:pPr>
+            <a:r>
+              <a:rPr lang="en-ZA" sz="1600" dirty="0">
                 <a:latin typeface="Consolas" panose="020B0609020204030204" pitchFamily="49" charset="0"/>
                 <a:cs typeface="Helvetica" panose="020B0604020202020204" pitchFamily="34" charset="0"/>
               </a:rPr>
               <a:t>arr_2 = </a:t>
             </a:r>
             <a:r>
-              <a:rPr lang="en-ZA" sz="1800" dirty="0" err="1">
+              <a:rPr lang="en-ZA" sz="1600" dirty="0" err="1">
                 <a:latin typeface="Consolas" panose="020B0609020204030204" pitchFamily="49" charset="0"/>
                 <a:cs typeface="Helvetica" panose="020B0604020202020204" pitchFamily="34" charset="0"/>
               </a:rPr>
               <a:t>randi</a:t>
             </a:r>
             <a:r>
-              <a:rPr lang="en-ZA" sz="1800" dirty="0">
+              <a:rPr lang="en-ZA" sz="1600" dirty="0">
                 <a:latin typeface="Consolas" panose="020B0609020204030204" pitchFamily="49" charset="0"/>
                 <a:cs typeface="Helvetica" panose="020B0604020202020204" pitchFamily="34" charset="0"/>
               </a:rPr>
@@ -16972,14 +17186,14 @@
               <a:buNone/>
             </a:pPr>
             <a:r>
-              <a:rPr lang="en-ZA" sz="1800" dirty="0">
+              <a:rPr lang="en-ZA" sz="1600" dirty="0">
                 <a:latin typeface="Consolas" panose="020B0609020204030204" pitchFamily="49" charset="0"/>
                 <a:cs typeface="Helvetica" panose="020B0604020202020204" pitchFamily="34" charset="0"/>
               </a:rPr>
               <a:t>arr_2 = </a:t>
             </a:r>
             <a:r>
-              <a:rPr lang="en-ZA" sz="1800" dirty="0">
+              <a:rPr lang="en-ZA" sz="1600" dirty="0">
                 <a:solidFill>
                   <a:schemeClr val="bg1">
                     <a:lumMod val="65000"/>
@@ -16996,7 +17210,7 @@
               <a:buNone/>
             </a:pPr>
             <a:r>
-              <a:rPr lang="en-ZA" sz="1800" dirty="0">
+              <a:rPr lang="en-ZA" sz="1600" dirty="0">
                 <a:latin typeface="Consolas" panose="020B0609020204030204" pitchFamily="49" charset="0"/>
                 <a:cs typeface="Helvetica" panose="020B0604020202020204" pitchFamily="34" charset="0"/>
               </a:rPr>
